--- a/kincs/terkep3.pptx
+++ b/kincs/terkep3.pptx
@@ -154,10 +154,9 @@
           </a:lstStyle>
           <a:p>
             <a:r>
-              <a:rPr lang="hu-HU" smtClean="0"/>
+              <a:rPr lang="hu-HU"/>
               <a:t>Mintacím szerkesztése</a:t>
             </a:r>
-            <a:endParaRPr lang="hu-HU"/>
           </a:p>
         </p:txBody>
       </p:sp>
@@ -219,10 +218,9 @@
           </a:lstStyle>
           <a:p>
             <a:r>
-              <a:rPr lang="hu-HU" smtClean="0"/>
+              <a:rPr lang="hu-HU"/>
               <a:t>Alcím mintájának szerkesztése</a:t>
             </a:r>
-            <a:endParaRPr lang="hu-HU"/>
           </a:p>
         </p:txBody>
       </p:sp>
@@ -243,7 +241,7 @@
           <a:p>
             <a:fld id="{E4DD6386-6428-45BA-8C21-99638763D3BE}" type="datetimeFigureOut">
               <a:rPr lang="hu-HU" smtClean="0"/>
-              <a:t>2019. 11. 11.</a:t>
+              <a:t>2020. 12. 31.</a:t>
             </a:fld>
             <a:endParaRPr lang="hu-HU"/>
           </a:p>
@@ -337,10 +335,9 @@
           <a:lstStyle/>
           <a:p>
             <a:r>
-              <a:rPr lang="hu-HU" smtClean="0"/>
+              <a:rPr lang="hu-HU"/>
               <a:t>Mintacím szerkesztése</a:t>
             </a:r>
-            <a:endParaRPr lang="hu-HU"/>
           </a:p>
         </p:txBody>
       </p:sp>
@@ -361,38 +358,37 @@
           <a:p>
             <a:pPr lvl="0"/>
             <a:r>
-              <a:rPr lang="hu-HU" smtClean="0"/>
+              <a:rPr lang="hu-HU"/>
               <a:t>Mintaszöveg szerkesztése</a:t>
             </a:r>
           </a:p>
           <a:p>
             <a:pPr lvl="1"/>
             <a:r>
-              <a:rPr lang="hu-HU" smtClean="0"/>
+              <a:rPr lang="hu-HU"/>
               <a:t>Második szint</a:t>
             </a:r>
           </a:p>
           <a:p>
             <a:pPr lvl="2"/>
             <a:r>
-              <a:rPr lang="hu-HU" smtClean="0"/>
+              <a:rPr lang="hu-HU"/>
               <a:t>Harmadik szint</a:t>
             </a:r>
           </a:p>
           <a:p>
             <a:pPr lvl="3"/>
             <a:r>
-              <a:rPr lang="hu-HU" smtClean="0"/>
+              <a:rPr lang="hu-HU"/>
               <a:t>Negyedik szint</a:t>
             </a:r>
           </a:p>
           <a:p>
             <a:pPr lvl="4"/>
             <a:r>
-              <a:rPr lang="hu-HU" smtClean="0"/>
+              <a:rPr lang="hu-HU"/>
               <a:t>Ötödik szint</a:t>
             </a:r>
-            <a:endParaRPr lang="hu-HU"/>
           </a:p>
         </p:txBody>
       </p:sp>
@@ -413,7 +409,7 @@
           <a:p>
             <a:fld id="{E4DD6386-6428-45BA-8C21-99638763D3BE}" type="datetimeFigureOut">
               <a:rPr lang="hu-HU" smtClean="0"/>
-              <a:t>2019. 11. 11.</a:t>
+              <a:t>2020. 12. 31.</a:t>
             </a:fld>
             <a:endParaRPr lang="hu-HU"/>
           </a:p>
@@ -512,10 +508,9 @@
           <a:lstStyle/>
           <a:p>
             <a:r>
-              <a:rPr lang="hu-HU" smtClean="0"/>
+              <a:rPr lang="hu-HU"/>
               <a:t>Mintacím szerkesztése</a:t>
             </a:r>
-            <a:endParaRPr lang="hu-HU"/>
           </a:p>
         </p:txBody>
       </p:sp>
@@ -541,38 +536,37 @@
           <a:p>
             <a:pPr lvl="0"/>
             <a:r>
-              <a:rPr lang="hu-HU" smtClean="0"/>
+              <a:rPr lang="hu-HU"/>
               <a:t>Mintaszöveg szerkesztése</a:t>
             </a:r>
           </a:p>
           <a:p>
             <a:pPr lvl="1"/>
             <a:r>
-              <a:rPr lang="hu-HU" smtClean="0"/>
+              <a:rPr lang="hu-HU"/>
               <a:t>Második szint</a:t>
             </a:r>
           </a:p>
           <a:p>
             <a:pPr lvl="2"/>
             <a:r>
-              <a:rPr lang="hu-HU" smtClean="0"/>
+              <a:rPr lang="hu-HU"/>
               <a:t>Harmadik szint</a:t>
             </a:r>
           </a:p>
           <a:p>
             <a:pPr lvl="3"/>
             <a:r>
-              <a:rPr lang="hu-HU" smtClean="0"/>
+              <a:rPr lang="hu-HU"/>
               <a:t>Negyedik szint</a:t>
             </a:r>
           </a:p>
           <a:p>
             <a:pPr lvl="4"/>
             <a:r>
-              <a:rPr lang="hu-HU" smtClean="0"/>
+              <a:rPr lang="hu-HU"/>
               <a:t>Ötödik szint</a:t>
             </a:r>
-            <a:endParaRPr lang="hu-HU"/>
           </a:p>
         </p:txBody>
       </p:sp>
@@ -593,7 +587,7 @@
           <a:p>
             <a:fld id="{E4DD6386-6428-45BA-8C21-99638763D3BE}" type="datetimeFigureOut">
               <a:rPr lang="hu-HU" smtClean="0"/>
-              <a:t>2019. 11. 11.</a:t>
+              <a:t>2020. 12. 31.</a:t>
             </a:fld>
             <a:endParaRPr lang="hu-HU"/>
           </a:p>
@@ -687,10 +681,9 @@
           <a:lstStyle/>
           <a:p>
             <a:r>
-              <a:rPr lang="hu-HU" smtClean="0"/>
+              <a:rPr lang="hu-HU"/>
               <a:t>Mintacím szerkesztése</a:t>
             </a:r>
-            <a:endParaRPr lang="hu-HU"/>
           </a:p>
         </p:txBody>
       </p:sp>
@@ -711,38 +704,37 @@
           <a:p>
             <a:pPr lvl="0"/>
             <a:r>
-              <a:rPr lang="hu-HU" smtClean="0"/>
+              <a:rPr lang="hu-HU"/>
               <a:t>Mintaszöveg szerkesztése</a:t>
             </a:r>
           </a:p>
           <a:p>
             <a:pPr lvl="1"/>
             <a:r>
-              <a:rPr lang="hu-HU" smtClean="0"/>
+              <a:rPr lang="hu-HU"/>
               <a:t>Második szint</a:t>
             </a:r>
           </a:p>
           <a:p>
             <a:pPr lvl="2"/>
             <a:r>
-              <a:rPr lang="hu-HU" smtClean="0"/>
+              <a:rPr lang="hu-HU"/>
               <a:t>Harmadik szint</a:t>
             </a:r>
           </a:p>
           <a:p>
             <a:pPr lvl="3"/>
             <a:r>
-              <a:rPr lang="hu-HU" smtClean="0"/>
+              <a:rPr lang="hu-HU"/>
               <a:t>Negyedik szint</a:t>
             </a:r>
           </a:p>
           <a:p>
             <a:pPr lvl="4"/>
             <a:r>
-              <a:rPr lang="hu-HU" smtClean="0"/>
+              <a:rPr lang="hu-HU"/>
               <a:t>Ötödik szint</a:t>
             </a:r>
-            <a:endParaRPr lang="hu-HU"/>
           </a:p>
         </p:txBody>
       </p:sp>
@@ -763,7 +755,7 @@
           <a:p>
             <a:fld id="{E4DD6386-6428-45BA-8C21-99638763D3BE}" type="datetimeFigureOut">
               <a:rPr lang="hu-HU" smtClean="0"/>
-              <a:t>2019. 11. 11.</a:t>
+              <a:t>2020. 12. 31.</a:t>
             </a:fld>
             <a:endParaRPr lang="hu-HU"/>
           </a:p>
@@ -866,10 +858,9 @@
           </a:lstStyle>
           <a:p>
             <a:r>
-              <a:rPr lang="hu-HU" smtClean="0"/>
+              <a:rPr lang="hu-HU"/>
               <a:t>Mintacím szerkesztése</a:t>
             </a:r>
-            <a:endParaRPr lang="hu-HU"/>
           </a:p>
         </p:txBody>
       </p:sp>
@@ -986,7 +977,7 @@
           <a:p>
             <a:pPr lvl="0"/>
             <a:r>
-              <a:rPr lang="hu-HU" smtClean="0"/>
+              <a:rPr lang="hu-HU"/>
               <a:t>Mintaszöveg szerkesztése</a:t>
             </a:r>
           </a:p>
@@ -1009,7 +1000,7 @@
           <a:p>
             <a:fld id="{E4DD6386-6428-45BA-8C21-99638763D3BE}" type="datetimeFigureOut">
               <a:rPr lang="hu-HU" smtClean="0"/>
-              <a:t>2019. 11. 11.</a:t>
+              <a:t>2020. 12. 31.</a:t>
             </a:fld>
             <a:endParaRPr lang="hu-HU"/>
           </a:p>
@@ -1103,10 +1094,9 @@
           <a:lstStyle/>
           <a:p>
             <a:r>
-              <a:rPr lang="hu-HU" smtClean="0"/>
+              <a:rPr lang="hu-HU"/>
               <a:t>Mintacím szerkesztése</a:t>
             </a:r>
-            <a:endParaRPr lang="hu-HU"/>
           </a:p>
         </p:txBody>
       </p:sp>
@@ -1132,38 +1122,37 @@
           <a:p>
             <a:pPr lvl="0"/>
             <a:r>
-              <a:rPr lang="hu-HU" smtClean="0"/>
+              <a:rPr lang="hu-HU"/>
               <a:t>Mintaszöveg szerkesztése</a:t>
             </a:r>
           </a:p>
           <a:p>
             <a:pPr lvl="1"/>
             <a:r>
-              <a:rPr lang="hu-HU" smtClean="0"/>
+              <a:rPr lang="hu-HU"/>
               <a:t>Második szint</a:t>
             </a:r>
           </a:p>
           <a:p>
             <a:pPr lvl="2"/>
             <a:r>
-              <a:rPr lang="hu-HU" smtClean="0"/>
+              <a:rPr lang="hu-HU"/>
               <a:t>Harmadik szint</a:t>
             </a:r>
           </a:p>
           <a:p>
             <a:pPr lvl="3"/>
             <a:r>
-              <a:rPr lang="hu-HU" smtClean="0"/>
+              <a:rPr lang="hu-HU"/>
               <a:t>Negyedik szint</a:t>
             </a:r>
           </a:p>
           <a:p>
             <a:pPr lvl="4"/>
             <a:r>
-              <a:rPr lang="hu-HU" smtClean="0"/>
+              <a:rPr lang="hu-HU"/>
               <a:t>Ötödik szint</a:t>
             </a:r>
-            <a:endParaRPr lang="hu-HU"/>
           </a:p>
         </p:txBody>
       </p:sp>
@@ -1189,38 +1178,37 @@
           <a:p>
             <a:pPr lvl="0"/>
             <a:r>
-              <a:rPr lang="hu-HU" smtClean="0"/>
+              <a:rPr lang="hu-HU"/>
               <a:t>Mintaszöveg szerkesztése</a:t>
             </a:r>
           </a:p>
           <a:p>
             <a:pPr lvl="1"/>
             <a:r>
-              <a:rPr lang="hu-HU" smtClean="0"/>
+              <a:rPr lang="hu-HU"/>
               <a:t>Második szint</a:t>
             </a:r>
           </a:p>
           <a:p>
             <a:pPr lvl="2"/>
             <a:r>
-              <a:rPr lang="hu-HU" smtClean="0"/>
+              <a:rPr lang="hu-HU"/>
               <a:t>Harmadik szint</a:t>
             </a:r>
           </a:p>
           <a:p>
             <a:pPr lvl="3"/>
             <a:r>
-              <a:rPr lang="hu-HU" smtClean="0"/>
+              <a:rPr lang="hu-HU"/>
               <a:t>Negyedik szint</a:t>
             </a:r>
           </a:p>
           <a:p>
             <a:pPr lvl="4"/>
             <a:r>
-              <a:rPr lang="hu-HU" smtClean="0"/>
+              <a:rPr lang="hu-HU"/>
               <a:t>Ötödik szint</a:t>
             </a:r>
-            <a:endParaRPr lang="hu-HU"/>
           </a:p>
         </p:txBody>
       </p:sp>
@@ -1241,7 +1229,7 @@
           <a:p>
             <a:fld id="{E4DD6386-6428-45BA-8C21-99638763D3BE}" type="datetimeFigureOut">
               <a:rPr lang="hu-HU" smtClean="0"/>
-              <a:t>2019. 11. 11.</a:t>
+              <a:t>2020. 12. 31.</a:t>
             </a:fld>
             <a:endParaRPr lang="hu-HU"/>
           </a:p>
@@ -1340,10 +1328,9 @@
           <a:lstStyle/>
           <a:p>
             <a:r>
-              <a:rPr lang="hu-HU" smtClean="0"/>
+              <a:rPr lang="hu-HU"/>
               <a:t>Mintacím szerkesztése</a:t>
             </a:r>
-            <a:endParaRPr lang="hu-HU"/>
           </a:p>
         </p:txBody>
       </p:sp>
@@ -1406,7 +1393,7 @@
           <a:p>
             <a:pPr lvl="0"/>
             <a:r>
-              <a:rPr lang="hu-HU" smtClean="0"/>
+              <a:rPr lang="hu-HU"/>
               <a:t>Mintaszöveg szerkesztése</a:t>
             </a:r>
           </a:p>
@@ -1434,38 +1421,37 @@
           <a:p>
             <a:pPr lvl="0"/>
             <a:r>
-              <a:rPr lang="hu-HU" smtClean="0"/>
+              <a:rPr lang="hu-HU"/>
               <a:t>Mintaszöveg szerkesztése</a:t>
             </a:r>
           </a:p>
           <a:p>
             <a:pPr lvl="1"/>
             <a:r>
-              <a:rPr lang="hu-HU" smtClean="0"/>
+              <a:rPr lang="hu-HU"/>
               <a:t>Második szint</a:t>
             </a:r>
           </a:p>
           <a:p>
             <a:pPr lvl="2"/>
             <a:r>
-              <a:rPr lang="hu-HU" smtClean="0"/>
+              <a:rPr lang="hu-HU"/>
               <a:t>Harmadik szint</a:t>
             </a:r>
           </a:p>
           <a:p>
             <a:pPr lvl="3"/>
             <a:r>
-              <a:rPr lang="hu-HU" smtClean="0"/>
+              <a:rPr lang="hu-HU"/>
               <a:t>Negyedik szint</a:t>
             </a:r>
           </a:p>
           <a:p>
             <a:pPr lvl="4"/>
             <a:r>
-              <a:rPr lang="hu-HU" smtClean="0"/>
+              <a:rPr lang="hu-HU"/>
               <a:t>Ötödik szint</a:t>
             </a:r>
-            <a:endParaRPr lang="hu-HU"/>
           </a:p>
         </p:txBody>
       </p:sp>
@@ -1528,7 +1514,7 @@
           <a:p>
             <a:pPr lvl="0"/>
             <a:r>
-              <a:rPr lang="hu-HU" smtClean="0"/>
+              <a:rPr lang="hu-HU"/>
               <a:t>Mintaszöveg szerkesztése</a:t>
             </a:r>
           </a:p>
@@ -1556,38 +1542,37 @@
           <a:p>
             <a:pPr lvl="0"/>
             <a:r>
-              <a:rPr lang="hu-HU" smtClean="0"/>
+              <a:rPr lang="hu-HU"/>
               <a:t>Mintaszöveg szerkesztése</a:t>
             </a:r>
           </a:p>
           <a:p>
             <a:pPr lvl="1"/>
             <a:r>
-              <a:rPr lang="hu-HU" smtClean="0"/>
+              <a:rPr lang="hu-HU"/>
               <a:t>Második szint</a:t>
             </a:r>
           </a:p>
           <a:p>
             <a:pPr lvl="2"/>
             <a:r>
-              <a:rPr lang="hu-HU" smtClean="0"/>
+              <a:rPr lang="hu-HU"/>
               <a:t>Harmadik szint</a:t>
             </a:r>
           </a:p>
           <a:p>
             <a:pPr lvl="3"/>
             <a:r>
-              <a:rPr lang="hu-HU" smtClean="0"/>
+              <a:rPr lang="hu-HU"/>
               <a:t>Negyedik szint</a:t>
             </a:r>
           </a:p>
           <a:p>
             <a:pPr lvl="4"/>
             <a:r>
-              <a:rPr lang="hu-HU" smtClean="0"/>
+              <a:rPr lang="hu-HU"/>
               <a:t>Ötödik szint</a:t>
             </a:r>
-            <a:endParaRPr lang="hu-HU"/>
           </a:p>
         </p:txBody>
       </p:sp>
@@ -1608,7 +1593,7 @@
           <a:p>
             <a:fld id="{E4DD6386-6428-45BA-8C21-99638763D3BE}" type="datetimeFigureOut">
               <a:rPr lang="hu-HU" smtClean="0"/>
-              <a:t>2019. 11. 11.</a:t>
+              <a:t>2020. 12. 31.</a:t>
             </a:fld>
             <a:endParaRPr lang="hu-HU"/>
           </a:p>
@@ -1702,10 +1687,9 @@
           <a:lstStyle/>
           <a:p>
             <a:r>
-              <a:rPr lang="hu-HU" smtClean="0"/>
+              <a:rPr lang="hu-HU"/>
               <a:t>Mintacím szerkesztése</a:t>
             </a:r>
-            <a:endParaRPr lang="hu-HU"/>
           </a:p>
         </p:txBody>
       </p:sp>
@@ -1726,7 +1710,7 @@
           <a:p>
             <a:fld id="{E4DD6386-6428-45BA-8C21-99638763D3BE}" type="datetimeFigureOut">
               <a:rPr lang="hu-HU" smtClean="0"/>
-              <a:t>2019. 11. 11.</a:t>
+              <a:t>2020. 12. 31.</a:t>
             </a:fld>
             <a:endParaRPr lang="hu-HU"/>
           </a:p>
@@ -1821,7 +1805,7 @@
           <a:p>
             <a:fld id="{E4DD6386-6428-45BA-8C21-99638763D3BE}" type="datetimeFigureOut">
               <a:rPr lang="hu-HU" smtClean="0"/>
-              <a:t>2019. 11. 11.</a:t>
+              <a:t>2020. 12. 31.</a:t>
             </a:fld>
             <a:endParaRPr lang="hu-HU"/>
           </a:p>
@@ -1924,10 +1908,9 @@
           </a:lstStyle>
           <a:p>
             <a:r>
-              <a:rPr lang="hu-HU" smtClean="0"/>
+              <a:rPr lang="hu-HU"/>
               <a:t>Mintacím szerkesztése</a:t>
             </a:r>
-            <a:endParaRPr lang="hu-HU"/>
           </a:p>
         </p:txBody>
       </p:sp>
@@ -1981,38 +1964,37 @@
           <a:p>
             <a:pPr lvl="0"/>
             <a:r>
-              <a:rPr lang="hu-HU" smtClean="0"/>
+              <a:rPr lang="hu-HU"/>
               <a:t>Mintaszöveg szerkesztése</a:t>
             </a:r>
           </a:p>
           <a:p>
             <a:pPr lvl="1"/>
             <a:r>
-              <a:rPr lang="hu-HU" smtClean="0"/>
+              <a:rPr lang="hu-HU"/>
               <a:t>Második szint</a:t>
             </a:r>
           </a:p>
           <a:p>
             <a:pPr lvl="2"/>
             <a:r>
-              <a:rPr lang="hu-HU" smtClean="0"/>
+              <a:rPr lang="hu-HU"/>
               <a:t>Harmadik szint</a:t>
             </a:r>
           </a:p>
           <a:p>
             <a:pPr lvl="3"/>
             <a:r>
-              <a:rPr lang="hu-HU" smtClean="0"/>
+              <a:rPr lang="hu-HU"/>
               <a:t>Negyedik szint</a:t>
             </a:r>
           </a:p>
           <a:p>
             <a:pPr lvl="4"/>
             <a:r>
-              <a:rPr lang="hu-HU" smtClean="0"/>
+              <a:rPr lang="hu-HU"/>
               <a:t>Ötödik szint</a:t>
             </a:r>
-            <a:endParaRPr lang="hu-HU"/>
           </a:p>
         </p:txBody>
       </p:sp>
@@ -2075,7 +2057,7 @@
           <a:p>
             <a:pPr lvl="0"/>
             <a:r>
-              <a:rPr lang="hu-HU" smtClean="0"/>
+              <a:rPr lang="hu-HU"/>
               <a:t>Mintaszöveg szerkesztése</a:t>
             </a:r>
           </a:p>
@@ -2098,7 +2080,7 @@
           <a:p>
             <a:fld id="{E4DD6386-6428-45BA-8C21-99638763D3BE}" type="datetimeFigureOut">
               <a:rPr lang="hu-HU" smtClean="0"/>
-              <a:t>2019. 11. 11.</a:t>
+              <a:t>2020. 12. 31.</a:t>
             </a:fld>
             <a:endParaRPr lang="hu-HU"/>
           </a:p>
@@ -2201,10 +2183,9 @@
           </a:lstStyle>
           <a:p>
             <a:r>
-              <a:rPr lang="hu-HU" smtClean="0"/>
+              <a:rPr lang="hu-HU"/>
               <a:t>Mintacím szerkesztése</a:t>
             </a:r>
-            <a:endParaRPr lang="hu-HU"/>
           </a:p>
         </p:txBody>
       </p:sp>
@@ -2328,7 +2309,7 @@
           <a:p>
             <a:pPr lvl="0"/>
             <a:r>
-              <a:rPr lang="hu-HU" smtClean="0"/>
+              <a:rPr lang="hu-HU"/>
               <a:t>Mintaszöveg szerkesztése</a:t>
             </a:r>
           </a:p>
@@ -2351,7 +2332,7 @@
           <a:p>
             <a:fld id="{E4DD6386-6428-45BA-8C21-99638763D3BE}" type="datetimeFigureOut">
               <a:rPr lang="hu-HU" smtClean="0"/>
-              <a:t>2019. 11. 11.</a:t>
+              <a:t>2020. 12. 31.</a:t>
             </a:fld>
             <a:endParaRPr lang="hu-HU"/>
           </a:p>
@@ -2460,10 +2441,9 @@
           <a:lstStyle/>
           <a:p>
             <a:r>
-              <a:rPr lang="hu-HU" smtClean="0"/>
+              <a:rPr lang="hu-HU"/>
               <a:t>Mintacím szerkesztése</a:t>
             </a:r>
-            <a:endParaRPr lang="hu-HU"/>
           </a:p>
         </p:txBody>
       </p:sp>
@@ -2494,38 +2474,37 @@
           <a:p>
             <a:pPr lvl="0"/>
             <a:r>
-              <a:rPr lang="hu-HU" smtClean="0"/>
+              <a:rPr lang="hu-HU"/>
               <a:t>Mintaszöveg szerkesztése</a:t>
             </a:r>
           </a:p>
           <a:p>
             <a:pPr lvl="1"/>
             <a:r>
-              <a:rPr lang="hu-HU" smtClean="0"/>
+              <a:rPr lang="hu-HU"/>
               <a:t>Második szint</a:t>
             </a:r>
           </a:p>
           <a:p>
             <a:pPr lvl="2"/>
             <a:r>
-              <a:rPr lang="hu-HU" smtClean="0"/>
+              <a:rPr lang="hu-HU"/>
               <a:t>Harmadik szint</a:t>
             </a:r>
           </a:p>
           <a:p>
             <a:pPr lvl="3"/>
             <a:r>
-              <a:rPr lang="hu-HU" smtClean="0"/>
+              <a:rPr lang="hu-HU"/>
               <a:t>Negyedik szint</a:t>
             </a:r>
           </a:p>
           <a:p>
             <a:pPr lvl="4"/>
             <a:r>
-              <a:rPr lang="hu-HU" smtClean="0"/>
+              <a:rPr lang="hu-HU"/>
               <a:t>Ötödik szint</a:t>
             </a:r>
-            <a:endParaRPr lang="hu-HU"/>
           </a:p>
         </p:txBody>
       </p:sp>
@@ -2564,7 +2543,7 @@
           <a:p>
             <a:fld id="{E4DD6386-6428-45BA-8C21-99638763D3BE}" type="datetimeFigureOut">
               <a:rPr lang="hu-HU" smtClean="0"/>
-              <a:t>2019. 11. 11.</a:t>
+              <a:t>2020. 12. 31.</a:t>
             </a:fld>
             <a:endParaRPr lang="hu-HU"/>
           </a:p>
@@ -3001,22 +2980,24 @@
       </p:pic>
       <p:sp>
         <p:nvSpPr>
-          <p:cNvPr id="5" name="Ellipszis 4"/>
-          <p:cNvSpPr/>
-          <p:nvPr/>
-        </p:nvSpPr>
-        <p:spPr>
-          <a:xfrm>
-            <a:off x="2428432" y="38098"/>
-            <a:ext cx="1090048" cy="1065326"/>
+          <p:cNvPr id="101" name="Ellipszis 100"/>
+          <p:cNvSpPr/>
+          <p:nvPr/>
+        </p:nvSpPr>
+        <p:spPr>
+          <a:xfrm>
+            <a:off x="4276245" y="34117"/>
+            <a:ext cx="811763" cy="811763"/>
           </a:xfrm>
           <a:prstGeom prst="ellipse">
             <a:avLst/>
           </a:prstGeom>
           <a:noFill/>
-          <a:ln w="63500">
+          <a:ln w="38100">
             <a:solidFill>
-              <a:srgbClr val="0070C0"/>
+              <a:schemeClr val="bg2">
+                <a:lumMod val="50000"/>
+              </a:schemeClr>
             </a:solidFill>
           </a:ln>
         </p:spPr>
@@ -3047,13 +3028,13 @@
       </p:sp>
       <p:sp>
         <p:nvSpPr>
-          <p:cNvPr id="6" name="Ellipszis 5"/>
-          <p:cNvSpPr/>
-          <p:nvPr/>
-        </p:nvSpPr>
-        <p:spPr>
-          <a:xfrm>
-            <a:off x="2226480" y="1164984"/>
+          <p:cNvPr id="88" name="Ellipszis 87"/>
+          <p:cNvSpPr/>
+          <p:nvPr/>
+        </p:nvSpPr>
+        <p:spPr>
+          <a:xfrm>
+            <a:off x="6893825" y="38920"/>
             <a:ext cx="811763" cy="811763"/>
           </a:xfrm>
           <a:prstGeom prst="ellipse">
@@ -3095,13 +3076,59 @@
       </p:sp>
       <p:sp>
         <p:nvSpPr>
-          <p:cNvPr id="7" name="Ellipszis 6"/>
-          <p:cNvSpPr/>
-          <p:nvPr/>
-        </p:nvSpPr>
-        <p:spPr>
-          <a:xfrm>
-            <a:off x="3801093" y="6014701"/>
+          <p:cNvPr id="5" name="Ellipszis 4"/>
+          <p:cNvSpPr/>
+          <p:nvPr/>
+        </p:nvSpPr>
+        <p:spPr>
+          <a:xfrm>
+            <a:off x="2428432" y="38098"/>
+            <a:ext cx="1090048" cy="1065326"/>
+          </a:xfrm>
+          <a:prstGeom prst="ellipse">
+            <a:avLst/>
+          </a:prstGeom>
+          <a:noFill/>
+          <a:ln w="63500">
+            <a:solidFill>
+              <a:srgbClr val="0070C0"/>
+            </a:solidFill>
+          </a:ln>
+        </p:spPr>
+        <p:style>
+          <a:lnRef idx="2">
+            <a:schemeClr val="accent1">
+              <a:shade val="50000"/>
+            </a:schemeClr>
+          </a:lnRef>
+          <a:fillRef idx="1">
+            <a:schemeClr val="accent1"/>
+          </a:fillRef>
+          <a:effectRef idx="0">
+            <a:schemeClr val="accent1"/>
+          </a:effectRef>
+          <a:fontRef idx="minor">
+            <a:schemeClr val="lt1"/>
+          </a:fontRef>
+        </p:style>
+        <p:txBody>
+          <a:bodyPr rtlCol="0" anchor="ctr"/>
+          <a:lstStyle/>
+          <a:p>
+            <a:pPr algn="ctr"/>
+            <a:endParaRPr lang="hu-HU"/>
+          </a:p>
+        </p:txBody>
+      </p:sp>
+      <p:sp>
+        <p:nvSpPr>
+          <p:cNvPr id="6" name="Ellipszis 5"/>
+          <p:cNvSpPr/>
+          <p:nvPr/>
+        </p:nvSpPr>
+        <p:spPr>
+          <a:xfrm>
+            <a:off x="2226480" y="1164984"/>
             <a:ext cx="811763" cy="811763"/>
           </a:xfrm>
           <a:prstGeom prst="ellipse">
@@ -3143,13 +3170,13 @@
       </p:sp>
       <p:sp>
         <p:nvSpPr>
-          <p:cNvPr id="8" name="Ellipszis 7"/>
-          <p:cNvSpPr/>
-          <p:nvPr/>
-        </p:nvSpPr>
-        <p:spPr>
-          <a:xfrm>
-            <a:off x="2218383" y="5280398"/>
+          <p:cNvPr id="7" name="Ellipszis 6"/>
+          <p:cNvSpPr/>
+          <p:nvPr/>
+        </p:nvSpPr>
+        <p:spPr>
+          <a:xfrm>
+            <a:off x="3801093" y="6014701"/>
             <a:ext cx="811763" cy="811763"/>
           </a:xfrm>
           <a:prstGeom prst="ellipse">
@@ -3191,13 +3218,13 @@
       </p:sp>
       <p:sp>
         <p:nvSpPr>
-          <p:cNvPr id="9" name="Ellipszis 8"/>
-          <p:cNvSpPr/>
-          <p:nvPr/>
-        </p:nvSpPr>
-        <p:spPr>
-          <a:xfrm>
-            <a:off x="8377996" y="5064089"/>
+          <p:cNvPr id="8" name="Ellipszis 7"/>
+          <p:cNvSpPr/>
+          <p:nvPr/>
+        </p:nvSpPr>
+        <p:spPr>
+          <a:xfrm>
+            <a:off x="2218383" y="5280398"/>
             <a:ext cx="811763" cy="811763"/>
           </a:xfrm>
           <a:prstGeom prst="ellipse">
@@ -3239,13 +3266,13 @@
       </p:sp>
       <p:sp>
         <p:nvSpPr>
-          <p:cNvPr id="10" name="Ellipszis 9"/>
-          <p:cNvSpPr/>
-          <p:nvPr/>
-        </p:nvSpPr>
-        <p:spPr>
-          <a:xfrm>
-            <a:off x="2738084" y="4569060"/>
+          <p:cNvPr id="9" name="Ellipszis 8"/>
+          <p:cNvSpPr/>
+          <p:nvPr/>
+        </p:nvSpPr>
+        <p:spPr>
+          <a:xfrm>
+            <a:off x="8414572" y="4856825"/>
             <a:ext cx="811763" cy="811763"/>
           </a:xfrm>
           <a:prstGeom prst="ellipse">
@@ -3287,13 +3314,13 @@
       </p:sp>
       <p:sp>
         <p:nvSpPr>
-          <p:cNvPr id="11" name="Ellipszis 10"/>
-          <p:cNvSpPr/>
-          <p:nvPr/>
-        </p:nvSpPr>
-        <p:spPr>
-          <a:xfrm>
-            <a:off x="2220645" y="3875244"/>
+          <p:cNvPr id="10" name="Ellipszis 9"/>
+          <p:cNvSpPr/>
+          <p:nvPr/>
+        </p:nvSpPr>
+        <p:spPr>
+          <a:xfrm>
+            <a:off x="2738084" y="4569060"/>
             <a:ext cx="811763" cy="811763"/>
           </a:xfrm>
           <a:prstGeom prst="ellipse">
@@ -3335,13 +3362,13 @@
       </p:sp>
       <p:sp>
         <p:nvSpPr>
-          <p:cNvPr id="12" name="Ellipszis 11"/>
-          <p:cNvSpPr/>
-          <p:nvPr/>
-        </p:nvSpPr>
-        <p:spPr>
-          <a:xfrm>
-            <a:off x="8136353" y="6027169"/>
+          <p:cNvPr id="11" name="Ellipszis 10"/>
+          <p:cNvSpPr/>
+          <p:nvPr/>
+        </p:nvSpPr>
+        <p:spPr>
+          <a:xfrm>
+            <a:off x="2220645" y="3875244"/>
             <a:ext cx="811763" cy="811763"/>
           </a:xfrm>
           <a:prstGeom prst="ellipse">
@@ -3383,13 +3410,13 @@
       </p:sp>
       <p:sp>
         <p:nvSpPr>
-          <p:cNvPr id="13" name="Ellipszis 12"/>
-          <p:cNvSpPr/>
-          <p:nvPr/>
-        </p:nvSpPr>
-        <p:spPr>
-          <a:xfrm>
-            <a:off x="2804410" y="1798645"/>
+          <p:cNvPr id="12" name="Ellipszis 11"/>
+          <p:cNvSpPr/>
+          <p:nvPr/>
+        </p:nvSpPr>
+        <p:spPr>
+          <a:xfrm>
+            <a:off x="8136353" y="6002785"/>
             <a:ext cx="811763" cy="811763"/>
           </a:xfrm>
           <a:prstGeom prst="ellipse">
@@ -3431,13 +3458,13 @@
       </p:sp>
       <p:sp>
         <p:nvSpPr>
-          <p:cNvPr id="14" name="Ellipszis 13"/>
-          <p:cNvSpPr/>
-          <p:nvPr/>
-        </p:nvSpPr>
-        <p:spPr>
-          <a:xfrm>
-            <a:off x="2237046" y="2464397"/>
+          <p:cNvPr id="13" name="Ellipszis 12"/>
+          <p:cNvSpPr/>
+          <p:nvPr/>
+        </p:nvSpPr>
+        <p:spPr>
+          <a:xfrm>
+            <a:off x="2804410" y="1798645"/>
             <a:ext cx="811763" cy="811763"/>
           </a:xfrm>
           <a:prstGeom prst="ellipse">
@@ -3479,13 +3506,13 @@
       </p:sp>
       <p:sp>
         <p:nvSpPr>
-          <p:cNvPr id="15" name="Ellipszis 14"/>
-          <p:cNvSpPr/>
-          <p:nvPr/>
-        </p:nvSpPr>
-        <p:spPr>
-          <a:xfrm>
-            <a:off x="2732300" y="3173807"/>
+          <p:cNvPr id="14" name="Ellipszis 13"/>
+          <p:cNvSpPr/>
+          <p:nvPr/>
+        </p:nvSpPr>
+        <p:spPr>
+          <a:xfrm>
+            <a:off x="2237046" y="2464397"/>
             <a:ext cx="811763" cy="811763"/>
           </a:xfrm>
           <a:prstGeom prst="ellipse">
@@ -3527,13 +3554,13 @@
       </p:sp>
       <p:sp>
         <p:nvSpPr>
-          <p:cNvPr id="16" name="Ellipszis 15"/>
-          <p:cNvSpPr/>
-          <p:nvPr/>
-        </p:nvSpPr>
-        <p:spPr>
-          <a:xfrm>
-            <a:off x="9262226" y="5161800"/>
+          <p:cNvPr id="15" name="Ellipszis 14"/>
+          <p:cNvSpPr/>
+          <p:nvPr/>
+        </p:nvSpPr>
+        <p:spPr>
+          <a:xfrm>
+            <a:off x="2732300" y="3173807"/>
             <a:ext cx="811763" cy="811763"/>
           </a:xfrm>
           <a:prstGeom prst="ellipse">
@@ -3575,13 +3602,13 @@
       </p:sp>
       <p:sp>
         <p:nvSpPr>
-          <p:cNvPr id="17" name="Ellipszis 16"/>
-          <p:cNvSpPr/>
-          <p:nvPr/>
-        </p:nvSpPr>
-        <p:spPr>
-          <a:xfrm>
-            <a:off x="7482595" y="4832540"/>
+          <p:cNvPr id="16" name="Ellipszis 15"/>
+          <p:cNvSpPr/>
+          <p:nvPr/>
+        </p:nvSpPr>
+        <p:spPr>
+          <a:xfrm>
+            <a:off x="9262226" y="5161800"/>
             <a:ext cx="811763" cy="811763"/>
           </a:xfrm>
           <a:prstGeom prst="ellipse">
@@ -3623,13 +3650,13 @@
       </p:sp>
       <p:sp>
         <p:nvSpPr>
-          <p:cNvPr id="18" name="Ellipszis 17"/>
-          <p:cNvSpPr/>
-          <p:nvPr/>
-        </p:nvSpPr>
-        <p:spPr>
-          <a:xfrm>
-            <a:off x="6593104" y="4686493"/>
+          <p:cNvPr id="17" name="Ellipszis 16"/>
+          <p:cNvSpPr/>
+          <p:nvPr/>
+        </p:nvSpPr>
+        <p:spPr>
+          <a:xfrm>
+            <a:off x="7482595" y="4832540"/>
             <a:ext cx="811763" cy="811763"/>
           </a:xfrm>
           <a:prstGeom prst="ellipse">
@@ -3671,13 +3698,13 @@
       </p:sp>
       <p:sp>
         <p:nvSpPr>
-          <p:cNvPr id="19" name="Ellipszis 18"/>
-          <p:cNvSpPr/>
-          <p:nvPr/>
-        </p:nvSpPr>
-        <p:spPr>
-          <a:xfrm>
-            <a:off x="6412361" y="6028527"/>
+          <p:cNvPr id="18" name="Ellipszis 17"/>
+          <p:cNvSpPr/>
+          <p:nvPr/>
+        </p:nvSpPr>
+        <p:spPr>
+          <a:xfrm>
+            <a:off x="6593104" y="4686493"/>
             <a:ext cx="811763" cy="811763"/>
           </a:xfrm>
           <a:prstGeom prst="ellipse">
@@ -3719,13 +3746,13 @@
       </p:sp>
       <p:sp>
         <p:nvSpPr>
-          <p:cNvPr id="20" name="Ellipszis 19"/>
-          <p:cNvSpPr/>
-          <p:nvPr/>
-        </p:nvSpPr>
-        <p:spPr>
-          <a:xfrm>
-            <a:off x="7266450" y="6039471"/>
+          <p:cNvPr id="19" name="Ellipszis 18"/>
+          <p:cNvSpPr/>
+          <p:nvPr/>
+        </p:nvSpPr>
+        <p:spPr>
+          <a:xfrm>
+            <a:off x="6412361" y="5998047"/>
             <a:ext cx="811763" cy="811763"/>
           </a:xfrm>
           <a:prstGeom prst="ellipse">
@@ -3767,13 +3794,13 @@
       </p:sp>
       <p:sp>
         <p:nvSpPr>
-          <p:cNvPr id="21" name="Ellipszis 20"/>
-          <p:cNvSpPr/>
-          <p:nvPr/>
-        </p:nvSpPr>
-        <p:spPr>
-          <a:xfrm>
-            <a:off x="5540616" y="6020320"/>
+          <p:cNvPr id="20" name="Ellipszis 19"/>
+          <p:cNvSpPr/>
+          <p:nvPr/>
+        </p:nvSpPr>
+        <p:spPr>
+          <a:xfrm>
+            <a:off x="7266450" y="6027279"/>
             <a:ext cx="811763" cy="811763"/>
           </a:xfrm>
           <a:prstGeom prst="ellipse">
@@ -3815,13 +3842,13 @@
       </p:sp>
       <p:sp>
         <p:nvSpPr>
-          <p:cNvPr id="22" name="Ellipszis 21"/>
-          <p:cNvSpPr/>
-          <p:nvPr/>
-        </p:nvSpPr>
-        <p:spPr>
-          <a:xfrm>
-            <a:off x="9016397" y="6027169"/>
+          <p:cNvPr id="21" name="Ellipszis 20"/>
+          <p:cNvSpPr/>
+          <p:nvPr/>
+        </p:nvSpPr>
+        <p:spPr>
+          <a:xfrm>
+            <a:off x="5540616" y="6020320"/>
             <a:ext cx="811763" cy="811763"/>
           </a:xfrm>
           <a:prstGeom prst="ellipse">
@@ -3863,13 +3890,13 @@
       </p:sp>
       <p:sp>
         <p:nvSpPr>
-          <p:cNvPr id="23" name="Ellipszis 22"/>
-          <p:cNvSpPr/>
-          <p:nvPr/>
-        </p:nvSpPr>
-        <p:spPr>
-          <a:xfrm>
-            <a:off x="4670984" y="6020738"/>
+          <p:cNvPr id="22" name="Ellipszis 21"/>
+          <p:cNvSpPr/>
+          <p:nvPr/>
+        </p:nvSpPr>
+        <p:spPr>
+          <a:xfrm>
+            <a:off x="9016397" y="6027169"/>
             <a:ext cx="811763" cy="811763"/>
           </a:xfrm>
           <a:prstGeom prst="ellipse">
@@ -3911,14 +3938,62 @@
       </p:sp>
       <p:sp>
         <p:nvSpPr>
+          <p:cNvPr id="23" name="Ellipszis 22"/>
+          <p:cNvSpPr/>
+          <p:nvPr/>
+        </p:nvSpPr>
+        <p:spPr>
+          <a:xfrm>
+            <a:off x="4670984" y="5996354"/>
+            <a:ext cx="811763" cy="811763"/>
+          </a:xfrm>
+          <a:prstGeom prst="ellipse">
+            <a:avLst/>
+          </a:prstGeom>
+          <a:noFill/>
+          <a:ln w="38100">
+            <a:solidFill>
+              <a:schemeClr val="bg2">
+                <a:lumMod val="50000"/>
+              </a:schemeClr>
+            </a:solidFill>
+          </a:ln>
+        </p:spPr>
+        <p:style>
+          <a:lnRef idx="2">
+            <a:schemeClr val="accent1">
+              <a:shade val="50000"/>
+            </a:schemeClr>
+          </a:lnRef>
+          <a:fillRef idx="1">
+            <a:schemeClr val="accent1"/>
+          </a:fillRef>
+          <a:effectRef idx="0">
+            <a:schemeClr val="accent1"/>
+          </a:effectRef>
+          <a:fontRef idx="minor">
+            <a:schemeClr val="lt1"/>
+          </a:fontRef>
+        </p:style>
+        <p:txBody>
+          <a:bodyPr rtlCol="0" anchor="ctr"/>
+          <a:lstStyle/>
+          <a:p>
+            <a:pPr algn="ctr"/>
+            <a:endParaRPr lang="hu-HU" dirty="0"/>
+          </a:p>
+        </p:txBody>
+      </p:sp>
+      <p:sp>
+        <p:nvSpPr>
           <p:cNvPr id="24" name="Téglalap 23"/>
           <p:cNvSpPr/>
           <p:nvPr/>
         </p:nvSpPr>
         <p:spPr>
           <a:xfrm>
-            <a:off x="2934096" y="-8908"/>
-            <a:ext cx="535724" cy="923330"/>
+            <a:off x="3043361" y="129814"/>
+            <a:ext cx="473206" cy="1015663"/>
           </a:xfrm>
           <a:prstGeom prst="rect">
             <a:avLst/>
@@ -3936,7 +4011,7 @@
           <a:p>
             <a:pPr algn="ctr"/>
             <a:r>
-              <a:rPr lang="hu-HU" sz="5400" b="0" cap="none" spc="0" dirty="0" smtClean="0">
+              <a:rPr lang="hu-HU" sz="6000" b="0" cap="none" spc="0" dirty="0">
                 <a:ln w="0"/>
                 <a:solidFill>
                   <a:srgbClr val="FF0000"/>
@@ -3948,22 +4023,10 @@
                     </a:schemeClr>
                   </a:outerShdw>
                 </a:effectLst>
+                <a:latin typeface="Forte" panose="03060902040502070203" pitchFamily="66" charset="0"/>
               </a:rPr>
               <a:t>1</a:t>
             </a:r>
-            <a:endParaRPr lang="hu-HU" sz="5400" b="0" cap="none" spc="0" dirty="0">
-              <a:ln w="0"/>
-              <a:solidFill>
-                <a:srgbClr val="FF0000"/>
-              </a:solidFill>
-              <a:effectLst>
-                <a:outerShdw blurRad="38100" dist="19050" dir="2700000" algn="tl" rotWithShape="0">
-                  <a:schemeClr val="dk1">
-                    <a:alpha val="40000"/>
-                  </a:schemeClr>
-                </a:outerShdw>
-              </a:effectLst>
-            </a:endParaRPr>
           </a:p>
         </p:txBody>
       </p:sp>
@@ -4551,7 +4614,7 @@
         </p:nvSpPr>
         <p:spPr>
           <a:xfrm>
-            <a:off x="3921805" y="1169276"/>
+            <a:off x="4537197" y="2418689"/>
             <a:ext cx="811763" cy="811763"/>
           </a:xfrm>
           <a:prstGeom prst="ellipse">
@@ -4599,7 +4662,7 @@
         </p:nvSpPr>
         <p:spPr>
           <a:xfrm>
-            <a:off x="8514449" y="3553146"/>
+            <a:off x="8720985" y="3784620"/>
             <a:ext cx="811763" cy="811763"/>
           </a:xfrm>
           <a:prstGeom prst="ellipse">
@@ -4695,7 +4758,7 @@
         </p:nvSpPr>
         <p:spPr>
           <a:xfrm>
-            <a:off x="8549138" y="1007970"/>
+            <a:off x="8231053" y="822398"/>
             <a:ext cx="811763" cy="811763"/>
           </a:xfrm>
           <a:prstGeom prst="ellipse">
@@ -4743,7 +4806,7 @@
         </p:nvSpPr>
         <p:spPr>
           <a:xfrm>
-            <a:off x="2678841" y="3257185"/>
+            <a:off x="3107894" y="3419172"/>
             <a:ext cx="418704" cy="646331"/>
           </a:xfrm>
           <a:prstGeom prst="rect">
@@ -4762,7 +4825,7 @@
           <a:p>
             <a:pPr algn="ctr"/>
             <a:r>
-              <a:rPr lang="hu-HU" sz="3600" b="0" cap="none" spc="0" dirty="0" smtClean="0">
+              <a:rPr lang="hu-HU" sz="3600" b="0" cap="none" spc="0" dirty="0">
                 <a:ln w="0"/>
                 <a:solidFill>
                   <a:schemeClr val="tx1"/>
@@ -4774,22 +4837,10 @@
                     </a:schemeClr>
                   </a:outerShdw>
                 </a:effectLst>
+                <a:latin typeface="Forte" panose="03060902040502070203" pitchFamily="66" charset="0"/>
               </a:rPr>
               <a:t>5</a:t>
             </a:r>
-            <a:endParaRPr lang="hu-HU" sz="3600" b="0" cap="none" spc="0" dirty="0">
-              <a:ln w="0"/>
-              <a:solidFill>
-                <a:schemeClr val="tx1"/>
-              </a:solidFill>
-              <a:effectLst>
-                <a:outerShdw blurRad="38100" dist="19050" dir="2700000" algn="tl" rotWithShape="0">
-                  <a:schemeClr val="dk1">
-                    <a:alpha val="40000"/>
-                  </a:schemeClr>
-                </a:outerShdw>
-              </a:effectLst>
-            </a:endParaRPr>
           </a:p>
         </p:txBody>
       </p:sp>
@@ -4801,8 +4852,8 @@
         </p:nvSpPr>
         <p:spPr>
           <a:xfrm>
-            <a:off x="9063612" y="5921190"/>
-            <a:ext cx="652743" cy="646331"/>
+            <a:off x="9294218" y="6171212"/>
+            <a:ext cx="583813" cy="646331"/>
           </a:xfrm>
           <a:prstGeom prst="rect">
             <a:avLst/>
@@ -4820,7 +4871,7 @@
           <a:p>
             <a:pPr algn="ctr"/>
             <a:r>
-              <a:rPr lang="hu-HU" sz="3600" b="0" cap="none" spc="0" dirty="0" smtClean="0">
+              <a:rPr lang="hu-HU" sz="3600" b="0" cap="none" spc="0" dirty="0">
                 <a:ln w="0"/>
                 <a:solidFill>
                   <a:schemeClr val="tx1"/>
@@ -4832,22 +4883,10 @@
                     </a:schemeClr>
                   </a:outerShdw>
                 </a:effectLst>
+                <a:latin typeface="Forte" panose="03060902040502070203" pitchFamily="66" charset="0"/>
               </a:rPr>
               <a:t>15</a:t>
             </a:r>
-            <a:endParaRPr lang="hu-HU" sz="3600" b="0" cap="none" spc="0" dirty="0">
-              <a:ln w="0"/>
-              <a:solidFill>
-                <a:schemeClr val="tx1"/>
-              </a:solidFill>
-              <a:effectLst>
-                <a:outerShdw blurRad="38100" dist="19050" dir="2700000" algn="tl" rotWithShape="0">
-                  <a:schemeClr val="dk1">
-                    <a:alpha val="40000"/>
-                  </a:schemeClr>
-                </a:outerShdw>
-              </a:effectLst>
-            </a:endParaRPr>
           </a:p>
         </p:txBody>
       </p:sp>
@@ -4859,8 +4898,8 @@
         </p:nvSpPr>
         <p:spPr>
           <a:xfrm>
-            <a:off x="4763201" y="6265275"/>
-            <a:ext cx="652743" cy="646331"/>
+            <a:off x="4851041" y="6227437"/>
+            <a:ext cx="603049" cy="646331"/>
           </a:xfrm>
           <a:prstGeom prst="rect">
             <a:avLst/>
@@ -4878,7 +4917,7 @@
           <a:p>
             <a:pPr algn="ctr"/>
             <a:r>
-              <a:rPr lang="hu-HU" sz="3600" b="0" cap="none" spc="0" dirty="0" smtClean="0">
+              <a:rPr lang="hu-HU" sz="3600" b="0" cap="none" spc="0" dirty="0">
                 <a:ln w="0"/>
                 <a:solidFill>
                   <a:schemeClr val="tx1"/>
@@ -4890,22 +4929,10 @@
                     </a:schemeClr>
                   </a:outerShdw>
                 </a:effectLst>
+                <a:latin typeface="Forte" panose="03060902040502070203" pitchFamily="66" charset="0"/>
               </a:rPr>
               <a:t>10</a:t>
             </a:r>
-            <a:endParaRPr lang="hu-HU" sz="3600" b="0" cap="none" spc="0" dirty="0">
-              <a:ln w="0"/>
-              <a:solidFill>
-                <a:schemeClr val="tx1"/>
-              </a:solidFill>
-              <a:effectLst>
-                <a:outerShdw blurRad="38100" dist="19050" dir="2700000" algn="tl" rotWithShape="0">
-                  <a:schemeClr val="dk1">
-                    <a:alpha val="40000"/>
-                  </a:schemeClr>
-                </a:outerShdw>
-              </a:effectLst>
-            </a:endParaRPr>
           </a:p>
         </p:txBody>
       </p:sp>
@@ -4936,7 +4963,7 @@
           <a:p>
             <a:pPr algn="ctr"/>
             <a:r>
-              <a:rPr lang="hu-HU" sz="4400" dirty="0" smtClean="0">
+              <a:rPr lang="hu-HU" sz="4400" dirty="0">
                 <a:ln w="0"/>
                 <a:solidFill>
                   <a:srgbClr val="FF0000"/>
@@ -4975,8 +5002,8 @@
         </p:nvSpPr>
         <p:spPr>
           <a:xfrm>
-            <a:off x="3795873" y="2262870"/>
-            <a:ext cx="652743" cy="646331"/>
+            <a:off x="3638137" y="2965624"/>
+            <a:ext cx="617477" cy="646331"/>
           </a:xfrm>
           <a:prstGeom prst="rect">
             <a:avLst/>
@@ -4994,7 +5021,7 @@
           <a:p>
             <a:pPr algn="ctr"/>
             <a:r>
-              <a:rPr lang="hu-HU" sz="3600" b="0" cap="none" spc="0" dirty="0" smtClean="0">
+              <a:rPr lang="hu-HU" sz="3600" b="0" cap="none" spc="0" dirty="0">
                 <a:ln w="0"/>
                 <a:solidFill>
                   <a:schemeClr val="tx1"/>
@@ -5006,22 +5033,10 @@
                     </a:schemeClr>
                   </a:outerShdw>
                 </a:effectLst>
+                <a:latin typeface="Forte" panose="03060902040502070203" pitchFamily="66" charset="0"/>
               </a:rPr>
               <a:t>25</a:t>
             </a:r>
-            <a:endParaRPr lang="hu-HU" sz="3600" b="0" cap="none" spc="0" dirty="0">
-              <a:ln w="0"/>
-              <a:solidFill>
-                <a:schemeClr val="tx1"/>
-              </a:solidFill>
-              <a:effectLst>
-                <a:outerShdw blurRad="38100" dist="19050" dir="2700000" algn="tl" rotWithShape="0">
-                  <a:schemeClr val="dk1">
-                    <a:alpha val="40000"/>
-                  </a:schemeClr>
-                </a:outerShdw>
-              </a:effectLst>
-            </a:endParaRPr>
           </a:p>
         </p:txBody>
       </p:sp>
@@ -5056,7 +5071,7 @@
           <a:p>
             <a:pPr algn="ctr"/>
             <a:r>
-              <a:rPr lang="hu-HU" sz="3600" b="0" cap="none" spc="0" dirty="0" smtClean="0">
+              <a:rPr lang="hu-HU" sz="3600" b="0" cap="none" spc="0" dirty="0">
                 <a:ln w="0"/>
                 <a:solidFill>
                   <a:schemeClr val="tx1"/>
@@ -5071,6 +5086,49 @@
               </a:rPr>
               <a:t>20</a:t>
             </a:r>
+          </a:p>
+        </p:txBody>
+      </p:sp>
+      <p:sp>
+        <p:nvSpPr>
+          <p:cNvPr id="78" name="Téglalap 77"/>
+          <p:cNvSpPr/>
+          <p:nvPr/>
+        </p:nvSpPr>
+        <p:spPr>
+          <a:xfrm>
+            <a:off x="7052865" y="-120775"/>
+            <a:ext cx="652743" cy="646331"/>
+          </a:xfrm>
+          <a:prstGeom prst="rect">
+            <a:avLst/>
+          </a:prstGeom>
+          <a:noFill/>
+          <a:ln>
+            <a:noFill/>
+          </a:ln>
+        </p:spPr>
+        <p:txBody>
+          <a:bodyPr wrap="none" lIns="91440" tIns="45720" rIns="91440" bIns="45720">
+            <a:spAutoFit/>
+          </a:bodyPr>
+          <a:lstStyle/>
+          <a:p>
+            <a:pPr algn="ctr"/>
+            <a:r>
+              <a:rPr lang="hu-HU" sz="3600" dirty="0">
+                <a:ln w="0"/>
+                <a:effectLst>
+                  <a:outerShdw blurRad="38100" dist="19050" dir="2700000" algn="tl" rotWithShape="0">
+                    <a:schemeClr val="dk1">
+                      <a:alpha val="40000"/>
+                    </a:schemeClr>
+                  </a:outerShdw>
+                </a:effectLst>
+                <a:latin typeface="Forte" panose="03060902040502070203" pitchFamily="66" charset="0"/>
+              </a:rPr>
+              <a:t>35</a:t>
+            </a:r>
             <a:endParaRPr lang="hu-HU" sz="3600" b="0" cap="none" spc="0" dirty="0">
               <a:ln w="0"/>
               <a:solidFill>
@@ -5083,20 +5141,21 @@
                   </a:schemeClr>
                 </a:outerShdw>
               </a:effectLst>
+              <a:latin typeface="Forte" panose="03060902040502070203" pitchFamily="66" charset="0"/>
             </a:endParaRPr>
           </a:p>
         </p:txBody>
       </p:sp>
       <p:sp>
         <p:nvSpPr>
-          <p:cNvPr id="78" name="Téglalap 77"/>
-          <p:cNvSpPr/>
-          <p:nvPr/>
-        </p:nvSpPr>
-        <p:spPr>
-          <a:xfrm>
-            <a:off x="8710376" y="-90845"/>
-            <a:ext cx="652743" cy="646331"/>
+          <p:cNvPr id="84" name="Téglalap 83"/>
+          <p:cNvSpPr/>
+          <p:nvPr/>
+        </p:nvSpPr>
+        <p:spPr>
+          <a:xfrm>
+            <a:off x="4457186" y="-120326"/>
+            <a:ext cx="675186" cy="646331"/>
           </a:xfrm>
           <a:prstGeom prst="rect">
             <a:avLst/>
@@ -5113,19 +5172,6 @@
           <a:lstStyle/>
           <a:p>
             <a:pPr algn="ctr"/>
-            <a:r>
-              <a:rPr lang="hu-HU" sz="3600" dirty="0" smtClean="0">
-                <a:ln w="0"/>
-                <a:effectLst>
-                  <a:outerShdw blurRad="38100" dist="19050" dir="2700000" algn="tl" rotWithShape="0">
-                    <a:schemeClr val="dk1">
-                      <a:alpha val="40000"/>
-                    </a:schemeClr>
-                  </a:outerShdw>
-                </a:effectLst>
-              </a:rPr>
-              <a:t>3</a:t>
-            </a:r>
             <a:r>
               <a:rPr lang="hu-HU" sz="3600" dirty="0">
                 <a:ln w="0"/>
@@ -5136,8 +5182,165 @@
                     </a:schemeClr>
                   </a:outerShdw>
                 </a:effectLst>
+                <a:latin typeface="Forte" panose="03060902040502070203" pitchFamily="66" charset="0"/>
               </a:rPr>
-              <a:t>5</a:t>
+              <a:t>3</a:t>
+            </a:r>
+            <a:r>
+              <a:rPr lang="hu-HU" sz="3600" b="0" cap="none" spc="0" dirty="0">
+                <a:ln w="0"/>
+                <a:solidFill>
+                  <a:schemeClr val="tx1"/>
+                </a:solidFill>
+                <a:effectLst>
+                  <a:outerShdw blurRad="38100" dist="19050" dir="2700000" algn="tl" rotWithShape="0">
+                    <a:schemeClr val="dk1">
+                      <a:alpha val="40000"/>
+                    </a:schemeClr>
+                  </a:outerShdw>
+                </a:effectLst>
+                <a:latin typeface="Forte" panose="03060902040502070203" pitchFamily="66" charset="0"/>
+              </a:rPr>
+              <a:t>0</a:t>
+            </a:r>
+          </a:p>
+        </p:txBody>
+      </p:sp>
+      <p:sp>
+        <p:nvSpPr>
+          <p:cNvPr id="89" name="Ellipszis 88"/>
+          <p:cNvSpPr/>
+          <p:nvPr/>
+        </p:nvSpPr>
+        <p:spPr>
+          <a:xfrm>
+            <a:off x="8626528" y="39965"/>
+            <a:ext cx="811763" cy="811763"/>
+          </a:xfrm>
+          <a:prstGeom prst="ellipse">
+            <a:avLst/>
+          </a:prstGeom>
+          <a:noFill/>
+          <a:ln w="38100">
+            <a:solidFill>
+              <a:schemeClr val="bg2">
+                <a:lumMod val="50000"/>
+              </a:schemeClr>
+            </a:solidFill>
+          </a:ln>
+        </p:spPr>
+        <p:style>
+          <a:lnRef idx="2">
+            <a:schemeClr val="accent1">
+              <a:shade val="50000"/>
+            </a:schemeClr>
+          </a:lnRef>
+          <a:fillRef idx="1">
+            <a:schemeClr val="accent1"/>
+          </a:fillRef>
+          <a:effectRef idx="0">
+            <a:schemeClr val="accent1"/>
+          </a:effectRef>
+          <a:fontRef idx="minor">
+            <a:schemeClr val="lt1"/>
+          </a:fontRef>
+        </p:style>
+        <p:txBody>
+          <a:bodyPr rtlCol="0" anchor="ctr"/>
+          <a:lstStyle/>
+          <a:p>
+            <a:pPr algn="ctr"/>
+            <a:endParaRPr lang="hu-HU"/>
+          </a:p>
+        </p:txBody>
+      </p:sp>
+      <p:sp>
+        <p:nvSpPr>
+          <p:cNvPr id="90" name="Ellipszis 89"/>
+          <p:cNvSpPr/>
+          <p:nvPr/>
+        </p:nvSpPr>
+        <p:spPr>
+          <a:xfrm>
+            <a:off x="9285468" y="575204"/>
+            <a:ext cx="811763" cy="811763"/>
+          </a:xfrm>
+          <a:prstGeom prst="ellipse">
+            <a:avLst/>
+          </a:prstGeom>
+          <a:noFill/>
+          <a:ln w="38100">
+            <a:solidFill>
+              <a:schemeClr val="bg2">
+                <a:lumMod val="50000"/>
+              </a:schemeClr>
+            </a:solidFill>
+          </a:ln>
+        </p:spPr>
+        <p:style>
+          <a:lnRef idx="2">
+            <a:schemeClr val="accent1">
+              <a:shade val="50000"/>
+            </a:schemeClr>
+          </a:lnRef>
+          <a:fillRef idx="1">
+            <a:schemeClr val="accent1"/>
+          </a:fillRef>
+          <a:effectRef idx="0">
+            <a:schemeClr val="accent1"/>
+          </a:effectRef>
+          <a:fontRef idx="minor">
+            <a:schemeClr val="lt1"/>
+          </a:fontRef>
+        </p:style>
+        <p:txBody>
+          <a:bodyPr rtlCol="0" anchor="ctr"/>
+          <a:lstStyle/>
+          <a:p>
+            <a:pPr algn="ctr"/>
+            <a:endParaRPr lang="hu-HU"/>
+          </a:p>
+        </p:txBody>
+      </p:sp>
+      <p:sp>
+        <p:nvSpPr>
+          <p:cNvPr id="93" name="Téglalap 92"/>
+          <p:cNvSpPr/>
+          <p:nvPr/>
+        </p:nvSpPr>
+        <p:spPr>
+          <a:xfrm>
+            <a:off x="8768076" y="2908625"/>
+            <a:ext cx="652743" cy="646331"/>
+          </a:xfrm>
+          <a:prstGeom prst="rect">
+            <a:avLst/>
+          </a:prstGeom>
+          <a:noFill/>
+          <a:ln>
+            <a:noFill/>
+          </a:ln>
+        </p:spPr>
+        <p:txBody>
+          <a:bodyPr wrap="none" lIns="91440" tIns="45720" rIns="91440" bIns="45720">
+            <a:spAutoFit/>
+          </a:bodyPr>
+          <a:lstStyle/>
+          <a:p>
+            <a:pPr algn="ctr"/>
+            <a:r>
+              <a:rPr lang="hu-HU" sz="3600" dirty="0">
+                <a:ln w="0"/>
+                <a:effectLst>
+                  <a:outerShdw blurRad="38100" dist="19050" dir="2700000" algn="tl" rotWithShape="0">
+                    <a:schemeClr val="dk1">
+                      <a:alpha val="40000"/>
+                    </a:schemeClr>
+                  </a:outerShdw>
+                </a:effectLst>
+                <a:latin typeface="Forte" panose="03060902040502070203" pitchFamily="66" charset="0"/>
+              </a:rPr>
+              <a:t>45</a:t>
             </a:r>
             <a:endParaRPr lang="hu-HU" sz="3600" b="0" cap="none" spc="0" dirty="0">
               <a:ln w="0"/>
@@ -5151,19 +5354,20 @@
                   </a:schemeClr>
                 </a:outerShdw>
               </a:effectLst>
+              <a:latin typeface="Forte" panose="03060902040502070203" pitchFamily="66" charset="0"/>
             </a:endParaRPr>
           </a:p>
         </p:txBody>
       </p:sp>
       <p:sp>
         <p:nvSpPr>
-          <p:cNvPr id="84" name="Téglalap 83"/>
-          <p:cNvSpPr/>
-          <p:nvPr/>
-        </p:nvSpPr>
-        <p:spPr>
-          <a:xfrm>
-            <a:off x="5642313" y="1027068"/>
+          <p:cNvPr id="98" name="Téglalap 97"/>
+          <p:cNvSpPr/>
+          <p:nvPr/>
+        </p:nvSpPr>
+        <p:spPr>
+          <a:xfrm>
+            <a:off x="9452653" y="536064"/>
             <a:ext cx="652743" cy="646331"/>
           </a:xfrm>
           <a:prstGeom prst="rect">
@@ -5191,24 +5395,9 @@
                     </a:schemeClr>
                   </a:outerShdw>
                 </a:effectLst>
+                <a:latin typeface="Forte" panose="03060902040502070203" pitchFamily="66" charset="0"/>
               </a:rPr>
-              <a:t>3</a:t>
-            </a:r>
-            <a:r>
-              <a:rPr lang="hu-HU" sz="3600" b="0" cap="none" spc="0" dirty="0" smtClean="0">
-                <a:ln w="0"/>
-                <a:solidFill>
-                  <a:schemeClr val="tx1"/>
-                </a:solidFill>
-                <a:effectLst>
-                  <a:outerShdw blurRad="38100" dist="19050" dir="2700000" algn="tl" rotWithShape="0">
-                    <a:schemeClr val="dk1">
-                      <a:alpha val="40000"/>
-                    </a:schemeClr>
-                  </a:outerShdw>
-                </a:effectLst>
-              </a:rPr>
-              <a:t>0</a:t>
+              <a:t>40</a:t>
             </a:r>
             <a:endParaRPr lang="hu-HU" sz="3600" b="0" cap="none" spc="0" dirty="0">
               <a:ln w="0"/>
@@ -5222,19 +5411,20 @@
                   </a:schemeClr>
                 </a:outerShdw>
               </a:effectLst>
+              <a:latin typeface="Forte" panose="03060902040502070203" pitchFamily="66" charset="0"/>
             </a:endParaRPr>
           </a:p>
         </p:txBody>
       </p:sp>
       <p:sp>
         <p:nvSpPr>
-          <p:cNvPr id="88" name="Ellipszis 87"/>
-          <p:cNvSpPr/>
-          <p:nvPr/>
-        </p:nvSpPr>
-        <p:spPr>
-          <a:xfrm>
-            <a:off x="6893825" y="38920"/>
+          <p:cNvPr id="100" name="Ellipszis 99"/>
+          <p:cNvSpPr/>
+          <p:nvPr/>
+        </p:nvSpPr>
+        <p:spPr>
+          <a:xfrm>
+            <a:off x="4704360" y="779227"/>
             <a:ext cx="811763" cy="811763"/>
           </a:xfrm>
           <a:prstGeom prst="ellipse">
@@ -5276,13 +5466,13 @@
       </p:sp>
       <p:sp>
         <p:nvSpPr>
-          <p:cNvPr id="89" name="Ellipszis 88"/>
-          <p:cNvSpPr/>
-          <p:nvPr/>
-        </p:nvSpPr>
-        <p:spPr>
-          <a:xfrm>
-            <a:off x="8626528" y="39965"/>
+          <p:cNvPr id="102" name="Ellipszis 101"/>
+          <p:cNvSpPr/>
+          <p:nvPr/>
+        </p:nvSpPr>
+        <p:spPr>
+          <a:xfrm>
+            <a:off x="5147669" y="34117"/>
             <a:ext cx="811763" cy="811763"/>
           </a:xfrm>
           <a:prstGeom prst="ellipse">
@@ -5324,13 +5514,13 @@
       </p:sp>
       <p:sp>
         <p:nvSpPr>
-          <p:cNvPr id="90" name="Ellipszis 89"/>
-          <p:cNvSpPr/>
-          <p:nvPr/>
-        </p:nvSpPr>
-        <p:spPr>
-          <a:xfrm>
-            <a:off x="9297660" y="581300"/>
+          <p:cNvPr id="103" name="Ellipszis 102"/>
+          <p:cNvSpPr/>
+          <p:nvPr/>
+        </p:nvSpPr>
+        <p:spPr>
+          <a:xfrm>
+            <a:off x="4642166" y="4991139"/>
             <a:ext cx="811763" cy="811763"/>
           </a:xfrm>
           <a:prstGeom prst="ellipse">
@@ -5372,123 +5562,13 @@
       </p:sp>
       <p:sp>
         <p:nvSpPr>
-          <p:cNvPr id="93" name="Téglalap 92"/>
-          <p:cNvSpPr/>
-          <p:nvPr/>
-        </p:nvSpPr>
-        <p:spPr>
-          <a:xfrm>
-            <a:off x="7808220" y="3640717"/>
-            <a:ext cx="652743" cy="646331"/>
-          </a:xfrm>
-          <a:prstGeom prst="rect">
-            <a:avLst/>
-          </a:prstGeom>
-          <a:noFill/>
-          <a:ln>
-            <a:noFill/>
-          </a:ln>
-        </p:spPr>
-        <p:txBody>
-          <a:bodyPr wrap="none" lIns="91440" tIns="45720" rIns="91440" bIns="45720">
-            <a:spAutoFit/>
-          </a:bodyPr>
-          <a:lstStyle/>
-          <a:p>
-            <a:pPr algn="ctr"/>
-            <a:r>
-              <a:rPr lang="hu-HU" sz="3600" dirty="0" smtClean="0">
-                <a:ln w="0"/>
-                <a:effectLst>
-                  <a:outerShdw blurRad="38100" dist="19050" dir="2700000" algn="tl" rotWithShape="0">
-                    <a:schemeClr val="dk1">
-                      <a:alpha val="40000"/>
-                    </a:schemeClr>
-                  </a:outerShdw>
-                </a:effectLst>
-              </a:rPr>
-              <a:t>44</a:t>
-            </a:r>
-            <a:endParaRPr lang="hu-HU" sz="3600" b="0" cap="none" spc="0" dirty="0">
-              <a:ln w="0"/>
-              <a:solidFill>
-                <a:schemeClr val="tx1"/>
-              </a:solidFill>
-              <a:effectLst>
-                <a:outerShdw blurRad="38100" dist="19050" dir="2700000" algn="tl" rotWithShape="0">
-                  <a:schemeClr val="dk1">
-                    <a:alpha val="40000"/>
-                  </a:schemeClr>
-                </a:outerShdw>
-              </a:effectLst>
-            </a:endParaRPr>
-          </a:p>
-        </p:txBody>
-      </p:sp>
-      <p:sp>
-        <p:nvSpPr>
-          <p:cNvPr id="98" name="Téglalap 97"/>
-          <p:cNvSpPr/>
-          <p:nvPr/>
-        </p:nvSpPr>
-        <p:spPr>
-          <a:xfrm>
-            <a:off x="9440465" y="2426062"/>
-            <a:ext cx="652743" cy="646331"/>
-          </a:xfrm>
-          <a:prstGeom prst="rect">
-            <a:avLst/>
-          </a:prstGeom>
-          <a:noFill/>
-          <a:ln>
-            <a:noFill/>
-          </a:ln>
-        </p:spPr>
-        <p:txBody>
-          <a:bodyPr wrap="none" lIns="91440" tIns="45720" rIns="91440" bIns="45720">
-            <a:spAutoFit/>
-          </a:bodyPr>
-          <a:lstStyle/>
-          <a:p>
-            <a:pPr algn="ctr"/>
-            <a:r>
-              <a:rPr lang="hu-HU" sz="3600" dirty="0" smtClean="0">
-                <a:ln w="0"/>
-                <a:effectLst>
-                  <a:outerShdw blurRad="38100" dist="19050" dir="2700000" algn="tl" rotWithShape="0">
-                    <a:schemeClr val="dk1">
-                      <a:alpha val="40000"/>
-                    </a:schemeClr>
-                  </a:outerShdw>
-                </a:effectLst>
-              </a:rPr>
-              <a:t>40</a:t>
-            </a:r>
-            <a:endParaRPr lang="hu-HU" sz="3600" b="0" cap="none" spc="0" dirty="0">
-              <a:ln w="0"/>
-              <a:solidFill>
-                <a:schemeClr val="tx1"/>
-              </a:solidFill>
-              <a:effectLst>
-                <a:outerShdw blurRad="38100" dist="19050" dir="2700000" algn="tl" rotWithShape="0">
-                  <a:schemeClr val="dk1">
-                    <a:alpha val="40000"/>
-                  </a:schemeClr>
-                </a:outerShdw>
-              </a:effectLst>
-            </a:endParaRPr>
-          </a:p>
-        </p:txBody>
-      </p:sp>
-      <p:sp>
-        <p:nvSpPr>
-          <p:cNvPr id="100" name="Ellipszis 99"/>
-          <p:cNvSpPr/>
-          <p:nvPr/>
-        </p:nvSpPr>
-        <p:spPr>
-          <a:xfrm>
-            <a:off x="4704360" y="779227"/>
+          <p:cNvPr id="104" name="Ellipszis 103"/>
+          <p:cNvSpPr/>
+          <p:nvPr/>
+        </p:nvSpPr>
+        <p:spPr>
+          <a:xfrm>
+            <a:off x="3778468" y="3791542"/>
             <a:ext cx="811763" cy="811763"/>
           </a:xfrm>
           <a:prstGeom prst="ellipse">
@@ -5530,13 +5610,13 @@
       </p:sp>
       <p:sp>
         <p:nvSpPr>
-          <p:cNvPr id="101" name="Ellipszis 100"/>
-          <p:cNvSpPr/>
-          <p:nvPr/>
-        </p:nvSpPr>
-        <p:spPr>
-          <a:xfrm>
-            <a:off x="4276245" y="34117"/>
+          <p:cNvPr id="105" name="Ellipszis 104"/>
+          <p:cNvSpPr/>
+          <p:nvPr/>
+        </p:nvSpPr>
+        <p:spPr>
+          <a:xfrm>
+            <a:off x="3841088" y="4667580"/>
             <a:ext cx="811763" cy="811763"/>
           </a:xfrm>
           <a:prstGeom prst="ellipse">
@@ -5578,205 +5658,13 @@
       </p:sp>
       <p:sp>
         <p:nvSpPr>
-          <p:cNvPr id="102" name="Ellipszis 101"/>
-          <p:cNvSpPr/>
-          <p:nvPr/>
-        </p:nvSpPr>
-        <p:spPr>
-          <a:xfrm>
-            <a:off x="5147669" y="34117"/>
-            <a:ext cx="811763" cy="811763"/>
-          </a:xfrm>
-          <a:prstGeom prst="ellipse">
-            <a:avLst/>
-          </a:prstGeom>
-          <a:noFill/>
-          <a:ln w="38100">
-            <a:solidFill>
-              <a:schemeClr val="bg2">
-                <a:lumMod val="50000"/>
-              </a:schemeClr>
-            </a:solidFill>
-          </a:ln>
-        </p:spPr>
-        <p:style>
-          <a:lnRef idx="2">
-            <a:schemeClr val="accent1">
-              <a:shade val="50000"/>
-            </a:schemeClr>
-          </a:lnRef>
-          <a:fillRef idx="1">
-            <a:schemeClr val="accent1"/>
-          </a:fillRef>
-          <a:effectRef idx="0">
-            <a:schemeClr val="accent1"/>
-          </a:effectRef>
-          <a:fontRef idx="minor">
-            <a:schemeClr val="lt1"/>
-          </a:fontRef>
-        </p:style>
-        <p:txBody>
-          <a:bodyPr rtlCol="0" anchor="ctr"/>
-          <a:lstStyle/>
-          <a:p>
-            <a:pPr algn="ctr"/>
-            <a:endParaRPr lang="hu-HU"/>
-          </a:p>
-        </p:txBody>
-      </p:sp>
-      <p:sp>
-        <p:nvSpPr>
-          <p:cNvPr id="103" name="Ellipszis 102"/>
-          <p:cNvSpPr/>
-          <p:nvPr/>
-        </p:nvSpPr>
-        <p:spPr>
-          <a:xfrm>
-            <a:off x="4642166" y="4991139"/>
-            <a:ext cx="811763" cy="811763"/>
-          </a:xfrm>
-          <a:prstGeom prst="ellipse">
-            <a:avLst/>
-          </a:prstGeom>
-          <a:noFill/>
-          <a:ln w="38100">
-            <a:solidFill>
-              <a:schemeClr val="bg2">
-                <a:lumMod val="50000"/>
-              </a:schemeClr>
-            </a:solidFill>
-          </a:ln>
-        </p:spPr>
-        <p:style>
-          <a:lnRef idx="2">
-            <a:schemeClr val="accent1">
-              <a:shade val="50000"/>
-            </a:schemeClr>
-          </a:lnRef>
-          <a:fillRef idx="1">
-            <a:schemeClr val="accent1"/>
-          </a:fillRef>
-          <a:effectRef idx="0">
-            <a:schemeClr val="accent1"/>
-          </a:effectRef>
-          <a:fontRef idx="minor">
-            <a:schemeClr val="lt1"/>
-          </a:fontRef>
-        </p:style>
-        <p:txBody>
-          <a:bodyPr rtlCol="0" anchor="ctr"/>
-          <a:lstStyle/>
-          <a:p>
-            <a:pPr algn="ctr"/>
-            <a:endParaRPr lang="hu-HU"/>
-          </a:p>
-        </p:txBody>
-      </p:sp>
-      <p:sp>
-        <p:nvSpPr>
-          <p:cNvPr id="104" name="Ellipszis 103"/>
-          <p:cNvSpPr/>
-          <p:nvPr/>
-        </p:nvSpPr>
-        <p:spPr>
-          <a:xfrm>
-            <a:off x="3778468" y="3791542"/>
-            <a:ext cx="811763" cy="811763"/>
-          </a:xfrm>
-          <a:prstGeom prst="ellipse">
-            <a:avLst/>
-          </a:prstGeom>
-          <a:noFill/>
-          <a:ln w="38100">
-            <a:solidFill>
-              <a:schemeClr val="bg2">
-                <a:lumMod val="50000"/>
-              </a:schemeClr>
-            </a:solidFill>
-          </a:ln>
-        </p:spPr>
-        <p:style>
-          <a:lnRef idx="2">
-            <a:schemeClr val="accent1">
-              <a:shade val="50000"/>
-            </a:schemeClr>
-          </a:lnRef>
-          <a:fillRef idx="1">
-            <a:schemeClr val="accent1"/>
-          </a:fillRef>
-          <a:effectRef idx="0">
-            <a:schemeClr val="accent1"/>
-          </a:effectRef>
-          <a:fontRef idx="minor">
-            <a:schemeClr val="lt1"/>
-          </a:fontRef>
-        </p:style>
-        <p:txBody>
-          <a:bodyPr rtlCol="0" anchor="ctr"/>
-          <a:lstStyle/>
-          <a:p>
-            <a:pPr algn="ctr"/>
-            <a:endParaRPr lang="hu-HU"/>
-          </a:p>
-        </p:txBody>
-      </p:sp>
-      <p:sp>
-        <p:nvSpPr>
-          <p:cNvPr id="105" name="Ellipszis 104"/>
-          <p:cNvSpPr/>
-          <p:nvPr/>
-        </p:nvSpPr>
-        <p:spPr>
-          <a:xfrm>
-            <a:off x="3841088" y="4667580"/>
-            <a:ext cx="811763" cy="811763"/>
-          </a:xfrm>
-          <a:prstGeom prst="ellipse">
-            <a:avLst/>
-          </a:prstGeom>
-          <a:noFill/>
-          <a:ln w="38100">
-            <a:solidFill>
-              <a:schemeClr val="bg2">
-                <a:lumMod val="50000"/>
-              </a:schemeClr>
-            </a:solidFill>
-          </a:ln>
-        </p:spPr>
-        <p:style>
-          <a:lnRef idx="2">
-            <a:schemeClr val="accent1">
-              <a:shade val="50000"/>
-            </a:schemeClr>
-          </a:lnRef>
-          <a:fillRef idx="1">
-            <a:schemeClr val="accent1"/>
-          </a:fillRef>
-          <a:effectRef idx="0">
-            <a:schemeClr val="accent1"/>
-          </a:effectRef>
-          <a:fontRef idx="minor">
-            <a:schemeClr val="lt1"/>
-          </a:fontRef>
-        </p:style>
-        <p:txBody>
-          <a:bodyPr rtlCol="0" anchor="ctr"/>
-          <a:lstStyle/>
-          <a:p>
-            <a:pPr algn="ctr"/>
-            <a:endParaRPr lang="hu-HU"/>
-          </a:p>
-        </p:txBody>
-      </p:sp>
-      <p:sp>
-        <p:nvSpPr>
           <p:cNvPr id="106" name="Ellipszis 105"/>
           <p:cNvSpPr/>
           <p:nvPr/>
         </p:nvSpPr>
         <p:spPr>
           <a:xfrm>
-            <a:off x="7493920" y="3493074"/>
+            <a:off x="7090755" y="3748651"/>
             <a:ext cx="931909" cy="931909"/>
           </a:xfrm>
           <a:prstGeom prst="ellipse">
@@ -5871,33 +5759,30 @@
           <p:nvPr/>
         </p:nvSpPr>
         <p:spPr>
-          <a:xfrm rot="4181264">
-            <a:off x="1607902" y="955782"/>
-            <a:ext cx="1981528" cy="1065875"/>
+          <a:xfrm rot="5027685">
+            <a:off x="2783554" y="1115577"/>
+            <a:ext cx="986461" cy="617592"/>
           </a:xfrm>
           <a:prstGeom prst="arc">
             <a:avLst>
-              <a:gd name="adj1" fmla="val 14996911"/>
-              <a:gd name="adj2" fmla="val 0"/>
+              <a:gd name="adj1" fmla="val 11782655"/>
+              <a:gd name="adj2" fmla="val 20678963"/>
             </a:avLst>
           </a:prstGeom>
-          <a:ln w="19050">
-            <a:solidFill>
-              <a:schemeClr val="accent1"/>
-            </a:solidFill>
+          <a:ln>
             <a:headEnd type="stealth" w="lg" len="lg"/>
             <a:tailEnd type="none"/>
           </a:ln>
         </p:spPr>
         <p:style>
-          <a:lnRef idx="1">
-            <a:schemeClr val="accent1"/>
+          <a:lnRef idx="3">
+            <a:schemeClr val="accent2"/>
           </a:lnRef>
           <a:fillRef idx="0">
-            <a:schemeClr val="accent1"/>
+            <a:schemeClr val="accent2"/>
           </a:fillRef>
-          <a:effectRef idx="0">
-            <a:schemeClr val="accent1"/>
+          <a:effectRef idx="2">
+            <a:schemeClr val="accent2"/>
           </a:effectRef>
           <a:fontRef idx="minor">
             <a:schemeClr val="tx1"/>
@@ -5919,33 +5804,30 @@
           <p:nvPr/>
         </p:nvSpPr>
         <p:spPr>
-          <a:xfrm rot="4181264">
-            <a:off x="-834873" y="-175921"/>
-            <a:ext cx="5345806" cy="2557223"/>
+          <a:xfrm rot="5400000" flipV="1">
+            <a:off x="1599644" y="1311094"/>
+            <a:ext cx="1828076" cy="621614"/>
           </a:xfrm>
           <a:prstGeom prst="arc">
             <a:avLst>
-              <a:gd name="adj1" fmla="val 17544185"/>
+              <a:gd name="adj1" fmla="val 11108925"/>
               <a:gd name="adj2" fmla="val 21250423"/>
             </a:avLst>
           </a:prstGeom>
-          <a:ln w="19050">
-            <a:solidFill>
-              <a:schemeClr val="accent1"/>
-            </a:solidFill>
+          <a:ln>
             <a:headEnd type="stealth" w="lg" len="lg"/>
             <a:tailEnd type="none"/>
           </a:ln>
         </p:spPr>
         <p:style>
-          <a:lnRef idx="1">
-            <a:schemeClr val="accent1"/>
+          <a:lnRef idx="3">
+            <a:schemeClr val="accent2"/>
           </a:lnRef>
           <a:fillRef idx="0">
-            <a:schemeClr val="accent1"/>
+            <a:schemeClr val="accent2"/>
           </a:fillRef>
-          <a:effectRef idx="0">
-            <a:schemeClr val="accent1"/>
+          <a:effectRef idx="2">
+            <a:schemeClr val="accent2"/>
           </a:effectRef>
           <a:fontRef idx="minor">
             <a:schemeClr val="tx1"/>
@@ -5956,7 +5838,7 @@
           <a:lstStyle/>
           <a:p>
             <a:pPr algn="ctr"/>
-            <a:endParaRPr lang="hu-HU"/>
+            <a:endParaRPr lang="hu-HU" dirty="0"/>
           </a:p>
         </p:txBody>
       </p:sp>
@@ -6018,12 +5900,57 @@
         </p:nvSpPr>
         <p:spPr>
           <a:xfrm rot="14243359">
-            <a:off x="2304440" y="978381"/>
-            <a:ext cx="637164" cy="574893"/>
+            <a:off x="2402357" y="820643"/>
+            <a:ext cx="434531" cy="476672"/>
           </a:xfrm>
           <a:prstGeom prst="arc">
             <a:avLst>
               <a:gd name="adj1" fmla="val 16141583"/>
+              <a:gd name="adj2" fmla="val 0"/>
+            </a:avLst>
+          </a:prstGeom>
+          <a:ln>
+            <a:headEnd type="none" w="lg" len="lg"/>
+            <a:tailEnd type="stealth" w="lg" len="lg"/>
+          </a:ln>
+        </p:spPr>
+        <p:style>
+          <a:lnRef idx="3">
+            <a:schemeClr val="accent2"/>
+          </a:lnRef>
+          <a:fillRef idx="0">
+            <a:schemeClr val="accent2"/>
+          </a:fillRef>
+          <a:effectRef idx="2">
+            <a:schemeClr val="accent2"/>
+          </a:effectRef>
+          <a:fontRef idx="minor">
+            <a:schemeClr val="tx1"/>
+          </a:fontRef>
+        </p:style>
+        <p:txBody>
+          <a:bodyPr rtlCol="0" anchor="ctr"/>
+          <a:lstStyle/>
+          <a:p>
+            <a:pPr algn="ctr"/>
+            <a:endParaRPr lang="hu-HU"/>
+          </a:p>
+        </p:txBody>
+      </p:sp>
+      <p:sp>
+        <p:nvSpPr>
+          <p:cNvPr id="111" name="Ív 110"/>
+          <p:cNvSpPr/>
+          <p:nvPr/>
+        </p:nvSpPr>
+        <p:spPr>
+          <a:xfrm rot="12697419">
+            <a:off x="10609759" y="4264173"/>
+            <a:ext cx="1153347" cy="678260"/>
+          </a:xfrm>
+          <a:prstGeom prst="arc">
+            <a:avLst>
+              <a:gd name="adj1" fmla="val 16523342"/>
               <a:gd name="adj2" fmla="val 0"/>
             </a:avLst>
           </a:prstGeom>
@@ -6060,38 +5987,35 @@
       </p:sp>
       <p:sp>
         <p:nvSpPr>
-          <p:cNvPr id="111" name="Ív 110"/>
-          <p:cNvSpPr/>
-          <p:nvPr/>
-        </p:nvSpPr>
-        <p:spPr>
-          <a:xfrm rot="12697419">
-            <a:off x="8437750" y="5305173"/>
-            <a:ext cx="1153347" cy="678260"/>
+          <p:cNvPr id="112" name="Ív 111"/>
+          <p:cNvSpPr/>
+          <p:nvPr/>
+        </p:nvSpPr>
+        <p:spPr>
+          <a:xfrm rot="16651308">
+            <a:off x="7720016" y="5756518"/>
+            <a:ext cx="1352106" cy="877607"/>
           </a:xfrm>
           <a:prstGeom prst="arc">
             <a:avLst>
-              <a:gd name="adj1" fmla="val 16523342"/>
+              <a:gd name="adj1" fmla="val 16419735"/>
               <a:gd name="adj2" fmla="val 0"/>
             </a:avLst>
           </a:prstGeom>
-          <a:ln w="19050">
-            <a:solidFill>
-              <a:schemeClr val="accent1"/>
-            </a:solidFill>
-            <a:headEnd type="none" w="lg" len="lg"/>
-            <a:tailEnd type="stealth" w="lg" len="lg"/>
+          <a:ln>
+            <a:headEnd type="stealth" w="lg" len="lg"/>
+            <a:tailEnd type="none"/>
           </a:ln>
         </p:spPr>
         <p:style>
-          <a:lnRef idx="1">
-            <a:schemeClr val="accent1"/>
+          <a:lnRef idx="3">
+            <a:schemeClr val="accent2"/>
           </a:lnRef>
           <a:fillRef idx="0">
-            <a:schemeClr val="accent1"/>
+            <a:schemeClr val="accent2"/>
           </a:fillRef>
-          <a:effectRef idx="0">
-            <a:schemeClr val="accent1"/>
+          <a:effectRef idx="2">
+            <a:schemeClr val="accent2"/>
           </a:effectRef>
           <a:fontRef idx="minor">
             <a:schemeClr val="tx1"/>
@@ -6102,55 +6026,7 @@
           <a:lstStyle/>
           <a:p>
             <a:pPr algn="ctr"/>
-            <a:endParaRPr lang="hu-HU"/>
-          </a:p>
-        </p:txBody>
-      </p:sp>
-      <p:sp>
-        <p:nvSpPr>
-          <p:cNvPr id="112" name="Ív 111"/>
-          <p:cNvSpPr/>
-          <p:nvPr/>
-        </p:nvSpPr>
-        <p:spPr>
-          <a:xfrm rot="16651308">
-            <a:off x="8071402" y="5023988"/>
-            <a:ext cx="1553577" cy="2904356"/>
-          </a:xfrm>
-          <a:prstGeom prst="arc">
-            <a:avLst>
-              <a:gd name="adj1" fmla="val 16419735"/>
-              <a:gd name="adj2" fmla="val 0"/>
-            </a:avLst>
-          </a:prstGeom>
-          <a:ln w="19050">
-            <a:solidFill>
-              <a:schemeClr val="accent1"/>
-            </a:solidFill>
-            <a:headEnd type="stealth" w="lg" len="lg"/>
-            <a:tailEnd type="none"/>
-          </a:ln>
-        </p:spPr>
-        <p:style>
-          <a:lnRef idx="1">
-            <a:schemeClr val="accent1"/>
-          </a:lnRef>
-          <a:fillRef idx="0">
-            <a:schemeClr val="accent1"/>
-          </a:fillRef>
-          <a:effectRef idx="0">
-            <a:schemeClr val="accent1"/>
-          </a:effectRef>
-          <a:fontRef idx="minor">
-            <a:schemeClr val="tx1"/>
-          </a:fontRef>
-        </p:style>
-        <p:txBody>
-          <a:bodyPr rtlCol="0" anchor="ctr"/>
-          <a:lstStyle/>
-          <a:p>
-            <a:pPr algn="ctr"/>
-            <a:endParaRPr lang="hu-HU"/>
+            <a:endParaRPr lang="hu-HU" dirty="0"/>
           </a:p>
         </p:txBody>
       </p:sp>
@@ -6162,7 +6038,7 @@
         </p:nvSpPr>
         <p:spPr>
           <a:xfrm rot="20846679">
-            <a:off x="8791260" y="3924918"/>
+            <a:off x="10466345" y="3663066"/>
             <a:ext cx="878015" cy="1008240"/>
           </a:xfrm>
           <a:prstGeom prst="arc">
@@ -6293,7 +6169,7 @@
         </p:nvCxnSpPr>
         <p:spPr>
           <a:xfrm flipH="1">
-            <a:off x="5976445" y="5732417"/>
+            <a:off x="10371628" y="2743655"/>
             <a:ext cx="1330380" cy="645079"/>
           </a:xfrm>
           <a:prstGeom prst="straightConnector1">
@@ -6355,6 +6231,913 @@
           </a:effectRef>
           <a:fontRef idx="minor">
             <a:schemeClr val="lt1"/>
+          </a:fontRef>
+        </p:style>
+        <p:txBody>
+          <a:bodyPr rtlCol="0" anchor="ctr"/>
+          <a:lstStyle/>
+          <a:p>
+            <a:pPr algn="ctr"/>
+            <a:endParaRPr lang="hu-HU"/>
+          </a:p>
+        </p:txBody>
+      </p:sp>
+      <p:sp>
+        <p:nvSpPr>
+          <p:cNvPr id="71" name="Ív 106">
+            <a:extLst>
+              <a:ext uri="{FF2B5EF4-FFF2-40B4-BE49-F238E27FC236}">
+                <a16:creationId xmlns:a16="http://schemas.microsoft.com/office/drawing/2014/main" id="{399C149B-8C7D-4514-8920-CB0C294B4814}"/>
+              </a:ext>
+            </a:extLst>
+          </p:cNvPr>
+          <p:cNvSpPr/>
+          <p:nvPr/>
+        </p:nvSpPr>
+        <p:spPr>
+          <a:xfrm rot="1465449">
+            <a:off x="2828908" y="5719613"/>
+            <a:ext cx="1303236" cy="617592"/>
+          </a:xfrm>
+          <a:prstGeom prst="arc">
+            <a:avLst>
+              <a:gd name="adj1" fmla="val 11782655"/>
+              <a:gd name="adj2" fmla="val 20156839"/>
+            </a:avLst>
+          </a:prstGeom>
+          <a:ln>
+            <a:headEnd type="stealth" w="lg" len="lg"/>
+            <a:tailEnd type="none"/>
+          </a:ln>
+        </p:spPr>
+        <p:style>
+          <a:lnRef idx="3">
+            <a:schemeClr val="accent2"/>
+          </a:lnRef>
+          <a:fillRef idx="0">
+            <a:schemeClr val="accent2"/>
+          </a:fillRef>
+          <a:effectRef idx="2">
+            <a:schemeClr val="accent2"/>
+          </a:effectRef>
+          <a:fontRef idx="minor">
+            <a:schemeClr val="tx1"/>
+          </a:fontRef>
+        </p:style>
+        <p:txBody>
+          <a:bodyPr rtlCol="0" anchor="ctr"/>
+          <a:lstStyle/>
+          <a:p>
+            <a:pPr algn="ctr"/>
+            <a:endParaRPr lang="hu-HU"/>
+          </a:p>
+        </p:txBody>
+      </p:sp>
+      <p:cxnSp>
+        <p:nvCxnSpPr>
+          <p:cNvPr id="72" name="Egyenes összekötő nyíllal 84">
+            <a:extLst>
+              <a:ext uri="{FF2B5EF4-FFF2-40B4-BE49-F238E27FC236}">
+                <a16:creationId xmlns:a16="http://schemas.microsoft.com/office/drawing/2014/main" id="{74FB7131-7AEF-41A8-824A-9C4993BC03FE}"/>
+              </a:ext>
+            </a:extLst>
+          </p:cNvPr>
+          <p:cNvCxnSpPr>
+            <a:cxnSpLocks/>
+          </p:cNvCxnSpPr>
+          <p:nvPr/>
+        </p:nvCxnSpPr>
+        <p:spPr>
+          <a:xfrm flipV="1">
+            <a:off x="7024948" y="5875852"/>
+            <a:ext cx="2316690" cy="151669"/>
+          </a:xfrm>
+          <a:prstGeom prst="straightConnector1">
+            <a:avLst/>
+          </a:prstGeom>
+          <a:ln>
+            <a:tailEnd type="stealth" w="lg" len="lg"/>
+          </a:ln>
+        </p:spPr>
+        <p:style>
+          <a:lnRef idx="3">
+            <a:schemeClr val="accent5"/>
+          </a:lnRef>
+          <a:fillRef idx="0">
+            <a:schemeClr val="accent5"/>
+          </a:fillRef>
+          <a:effectRef idx="2">
+            <a:schemeClr val="accent5"/>
+          </a:effectRef>
+          <a:fontRef idx="minor">
+            <a:schemeClr val="tx1"/>
+          </a:fontRef>
+        </p:style>
+      </p:cxnSp>
+      <p:sp>
+        <p:nvSpPr>
+          <p:cNvPr id="82" name="Ív 111">
+            <a:extLst>
+              <a:ext uri="{FF2B5EF4-FFF2-40B4-BE49-F238E27FC236}">
+                <a16:creationId xmlns:a16="http://schemas.microsoft.com/office/drawing/2014/main" id="{71A8C9FC-4D24-4D5E-B1AC-2EAEFEA4857A}"/>
+              </a:ext>
+            </a:extLst>
+          </p:cNvPr>
+          <p:cNvSpPr/>
+          <p:nvPr/>
+        </p:nvSpPr>
+        <p:spPr>
+          <a:xfrm rot="17847640">
+            <a:off x="8816947" y="5947998"/>
+            <a:ext cx="752249" cy="792183"/>
+          </a:xfrm>
+          <a:prstGeom prst="arc">
+            <a:avLst>
+              <a:gd name="adj1" fmla="val 16419735"/>
+              <a:gd name="adj2" fmla="val 0"/>
+            </a:avLst>
+          </a:prstGeom>
+          <a:ln>
+            <a:headEnd type="stealth" w="lg" len="lg"/>
+            <a:tailEnd type="none"/>
+          </a:ln>
+        </p:spPr>
+        <p:style>
+          <a:lnRef idx="3">
+            <a:schemeClr val="accent2"/>
+          </a:lnRef>
+          <a:fillRef idx="0">
+            <a:schemeClr val="accent2"/>
+          </a:fillRef>
+          <a:effectRef idx="2">
+            <a:schemeClr val="accent2"/>
+          </a:effectRef>
+          <a:fontRef idx="minor">
+            <a:schemeClr val="tx1"/>
+          </a:fontRef>
+        </p:style>
+        <p:txBody>
+          <a:bodyPr rtlCol="0" anchor="ctr"/>
+          <a:lstStyle/>
+          <a:p>
+            <a:pPr algn="ctr"/>
+            <a:endParaRPr lang="hu-HU" dirty="0"/>
+          </a:p>
+        </p:txBody>
+      </p:sp>
+      <p:sp>
+        <p:nvSpPr>
+          <p:cNvPr id="83" name="Ív 106">
+            <a:extLst>
+              <a:ext uri="{FF2B5EF4-FFF2-40B4-BE49-F238E27FC236}">
+                <a16:creationId xmlns:a16="http://schemas.microsoft.com/office/drawing/2014/main" id="{088A8847-28F4-4A2B-866D-E48582A07BAC}"/>
+              </a:ext>
+            </a:extLst>
+          </p:cNvPr>
+          <p:cNvSpPr/>
+          <p:nvPr/>
+        </p:nvSpPr>
+        <p:spPr>
+          <a:xfrm>
+            <a:off x="4552159" y="5809483"/>
+            <a:ext cx="2852708" cy="646330"/>
+          </a:xfrm>
+          <a:prstGeom prst="arc">
+            <a:avLst>
+              <a:gd name="adj1" fmla="val 10821439"/>
+              <a:gd name="adj2" fmla="val 21535794"/>
+            </a:avLst>
+          </a:prstGeom>
+          <a:ln>
+            <a:headEnd type="stealth" w="lg" len="lg"/>
+            <a:tailEnd type="none"/>
+          </a:ln>
+        </p:spPr>
+        <p:style>
+          <a:lnRef idx="3">
+            <a:schemeClr val="accent2"/>
+          </a:lnRef>
+          <a:fillRef idx="0">
+            <a:schemeClr val="accent2"/>
+          </a:fillRef>
+          <a:effectRef idx="2">
+            <a:schemeClr val="accent2"/>
+          </a:effectRef>
+          <a:fontRef idx="minor">
+            <a:schemeClr val="tx1"/>
+          </a:fontRef>
+        </p:style>
+        <p:txBody>
+          <a:bodyPr rtlCol="0" anchor="ctr"/>
+          <a:lstStyle/>
+          <a:p>
+            <a:pPr algn="ctr"/>
+            <a:endParaRPr lang="hu-HU"/>
+          </a:p>
+        </p:txBody>
+      </p:sp>
+      <p:sp>
+        <p:nvSpPr>
+          <p:cNvPr id="86" name="Ellipszis 28">
+            <a:extLst>
+              <a:ext uri="{FF2B5EF4-FFF2-40B4-BE49-F238E27FC236}">
+                <a16:creationId xmlns:a16="http://schemas.microsoft.com/office/drawing/2014/main" id="{A3FFD027-F53C-47AA-BCC3-169B823BE608}"/>
+              </a:ext>
+            </a:extLst>
+          </p:cNvPr>
+          <p:cNvSpPr/>
+          <p:nvPr/>
+        </p:nvSpPr>
+        <p:spPr>
+          <a:xfrm>
+            <a:off x="6002901" y="63589"/>
+            <a:ext cx="811763" cy="811763"/>
+          </a:xfrm>
+          <a:prstGeom prst="ellipse">
+            <a:avLst/>
+          </a:prstGeom>
+          <a:noFill/>
+          <a:ln w="38100">
+            <a:solidFill>
+              <a:schemeClr val="bg2">
+                <a:lumMod val="50000"/>
+              </a:schemeClr>
+            </a:solidFill>
+          </a:ln>
+        </p:spPr>
+        <p:style>
+          <a:lnRef idx="2">
+            <a:schemeClr val="accent1">
+              <a:shade val="50000"/>
+            </a:schemeClr>
+          </a:lnRef>
+          <a:fillRef idx="1">
+            <a:schemeClr val="accent1"/>
+          </a:fillRef>
+          <a:effectRef idx="0">
+            <a:schemeClr val="accent1"/>
+          </a:effectRef>
+          <a:fontRef idx="minor">
+            <a:schemeClr val="lt1"/>
+          </a:fontRef>
+        </p:style>
+        <p:txBody>
+          <a:bodyPr rtlCol="0" anchor="ctr"/>
+          <a:lstStyle/>
+          <a:p>
+            <a:pPr algn="ctr"/>
+            <a:endParaRPr lang="hu-HU"/>
+          </a:p>
+        </p:txBody>
+      </p:sp>
+      <p:sp>
+        <p:nvSpPr>
+          <p:cNvPr id="87" name="Ellipszis 30">
+            <a:extLst>
+              <a:ext uri="{FF2B5EF4-FFF2-40B4-BE49-F238E27FC236}">
+                <a16:creationId xmlns:a16="http://schemas.microsoft.com/office/drawing/2014/main" id="{EF060117-7F09-4DAA-B4A5-A09704BFDEC8}"/>
+              </a:ext>
+            </a:extLst>
+          </p:cNvPr>
+          <p:cNvSpPr/>
+          <p:nvPr/>
+        </p:nvSpPr>
+        <p:spPr>
+          <a:xfrm>
+            <a:off x="4494711" y="3298499"/>
+            <a:ext cx="811763" cy="811763"/>
+          </a:xfrm>
+          <a:prstGeom prst="ellipse">
+            <a:avLst/>
+          </a:prstGeom>
+          <a:noFill/>
+          <a:ln w="38100">
+            <a:solidFill>
+              <a:schemeClr val="bg2">
+                <a:lumMod val="50000"/>
+              </a:schemeClr>
+            </a:solidFill>
+          </a:ln>
+        </p:spPr>
+        <p:style>
+          <a:lnRef idx="2">
+            <a:schemeClr val="accent1">
+              <a:shade val="50000"/>
+            </a:schemeClr>
+          </a:lnRef>
+          <a:fillRef idx="1">
+            <a:schemeClr val="accent1"/>
+          </a:fillRef>
+          <a:effectRef idx="0">
+            <a:schemeClr val="accent1"/>
+          </a:effectRef>
+          <a:fontRef idx="minor">
+            <a:schemeClr val="lt1"/>
+          </a:fontRef>
+        </p:style>
+        <p:txBody>
+          <a:bodyPr rtlCol="0" anchor="ctr"/>
+          <a:lstStyle/>
+          <a:p>
+            <a:pPr algn="ctr"/>
+            <a:endParaRPr lang="hu-HU"/>
+          </a:p>
+        </p:txBody>
+      </p:sp>
+      <p:sp>
+        <p:nvSpPr>
+          <p:cNvPr id="91" name="Ellipszis 30">
+            <a:extLst>
+              <a:ext uri="{FF2B5EF4-FFF2-40B4-BE49-F238E27FC236}">
+                <a16:creationId xmlns:a16="http://schemas.microsoft.com/office/drawing/2014/main" id="{69A25612-D9B6-4699-974B-152EC2568F61}"/>
+              </a:ext>
+            </a:extLst>
+          </p:cNvPr>
+          <p:cNvSpPr/>
+          <p:nvPr/>
+        </p:nvSpPr>
+        <p:spPr>
+          <a:xfrm>
+            <a:off x="3940979" y="1182395"/>
+            <a:ext cx="811763" cy="811763"/>
+          </a:xfrm>
+          <a:prstGeom prst="ellipse">
+            <a:avLst/>
+          </a:prstGeom>
+          <a:noFill/>
+          <a:ln w="38100">
+            <a:solidFill>
+              <a:schemeClr val="bg2">
+                <a:lumMod val="50000"/>
+              </a:schemeClr>
+            </a:solidFill>
+          </a:ln>
+        </p:spPr>
+        <p:style>
+          <a:lnRef idx="2">
+            <a:schemeClr val="accent1">
+              <a:shade val="50000"/>
+            </a:schemeClr>
+          </a:lnRef>
+          <a:fillRef idx="1">
+            <a:schemeClr val="accent1"/>
+          </a:fillRef>
+          <a:effectRef idx="0">
+            <a:schemeClr val="accent1"/>
+          </a:effectRef>
+          <a:fontRef idx="minor">
+            <a:schemeClr val="lt1"/>
+          </a:fontRef>
+        </p:style>
+        <p:txBody>
+          <a:bodyPr rtlCol="0" anchor="ctr"/>
+          <a:lstStyle/>
+          <a:p>
+            <a:pPr algn="ctr"/>
+            <a:endParaRPr lang="hu-HU"/>
+          </a:p>
+        </p:txBody>
+      </p:sp>
+      <p:sp>
+        <p:nvSpPr>
+          <p:cNvPr id="92" name="Ellipszis 28">
+            <a:extLst>
+              <a:ext uri="{FF2B5EF4-FFF2-40B4-BE49-F238E27FC236}">
+                <a16:creationId xmlns:a16="http://schemas.microsoft.com/office/drawing/2014/main" id="{F15A2666-2A83-4FBA-AFBF-793151C5E910}"/>
+              </a:ext>
+            </a:extLst>
+          </p:cNvPr>
+          <p:cNvSpPr/>
+          <p:nvPr/>
+        </p:nvSpPr>
+        <p:spPr>
+          <a:xfrm>
+            <a:off x="8542234" y="2760104"/>
+            <a:ext cx="811763" cy="811763"/>
+          </a:xfrm>
+          <a:prstGeom prst="ellipse">
+            <a:avLst/>
+          </a:prstGeom>
+          <a:noFill/>
+          <a:ln w="38100">
+            <a:solidFill>
+              <a:schemeClr val="bg2">
+                <a:lumMod val="50000"/>
+              </a:schemeClr>
+            </a:solidFill>
+          </a:ln>
+        </p:spPr>
+        <p:style>
+          <a:lnRef idx="2">
+            <a:schemeClr val="accent1">
+              <a:shade val="50000"/>
+            </a:schemeClr>
+          </a:lnRef>
+          <a:fillRef idx="1">
+            <a:schemeClr val="accent1"/>
+          </a:fillRef>
+          <a:effectRef idx="0">
+            <a:schemeClr val="accent1"/>
+          </a:effectRef>
+          <a:fontRef idx="minor">
+            <a:schemeClr val="lt1"/>
+          </a:fontRef>
+        </p:style>
+        <p:txBody>
+          <a:bodyPr rtlCol="0" anchor="ctr"/>
+          <a:lstStyle/>
+          <a:p>
+            <a:pPr algn="ctr"/>
+            <a:endParaRPr lang="hu-HU"/>
+          </a:p>
+        </p:txBody>
+      </p:sp>
+      <p:sp>
+        <p:nvSpPr>
+          <p:cNvPr id="94" name="Ellipszis 28">
+            <a:extLst>
+              <a:ext uri="{FF2B5EF4-FFF2-40B4-BE49-F238E27FC236}">
+                <a16:creationId xmlns:a16="http://schemas.microsoft.com/office/drawing/2014/main" id="{1757B7CC-362D-4B5E-A2F2-617E012EAFCF}"/>
+              </a:ext>
+            </a:extLst>
+          </p:cNvPr>
+          <p:cNvSpPr/>
+          <p:nvPr/>
+        </p:nvSpPr>
+        <p:spPr>
+          <a:xfrm>
+            <a:off x="7787919" y="2345231"/>
+            <a:ext cx="811763" cy="811763"/>
+          </a:xfrm>
+          <a:prstGeom prst="ellipse">
+            <a:avLst/>
+          </a:prstGeom>
+          <a:noFill/>
+          <a:ln w="38100">
+            <a:solidFill>
+              <a:schemeClr val="bg2">
+                <a:lumMod val="50000"/>
+              </a:schemeClr>
+            </a:solidFill>
+          </a:ln>
+        </p:spPr>
+        <p:style>
+          <a:lnRef idx="2">
+            <a:schemeClr val="accent1">
+              <a:shade val="50000"/>
+            </a:schemeClr>
+          </a:lnRef>
+          <a:fillRef idx="1">
+            <a:schemeClr val="accent1"/>
+          </a:fillRef>
+          <a:effectRef idx="0">
+            <a:schemeClr val="accent1"/>
+          </a:effectRef>
+          <a:fontRef idx="minor">
+            <a:schemeClr val="lt1"/>
+          </a:fontRef>
+        </p:style>
+        <p:txBody>
+          <a:bodyPr rtlCol="0" anchor="ctr"/>
+          <a:lstStyle/>
+          <a:p>
+            <a:pPr algn="ctr"/>
+            <a:endParaRPr lang="hu-HU"/>
+          </a:p>
+        </p:txBody>
+      </p:sp>
+      <p:sp>
+        <p:nvSpPr>
+          <p:cNvPr id="95" name="Ellipszis 28">
+            <a:extLst>
+              <a:ext uri="{FF2B5EF4-FFF2-40B4-BE49-F238E27FC236}">
+                <a16:creationId xmlns:a16="http://schemas.microsoft.com/office/drawing/2014/main" id="{427ABC8B-8A7C-4DBD-BB77-411D78246C93}"/>
+              </a:ext>
+            </a:extLst>
+          </p:cNvPr>
+          <p:cNvSpPr/>
+          <p:nvPr/>
+        </p:nvSpPr>
+        <p:spPr>
+          <a:xfrm>
+            <a:off x="7962206" y="3399541"/>
+            <a:ext cx="811763" cy="811763"/>
+          </a:xfrm>
+          <a:prstGeom prst="ellipse">
+            <a:avLst/>
+          </a:prstGeom>
+          <a:noFill/>
+          <a:ln w="38100">
+            <a:solidFill>
+              <a:schemeClr val="bg2">
+                <a:lumMod val="50000"/>
+              </a:schemeClr>
+            </a:solidFill>
+          </a:ln>
+        </p:spPr>
+        <p:style>
+          <a:lnRef idx="2">
+            <a:schemeClr val="accent1">
+              <a:shade val="50000"/>
+            </a:schemeClr>
+          </a:lnRef>
+          <a:fillRef idx="1">
+            <a:schemeClr val="accent1"/>
+          </a:fillRef>
+          <a:effectRef idx="0">
+            <a:schemeClr val="accent1"/>
+          </a:effectRef>
+          <a:fontRef idx="minor">
+            <a:schemeClr val="lt1"/>
+          </a:fontRef>
+        </p:style>
+        <p:txBody>
+          <a:bodyPr rtlCol="0" anchor="ctr"/>
+          <a:lstStyle/>
+          <a:p>
+            <a:pPr algn="ctr"/>
+            <a:endParaRPr lang="hu-HU" dirty="0"/>
+          </a:p>
+        </p:txBody>
+      </p:sp>
+      <p:sp>
+        <p:nvSpPr>
+          <p:cNvPr id="96" name="Téglalap 23">
+            <a:extLst>
+              <a:ext uri="{FF2B5EF4-FFF2-40B4-BE49-F238E27FC236}">
+                <a16:creationId xmlns:a16="http://schemas.microsoft.com/office/drawing/2014/main" id="{28156A77-DA47-4AAF-B7A0-DD653832A2B0}"/>
+              </a:ext>
+            </a:extLst>
+          </p:cNvPr>
+          <p:cNvSpPr/>
+          <p:nvPr/>
+        </p:nvSpPr>
+        <p:spPr>
+          <a:xfrm>
+            <a:off x="7129116" y="3824592"/>
+            <a:ext cx="938077" cy="1015663"/>
+          </a:xfrm>
+          <a:prstGeom prst="rect">
+            <a:avLst/>
+          </a:prstGeom>
+          <a:noFill/>
+          <a:ln>
+            <a:noFill/>
+          </a:ln>
+        </p:spPr>
+        <p:txBody>
+          <a:bodyPr wrap="none" lIns="91440" tIns="45720" rIns="91440" bIns="45720">
+            <a:spAutoFit/>
+          </a:bodyPr>
+          <a:lstStyle/>
+          <a:p>
+            <a:pPr algn="ctr"/>
+            <a:r>
+              <a:rPr lang="hu-HU" sz="6000" dirty="0">
+                <a:ln w="0"/>
+                <a:solidFill>
+                  <a:srgbClr val="C00000"/>
+                </a:solidFill>
+                <a:effectLst>
+                  <a:outerShdw blurRad="38100" dist="19050" dir="2700000" algn="tl" rotWithShape="0">
+                    <a:schemeClr val="dk1">
+                      <a:alpha val="40000"/>
+                    </a:schemeClr>
+                  </a:outerShdw>
+                </a:effectLst>
+                <a:latin typeface="Forte" panose="03060902040502070203" pitchFamily="66" charset="0"/>
+              </a:rPr>
+              <a:t>4</a:t>
+            </a:r>
+            <a:r>
+              <a:rPr lang="en-US" sz="6000" dirty="0">
+                <a:ln w="0"/>
+                <a:solidFill>
+                  <a:srgbClr val="C00000"/>
+                </a:solidFill>
+                <a:effectLst>
+                  <a:outerShdw blurRad="38100" dist="19050" dir="2700000" algn="tl" rotWithShape="0">
+                    <a:schemeClr val="dk1">
+                      <a:alpha val="40000"/>
+                    </a:schemeClr>
+                  </a:outerShdw>
+                </a:effectLst>
+                <a:latin typeface="Forte" panose="03060902040502070203" pitchFamily="66" charset="0"/>
+              </a:rPr>
+              <a:t>9</a:t>
+            </a:r>
+            <a:endParaRPr lang="hu-HU" sz="6000" b="0" cap="none" spc="0" dirty="0">
+              <a:ln w="0"/>
+              <a:solidFill>
+                <a:srgbClr val="C00000"/>
+              </a:solidFill>
+              <a:effectLst>
+                <a:outerShdw blurRad="38100" dist="19050" dir="2700000" algn="tl" rotWithShape="0">
+                  <a:schemeClr val="dk1">
+                    <a:alpha val="40000"/>
+                  </a:schemeClr>
+                </a:outerShdw>
+              </a:effectLst>
+              <a:latin typeface="Forte" panose="03060902040502070203" pitchFamily="66" charset="0"/>
+            </a:endParaRPr>
+          </a:p>
+        </p:txBody>
+      </p:sp>
+      <p:sp>
+        <p:nvSpPr>
+          <p:cNvPr id="97" name="Ív 109">
+            <a:extLst>
+              <a:ext uri="{FF2B5EF4-FFF2-40B4-BE49-F238E27FC236}">
+                <a16:creationId xmlns:a16="http://schemas.microsoft.com/office/drawing/2014/main" id="{41010325-EEFA-4663-8799-BC1E8DD31347}"/>
+              </a:ext>
+            </a:extLst>
+          </p:cNvPr>
+          <p:cNvSpPr/>
+          <p:nvPr/>
+        </p:nvSpPr>
+        <p:spPr>
+          <a:xfrm>
+            <a:off x="4252112" y="3760005"/>
+            <a:ext cx="866435" cy="1199597"/>
+          </a:xfrm>
+          <a:prstGeom prst="arc">
+            <a:avLst>
+              <a:gd name="adj1" fmla="val 19456933"/>
+              <a:gd name="adj2" fmla="val 5383803"/>
+            </a:avLst>
+          </a:prstGeom>
+          <a:ln>
+            <a:headEnd type="none" w="lg" len="lg"/>
+            <a:tailEnd type="stealth" w="lg" len="lg"/>
+          </a:ln>
+        </p:spPr>
+        <p:style>
+          <a:lnRef idx="3">
+            <a:schemeClr val="accent2"/>
+          </a:lnRef>
+          <a:fillRef idx="0">
+            <a:schemeClr val="accent2"/>
+          </a:fillRef>
+          <a:effectRef idx="2">
+            <a:schemeClr val="accent2"/>
+          </a:effectRef>
+          <a:fontRef idx="minor">
+            <a:schemeClr val="tx1"/>
+          </a:fontRef>
+        </p:style>
+        <p:txBody>
+          <a:bodyPr rtlCol="0" anchor="ctr"/>
+          <a:lstStyle/>
+          <a:p>
+            <a:pPr algn="ctr"/>
+            <a:endParaRPr lang="hu-HU"/>
+          </a:p>
+        </p:txBody>
+      </p:sp>
+      <p:sp>
+        <p:nvSpPr>
+          <p:cNvPr id="99" name="Ív 111">
+            <a:extLst>
+              <a:ext uri="{FF2B5EF4-FFF2-40B4-BE49-F238E27FC236}">
+                <a16:creationId xmlns:a16="http://schemas.microsoft.com/office/drawing/2014/main" id="{C788A7ED-38B7-4F08-A893-09331542E95C}"/>
+              </a:ext>
+            </a:extLst>
+          </p:cNvPr>
+          <p:cNvSpPr/>
+          <p:nvPr/>
+        </p:nvSpPr>
+        <p:spPr>
+          <a:xfrm>
+            <a:off x="8723539" y="3426215"/>
+            <a:ext cx="479610" cy="579815"/>
+          </a:xfrm>
+          <a:prstGeom prst="arc">
+            <a:avLst>
+              <a:gd name="adj1" fmla="val 18673041"/>
+              <a:gd name="adj2" fmla="val 645417"/>
+            </a:avLst>
+          </a:prstGeom>
+          <a:ln>
+            <a:headEnd type="stealth" w="lg" len="lg"/>
+            <a:tailEnd type="none"/>
+          </a:ln>
+        </p:spPr>
+        <p:style>
+          <a:lnRef idx="3">
+            <a:schemeClr val="accent2"/>
+          </a:lnRef>
+          <a:fillRef idx="0">
+            <a:schemeClr val="accent2"/>
+          </a:fillRef>
+          <a:effectRef idx="2">
+            <a:schemeClr val="accent2"/>
+          </a:effectRef>
+          <a:fontRef idx="minor">
+            <a:schemeClr val="tx1"/>
+          </a:fontRef>
+        </p:style>
+        <p:txBody>
+          <a:bodyPr rtlCol="0" anchor="ctr"/>
+          <a:lstStyle/>
+          <a:p>
+            <a:pPr algn="ctr"/>
+            <a:endParaRPr lang="hu-HU" dirty="0"/>
+          </a:p>
+        </p:txBody>
+      </p:sp>
+      <p:sp>
+        <p:nvSpPr>
+          <p:cNvPr id="116" name="Ív 111">
+            <a:extLst>
+              <a:ext uri="{FF2B5EF4-FFF2-40B4-BE49-F238E27FC236}">
+                <a16:creationId xmlns:a16="http://schemas.microsoft.com/office/drawing/2014/main" id="{985FD7D6-49DE-42A0-8DC5-83895E10773C}"/>
+              </a:ext>
+            </a:extLst>
+          </p:cNvPr>
+          <p:cNvSpPr/>
+          <p:nvPr/>
+        </p:nvSpPr>
+        <p:spPr>
+          <a:xfrm>
+            <a:off x="8603129" y="3164638"/>
+            <a:ext cx="289805" cy="684333"/>
+          </a:xfrm>
+          <a:prstGeom prst="arc">
+            <a:avLst>
+              <a:gd name="adj1" fmla="val 1065704"/>
+              <a:gd name="adj2" fmla="val 4982493"/>
+            </a:avLst>
+          </a:prstGeom>
+          <a:ln>
+            <a:headEnd type="stealth" w="lg" len="lg"/>
+            <a:tailEnd type="none"/>
+          </a:ln>
+        </p:spPr>
+        <p:style>
+          <a:lnRef idx="3">
+            <a:schemeClr val="accent2"/>
+          </a:lnRef>
+          <a:fillRef idx="0">
+            <a:schemeClr val="accent2"/>
+          </a:fillRef>
+          <a:effectRef idx="2">
+            <a:schemeClr val="accent2"/>
+          </a:effectRef>
+          <a:fontRef idx="minor">
+            <a:schemeClr val="tx1"/>
+          </a:fontRef>
+        </p:style>
+        <p:txBody>
+          <a:bodyPr rtlCol="0" anchor="ctr"/>
+          <a:lstStyle/>
+          <a:p>
+            <a:pPr algn="ctr"/>
+            <a:endParaRPr lang="hu-HU" dirty="0"/>
+          </a:p>
+        </p:txBody>
+      </p:sp>
+      <p:sp>
+        <p:nvSpPr>
+          <p:cNvPr id="118" name="Ív 109">
+            <a:extLst>
+              <a:ext uri="{FF2B5EF4-FFF2-40B4-BE49-F238E27FC236}">
+                <a16:creationId xmlns:a16="http://schemas.microsoft.com/office/drawing/2014/main" id="{426613D3-E2EE-4BAD-9FAD-3EC5A9FB4CA8}"/>
+              </a:ext>
+            </a:extLst>
+          </p:cNvPr>
+          <p:cNvSpPr/>
+          <p:nvPr/>
+        </p:nvSpPr>
+        <p:spPr>
+          <a:xfrm>
+            <a:off x="5353596" y="948113"/>
+            <a:ext cx="1287712" cy="787842"/>
+          </a:xfrm>
+          <a:prstGeom prst="arc">
+            <a:avLst>
+              <a:gd name="adj1" fmla="val 995791"/>
+              <a:gd name="adj2" fmla="val 9862691"/>
+            </a:avLst>
+          </a:prstGeom>
+          <a:ln>
+            <a:headEnd type="none" w="lg" len="lg"/>
+            <a:tailEnd type="stealth" w="lg" len="lg"/>
+          </a:ln>
+        </p:spPr>
+        <p:style>
+          <a:lnRef idx="3">
+            <a:schemeClr val="accent2"/>
+          </a:lnRef>
+          <a:fillRef idx="0">
+            <a:schemeClr val="accent2"/>
+          </a:fillRef>
+          <a:effectRef idx="2">
+            <a:schemeClr val="accent2"/>
+          </a:effectRef>
+          <a:fontRef idx="minor">
+            <a:schemeClr val="tx1"/>
+          </a:fontRef>
+        </p:style>
+        <p:txBody>
+          <a:bodyPr rtlCol="0" anchor="ctr"/>
+          <a:lstStyle/>
+          <a:p>
+            <a:pPr algn="ctr"/>
+            <a:endParaRPr lang="hu-HU"/>
+          </a:p>
+        </p:txBody>
+      </p:sp>
+      <p:sp>
+        <p:nvSpPr>
+          <p:cNvPr id="119" name="Ív 109">
+            <a:extLst>
+              <a:ext uri="{FF2B5EF4-FFF2-40B4-BE49-F238E27FC236}">
+                <a16:creationId xmlns:a16="http://schemas.microsoft.com/office/drawing/2014/main" id="{E65C4E5C-D95A-4798-8C72-69754F892245}"/>
+              </a:ext>
+            </a:extLst>
+          </p:cNvPr>
+          <p:cNvSpPr/>
+          <p:nvPr/>
+        </p:nvSpPr>
+        <p:spPr>
+          <a:xfrm>
+            <a:off x="10211753" y="1579463"/>
+            <a:ext cx="866435" cy="1199597"/>
+          </a:xfrm>
+          <a:prstGeom prst="arc">
+            <a:avLst>
+              <a:gd name="adj1" fmla="val 19456933"/>
+              <a:gd name="adj2" fmla="val 5383803"/>
+            </a:avLst>
+          </a:prstGeom>
+          <a:ln>
+            <a:headEnd type="none" w="lg" len="lg"/>
+            <a:tailEnd type="stealth" w="lg" len="lg"/>
+          </a:ln>
+        </p:spPr>
+        <p:style>
+          <a:lnRef idx="3">
+            <a:schemeClr val="accent2"/>
+          </a:lnRef>
+          <a:fillRef idx="0">
+            <a:schemeClr val="accent2"/>
+          </a:fillRef>
+          <a:effectRef idx="2">
+            <a:schemeClr val="accent2"/>
+          </a:effectRef>
+          <a:fontRef idx="minor">
+            <a:schemeClr val="tx1"/>
+          </a:fontRef>
+        </p:style>
+        <p:txBody>
+          <a:bodyPr rtlCol="0" anchor="ctr"/>
+          <a:lstStyle/>
+          <a:p>
+            <a:pPr algn="ctr"/>
+            <a:endParaRPr lang="hu-HU"/>
+          </a:p>
+        </p:txBody>
+      </p:sp>
+      <p:sp>
+        <p:nvSpPr>
+          <p:cNvPr id="120" name="Ív 109">
+            <a:extLst>
+              <a:ext uri="{FF2B5EF4-FFF2-40B4-BE49-F238E27FC236}">
+                <a16:creationId xmlns:a16="http://schemas.microsoft.com/office/drawing/2014/main" id="{F4C1D2FB-9D29-4644-B327-C8F9C5384B6E}"/>
+              </a:ext>
+            </a:extLst>
+          </p:cNvPr>
+          <p:cNvSpPr/>
+          <p:nvPr/>
+        </p:nvSpPr>
+        <p:spPr>
+          <a:xfrm>
+            <a:off x="7653920" y="3243412"/>
+            <a:ext cx="1386710" cy="1325648"/>
+          </a:xfrm>
+          <a:prstGeom prst="arc">
+            <a:avLst>
+              <a:gd name="adj1" fmla="val 11600410"/>
+              <a:gd name="adj2" fmla="val 17142329"/>
+            </a:avLst>
+          </a:prstGeom>
+          <a:ln>
+            <a:headEnd type="none" w="lg" len="lg"/>
+            <a:tailEnd type="stealth" w="lg" len="lg"/>
+          </a:ln>
+        </p:spPr>
+        <p:style>
+          <a:lnRef idx="3">
+            <a:schemeClr val="accent2"/>
+          </a:lnRef>
+          <a:fillRef idx="0">
+            <a:schemeClr val="accent2"/>
+          </a:fillRef>
+          <a:effectRef idx="2">
+            <a:schemeClr val="accent2"/>
+          </a:effectRef>
+          <a:fontRef idx="minor">
+            <a:schemeClr val="tx1"/>
           </a:fontRef>
         </p:style>
         <p:txBody>
@@ -6376,13 +7159,6 @@
   <p:clrMapOvr>
     <a:masterClrMapping/>
   </p:clrMapOvr>
-  <p:timing>
-    <p:tnLst>
-      <p:par>
-        <p:cTn id="1" dur="indefinite" restart="never" nodeType="tmRoot"/>
-      </p:par>
-    </p:tnLst>
-  </p:timing>
 </p:sld>
 </file>
 

--- a/kincs/terkep3.pptx
+++ b/kincs/terkep3.pptx
@@ -241,7 +241,7 @@
           <a:p>
             <a:fld id="{E4DD6386-6428-45BA-8C21-99638763D3BE}" type="datetimeFigureOut">
               <a:rPr lang="hu-HU" smtClean="0"/>
-              <a:t>2020. 12. 31.</a:t>
+              <a:t>2021. 01. 02.</a:t>
             </a:fld>
             <a:endParaRPr lang="hu-HU"/>
           </a:p>
@@ -409,7 +409,7 @@
           <a:p>
             <a:fld id="{E4DD6386-6428-45BA-8C21-99638763D3BE}" type="datetimeFigureOut">
               <a:rPr lang="hu-HU" smtClean="0"/>
-              <a:t>2020. 12. 31.</a:t>
+              <a:t>2021. 01. 02.</a:t>
             </a:fld>
             <a:endParaRPr lang="hu-HU"/>
           </a:p>
@@ -587,7 +587,7 @@
           <a:p>
             <a:fld id="{E4DD6386-6428-45BA-8C21-99638763D3BE}" type="datetimeFigureOut">
               <a:rPr lang="hu-HU" smtClean="0"/>
-              <a:t>2020. 12. 31.</a:t>
+              <a:t>2021. 01. 02.</a:t>
             </a:fld>
             <a:endParaRPr lang="hu-HU"/>
           </a:p>
@@ -755,7 +755,7 @@
           <a:p>
             <a:fld id="{E4DD6386-6428-45BA-8C21-99638763D3BE}" type="datetimeFigureOut">
               <a:rPr lang="hu-HU" smtClean="0"/>
-              <a:t>2020. 12. 31.</a:t>
+              <a:t>2021. 01. 02.</a:t>
             </a:fld>
             <a:endParaRPr lang="hu-HU"/>
           </a:p>
@@ -1000,7 +1000,7 @@
           <a:p>
             <a:fld id="{E4DD6386-6428-45BA-8C21-99638763D3BE}" type="datetimeFigureOut">
               <a:rPr lang="hu-HU" smtClean="0"/>
-              <a:t>2020. 12. 31.</a:t>
+              <a:t>2021. 01. 02.</a:t>
             </a:fld>
             <a:endParaRPr lang="hu-HU"/>
           </a:p>
@@ -1229,7 +1229,7 @@
           <a:p>
             <a:fld id="{E4DD6386-6428-45BA-8C21-99638763D3BE}" type="datetimeFigureOut">
               <a:rPr lang="hu-HU" smtClean="0"/>
-              <a:t>2020. 12. 31.</a:t>
+              <a:t>2021. 01. 02.</a:t>
             </a:fld>
             <a:endParaRPr lang="hu-HU"/>
           </a:p>
@@ -1593,7 +1593,7 @@
           <a:p>
             <a:fld id="{E4DD6386-6428-45BA-8C21-99638763D3BE}" type="datetimeFigureOut">
               <a:rPr lang="hu-HU" smtClean="0"/>
-              <a:t>2020. 12. 31.</a:t>
+              <a:t>2021. 01. 02.</a:t>
             </a:fld>
             <a:endParaRPr lang="hu-HU"/>
           </a:p>
@@ -1710,7 +1710,7 @@
           <a:p>
             <a:fld id="{E4DD6386-6428-45BA-8C21-99638763D3BE}" type="datetimeFigureOut">
               <a:rPr lang="hu-HU" smtClean="0"/>
-              <a:t>2020. 12. 31.</a:t>
+              <a:t>2021. 01. 02.</a:t>
             </a:fld>
             <a:endParaRPr lang="hu-HU"/>
           </a:p>
@@ -1805,7 +1805,7 @@
           <a:p>
             <a:fld id="{E4DD6386-6428-45BA-8C21-99638763D3BE}" type="datetimeFigureOut">
               <a:rPr lang="hu-HU" smtClean="0"/>
-              <a:t>2020. 12. 31.</a:t>
+              <a:t>2021. 01. 02.</a:t>
             </a:fld>
             <a:endParaRPr lang="hu-HU"/>
           </a:p>
@@ -2080,7 +2080,7 @@
           <a:p>
             <a:fld id="{E4DD6386-6428-45BA-8C21-99638763D3BE}" type="datetimeFigureOut">
               <a:rPr lang="hu-HU" smtClean="0"/>
-              <a:t>2020. 12. 31.</a:t>
+              <a:t>2021. 01. 02.</a:t>
             </a:fld>
             <a:endParaRPr lang="hu-HU"/>
           </a:p>
@@ -2332,7 +2332,7 @@
           <a:p>
             <a:fld id="{E4DD6386-6428-45BA-8C21-99638763D3BE}" type="datetimeFigureOut">
               <a:rPr lang="hu-HU" smtClean="0"/>
-              <a:t>2020. 12. 31.</a:t>
+              <a:t>2021. 01. 02.</a:t>
             </a:fld>
             <a:endParaRPr lang="hu-HU"/>
           </a:p>
@@ -2543,7 +2543,7 @@
           <a:p>
             <a:fld id="{E4DD6386-6428-45BA-8C21-99638763D3BE}" type="datetimeFigureOut">
               <a:rPr lang="hu-HU" smtClean="0"/>
-              <a:t>2020. 12. 31.</a:t>
+              <a:t>2021. 01. 02.</a:t>
             </a:fld>
             <a:endParaRPr lang="hu-HU"/>
           </a:p>
@@ -5759,17 +5759,17 @@
           <p:nvPr/>
         </p:nvSpPr>
         <p:spPr>
-          <a:xfrm rot="5027685">
-            <a:off x="2783554" y="1115577"/>
-            <a:ext cx="986461" cy="617592"/>
+          <a:xfrm>
+            <a:off x="2624264" y="2264378"/>
+            <a:ext cx="616061" cy="797698"/>
           </a:xfrm>
           <a:prstGeom prst="arc">
             <a:avLst>
-              <a:gd name="adj1" fmla="val 11782655"/>
-              <a:gd name="adj2" fmla="val 20678963"/>
+              <a:gd name="adj1" fmla="val 21273070"/>
+              <a:gd name="adj2" fmla="val 4505296"/>
             </a:avLst>
           </a:prstGeom>
-          <a:ln>
+          <a:ln w="57150">
             <a:headEnd type="stealth" w="lg" len="lg"/>
             <a:tailEnd type="none"/>
           </a:ln>
@@ -5799,22 +5799,120 @@
       </p:sp>
       <p:sp>
         <p:nvSpPr>
-          <p:cNvPr id="108" name="Ív 107"/>
-          <p:cNvSpPr/>
-          <p:nvPr/>
-        </p:nvSpPr>
-        <p:spPr>
-          <a:xfrm rot="5400000" flipV="1">
-            <a:off x="1599644" y="1311094"/>
-            <a:ext cx="1828076" cy="621614"/>
+          <p:cNvPr id="109" name="Ív 108"/>
+          <p:cNvSpPr/>
+          <p:nvPr/>
+        </p:nvSpPr>
+        <p:spPr>
+          <a:xfrm rot="4181264">
+            <a:off x="-272296" y="3020702"/>
+            <a:ext cx="878015" cy="1008240"/>
           </a:xfrm>
           <a:prstGeom prst="arc">
             <a:avLst>
-              <a:gd name="adj1" fmla="val 11108925"/>
-              <a:gd name="adj2" fmla="val 21250423"/>
+              <a:gd name="adj1" fmla="val 16523342"/>
+              <a:gd name="adj2" fmla="val 0"/>
             </a:avLst>
           </a:prstGeom>
-          <a:ln>
+          <a:ln w="19050">
+            <a:solidFill>
+              <a:schemeClr val="bg1">
+                <a:lumMod val="50000"/>
+              </a:schemeClr>
+            </a:solidFill>
+            <a:headEnd type="none" w="lg" len="lg"/>
+            <a:tailEnd type="stealth" w="lg" len="lg"/>
+          </a:ln>
+        </p:spPr>
+        <p:style>
+          <a:lnRef idx="1">
+            <a:schemeClr val="accent1"/>
+          </a:lnRef>
+          <a:fillRef idx="0">
+            <a:schemeClr val="accent1"/>
+          </a:fillRef>
+          <a:effectRef idx="0">
+            <a:schemeClr val="accent1"/>
+          </a:effectRef>
+          <a:fontRef idx="minor">
+            <a:schemeClr val="tx1"/>
+          </a:fontRef>
+        </p:style>
+        <p:txBody>
+          <a:bodyPr rtlCol="0" anchor="ctr"/>
+          <a:lstStyle/>
+          <a:p>
+            <a:pPr algn="ctr"/>
+            <a:endParaRPr lang="hu-HU"/>
+          </a:p>
+        </p:txBody>
+      </p:sp>
+      <p:sp>
+        <p:nvSpPr>
+          <p:cNvPr id="111" name="Ív 110"/>
+          <p:cNvSpPr/>
+          <p:nvPr/>
+        </p:nvSpPr>
+        <p:spPr>
+          <a:xfrm rot="12697419">
+            <a:off x="10609759" y="4264173"/>
+            <a:ext cx="1153347" cy="678260"/>
+          </a:xfrm>
+          <a:prstGeom prst="arc">
+            <a:avLst>
+              <a:gd name="adj1" fmla="val 16523342"/>
+              <a:gd name="adj2" fmla="val 0"/>
+            </a:avLst>
+          </a:prstGeom>
+          <a:ln w="57150">
+            <a:solidFill>
+              <a:schemeClr val="accent1"/>
+            </a:solidFill>
+            <a:headEnd type="none" w="lg" len="lg"/>
+            <a:tailEnd type="stealth" w="lg" len="lg"/>
+          </a:ln>
+        </p:spPr>
+        <p:style>
+          <a:lnRef idx="1">
+            <a:schemeClr val="accent1"/>
+          </a:lnRef>
+          <a:fillRef idx="0">
+            <a:schemeClr val="accent1"/>
+          </a:fillRef>
+          <a:effectRef idx="0">
+            <a:schemeClr val="accent1"/>
+          </a:effectRef>
+          <a:fontRef idx="minor">
+            <a:schemeClr val="tx1"/>
+          </a:fontRef>
+        </p:style>
+        <p:txBody>
+          <a:bodyPr rtlCol="0" anchor="ctr"/>
+          <a:lstStyle/>
+          <a:p>
+            <a:pPr algn="ctr"/>
+            <a:endParaRPr lang="hu-HU"/>
+          </a:p>
+        </p:txBody>
+      </p:sp>
+      <p:sp>
+        <p:nvSpPr>
+          <p:cNvPr id="112" name="Ív 111"/>
+          <p:cNvSpPr/>
+          <p:nvPr/>
+        </p:nvSpPr>
+        <p:spPr>
+          <a:xfrm rot="16651308">
+            <a:off x="7720016" y="5756518"/>
+            <a:ext cx="1352106" cy="877607"/>
+          </a:xfrm>
+          <a:prstGeom prst="arc">
+            <a:avLst>
+              <a:gd name="adj1" fmla="val 16419735"/>
+              <a:gd name="adj2" fmla="val 0"/>
+            </a:avLst>
+          </a:prstGeom>
+          <a:ln w="57150">
             <a:headEnd type="stealth" w="lg" len="lg"/>
             <a:tailEnd type="none"/>
           </a:ln>
@@ -5844,13 +5942,61 @@
       </p:sp>
       <p:sp>
         <p:nvSpPr>
-          <p:cNvPr id="109" name="Ív 108"/>
+          <p:cNvPr id="113" name="Ív 112"/>
+          <p:cNvSpPr/>
+          <p:nvPr/>
+        </p:nvSpPr>
+        <p:spPr>
+          <a:xfrm rot="20846679">
+            <a:off x="10466345" y="3663066"/>
+            <a:ext cx="878015" cy="1008240"/>
+          </a:xfrm>
+          <a:prstGeom prst="arc">
+            <a:avLst>
+              <a:gd name="adj1" fmla="val 16523342"/>
+              <a:gd name="adj2" fmla="val 0"/>
+            </a:avLst>
+          </a:prstGeom>
+          <a:ln w="57150">
+            <a:solidFill>
+              <a:schemeClr val="accent1"/>
+            </a:solidFill>
+            <a:headEnd type="none" w="lg" len="lg"/>
+            <a:tailEnd type="stealth" w="lg" len="lg"/>
+          </a:ln>
+        </p:spPr>
+        <p:style>
+          <a:lnRef idx="1">
+            <a:schemeClr val="accent1"/>
+          </a:lnRef>
+          <a:fillRef idx="0">
+            <a:schemeClr val="accent1"/>
+          </a:fillRef>
+          <a:effectRef idx="0">
+            <a:schemeClr val="accent1"/>
+          </a:effectRef>
+          <a:fontRef idx="minor">
+            <a:schemeClr val="tx1"/>
+          </a:fontRef>
+        </p:style>
+        <p:txBody>
+          <a:bodyPr rtlCol="0" anchor="ctr"/>
+          <a:lstStyle/>
+          <a:p>
+            <a:pPr algn="ctr"/>
+            <a:endParaRPr lang="hu-HU"/>
+          </a:p>
+        </p:txBody>
+      </p:sp>
+      <p:sp>
+        <p:nvSpPr>
+          <p:cNvPr id="114" name="Ív 113"/>
           <p:cNvSpPr/>
           <p:nvPr/>
         </p:nvSpPr>
         <p:spPr>
           <a:xfrm rot="4181264">
-            <a:off x="-272296" y="3020702"/>
+            <a:off x="-366436" y="4901148"/>
             <a:ext cx="878015" cy="1008240"/>
           </a:xfrm>
           <a:prstGeom prst="arc">
@@ -5892,26 +6038,146 @@
           </a:p>
         </p:txBody>
       </p:sp>
-      <p:sp>
-        <p:nvSpPr>
-          <p:cNvPr id="110" name="Ív 109"/>
-          <p:cNvSpPr/>
-          <p:nvPr/>
-        </p:nvSpPr>
-        <p:spPr>
-          <a:xfrm rot="14243359">
-            <a:off x="2402357" y="820643"/>
-            <a:ext cx="434531" cy="476672"/>
+      <p:cxnSp>
+        <p:nvCxnSpPr>
+          <p:cNvPr id="85" name="Egyenes összekötő nyíllal 84"/>
+          <p:cNvCxnSpPr/>
+          <p:nvPr/>
+        </p:nvCxnSpPr>
+        <p:spPr>
+          <a:xfrm flipH="1">
+            <a:off x="491334" y="452757"/>
+            <a:ext cx="376356" cy="1126706"/>
+          </a:xfrm>
+          <a:prstGeom prst="straightConnector1">
+            <a:avLst/>
+          </a:prstGeom>
+          <a:ln>
+            <a:tailEnd type="stealth" w="lg" len="lg"/>
+          </a:ln>
+        </p:spPr>
+        <p:style>
+          <a:lnRef idx="1">
+            <a:schemeClr val="accent1"/>
+          </a:lnRef>
+          <a:fillRef idx="0">
+            <a:schemeClr val="accent1"/>
+          </a:fillRef>
+          <a:effectRef idx="0">
+            <a:schemeClr val="accent1"/>
+          </a:effectRef>
+          <a:fontRef idx="minor">
+            <a:schemeClr val="tx1"/>
+          </a:fontRef>
+        </p:style>
+      </p:cxnSp>
+      <p:cxnSp>
+        <p:nvCxnSpPr>
+          <p:cNvPr id="115" name="Egyenes összekötő nyíllal 114"/>
+          <p:cNvCxnSpPr/>
+          <p:nvPr/>
+        </p:nvCxnSpPr>
+        <p:spPr>
+          <a:xfrm flipH="1">
+            <a:off x="10371628" y="2743655"/>
+            <a:ext cx="1330380" cy="645079"/>
+          </a:xfrm>
+          <a:prstGeom prst="straightConnector1">
+            <a:avLst/>
+          </a:prstGeom>
+          <a:ln w="57150">
+            <a:tailEnd type="stealth" w="lg" len="lg"/>
+          </a:ln>
+        </p:spPr>
+        <p:style>
+          <a:lnRef idx="1">
+            <a:schemeClr val="accent1"/>
+          </a:lnRef>
+          <a:fillRef idx="0">
+            <a:schemeClr val="accent1"/>
+          </a:fillRef>
+          <a:effectRef idx="0">
+            <a:schemeClr val="accent1"/>
+          </a:effectRef>
+          <a:fontRef idx="minor">
+            <a:schemeClr val="tx1"/>
+          </a:fontRef>
+        </p:style>
+      </p:cxnSp>
+      <p:sp>
+        <p:nvSpPr>
+          <p:cNvPr id="75" name="Ellipszis 74"/>
+          <p:cNvSpPr/>
+          <p:nvPr/>
+        </p:nvSpPr>
+        <p:spPr>
+          <a:xfrm>
+            <a:off x="5701427" y="4704203"/>
+            <a:ext cx="811763" cy="811763"/>
+          </a:xfrm>
+          <a:prstGeom prst="ellipse">
+            <a:avLst/>
+          </a:prstGeom>
+          <a:noFill/>
+          <a:ln w="38100">
+            <a:solidFill>
+              <a:schemeClr val="bg2">
+                <a:lumMod val="50000"/>
+              </a:schemeClr>
+            </a:solidFill>
+          </a:ln>
+        </p:spPr>
+        <p:style>
+          <a:lnRef idx="2">
+            <a:schemeClr val="accent1">
+              <a:shade val="50000"/>
+            </a:schemeClr>
+          </a:lnRef>
+          <a:fillRef idx="1">
+            <a:schemeClr val="accent1"/>
+          </a:fillRef>
+          <a:effectRef idx="0">
+            <a:schemeClr val="accent1"/>
+          </a:effectRef>
+          <a:fontRef idx="minor">
+            <a:schemeClr val="lt1"/>
+          </a:fontRef>
+        </p:style>
+        <p:txBody>
+          <a:bodyPr rtlCol="0" anchor="ctr"/>
+          <a:lstStyle/>
+          <a:p>
+            <a:pPr algn="ctr"/>
+            <a:endParaRPr lang="hu-HU"/>
+          </a:p>
+        </p:txBody>
+      </p:sp>
+      <p:sp>
+        <p:nvSpPr>
+          <p:cNvPr id="71" name="Ív 106">
+            <a:extLst>
+              <a:ext uri="{FF2B5EF4-FFF2-40B4-BE49-F238E27FC236}">
+                <a16:creationId xmlns:a16="http://schemas.microsoft.com/office/drawing/2014/main" xmlns="" id="{399C149B-8C7D-4514-8920-CB0C294B4814}"/>
+              </a:ext>
+            </a:extLst>
+          </p:cNvPr>
+          <p:cNvSpPr/>
+          <p:nvPr/>
+        </p:nvSpPr>
+        <p:spPr>
+          <a:xfrm rot="406759">
+            <a:off x="2955104" y="5537497"/>
+            <a:ext cx="1954903" cy="617592"/>
           </a:xfrm>
           <a:prstGeom prst="arc">
             <a:avLst>
-              <a:gd name="adj1" fmla="val 16141583"/>
-              <a:gd name="adj2" fmla="val 0"/>
+              <a:gd name="adj1" fmla="val 11150266"/>
+              <a:gd name="adj2" fmla="val 67595"/>
             </a:avLst>
           </a:prstGeom>
-          <a:ln>
-            <a:headEnd type="none" w="lg" len="lg"/>
-            <a:tailEnd type="stealth" w="lg" len="lg"/>
+          <a:ln w="57150">
+            <a:headEnd type="stealth" w="lg" len="lg"/>
+            <a:tailEnd type="none"/>
           </a:ln>
         </p:spPr>
         <p:style>
@@ -5937,368 +6203,12 @@
           </a:p>
         </p:txBody>
       </p:sp>
-      <p:sp>
-        <p:nvSpPr>
-          <p:cNvPr id="111" name="Ív 110"/>
-          <p:cNvSpPr/>
-          <p:nvPr/>
-        </p:nvSpPr>
-        <p:spPr>
-          <a:xfrm rot="12697419">
-            <a:off x="10609759" y="4264173"/>
-            <a:ext cx="1153347" cy="678260"/>
-          </a:xfrm>
-          <a:prstGeom prst="arc">
-            <a:avLst>
-              <a:gd name="adj1" fmla="val 16523342"/>
-              <a:gd name="adj2" fmla="val 0"/>
-            </a:avLst>
-          </a:prstGeom>
-          <a:ln w="19050">
-            <a:solidFill>
-              <a:schemeClr val="accent1"/>
-            </a:solidFill>
-            <a:headEnd type="none" w="lg" len="lg"/>
-            <a:tailEnd type="stealth" w="lg" len="lg"/>
-          </a:ln>
-        </p:spPr>
-        <p:style>
-          <a:lnRef idx="1">
-            <a:schemeClr val="accent1"/>
-          </a:lnRef>
-          <a:fillRef idx="0">
-            <a:schemeClr val="accent1"/>
-          </a:fillRef>
-          <a:effectRef idx="0">
-            <a:schemeClr val="accent1"/>
-          </a:effectRef>
-          <a:fontRef idx="minor">
-            <a:schemeClr val="tx1"/>
-          </a:fontRef>
-        </p:style>
-        <p:txBody>
-          <a:bodyPr rtlCol="0" anchor="ctr"/>
-          <a:lstStyle/>
-          <a:p>
-            <a:pPr algn="ctr"/>
-            <a:endParaRPr lang="hu-HU"/>
-          </a:p>
-        </p:txBody>
-      </p:sp>
-      <p:sp>
-        <p:nvSpPr>
-          <p:cNvPr id="112" name="Ív 111"/>
-          <p:cNvSpPr/>
-          <p:nvPr/>
-        </p:nvSpPr>
-        <p:spPr>
-          <a:xfrm rot="16651308">
-            <a:off x="7720016" y="5756518"/>
-            <a:ext cx="1352106" cy="877607"/>
-          </a:xfrm>
-          <a:prstGeom prst="arc">
-            <a:avLst>
-              <a:gd name="adj1" fmla="val 16419735"/>
-              <a:gd name="adj2" fmla="val 0"/>
-            </a:avLst>
-          </a:prstGeom>
-          <a:ln>
-            <a:headEnd type="stealth" w="lg" len="lg"/>
-            <a:tailEnd type="none"/>
-          </a:ln>
-        </p:spPr>
-        <p:style>
-          <a:lnRef idx="3">
-            <a:schemeClr val="accent2"/>
-          </a:lnRef>
-          <a:fillRef idx="0">
-            <a:schemeClr val="accent2"/>
-          </a:fillRef>
-          <a:effectRef idx="2">
-            <a:schemeClr val="accent2"/>
-          </a:effectRef>
-          <a:fontRef idx="minor">
-            <a:schemeClr val="tx1"/>
-          </a:fontRef>
-        </p:style>
-        <p:txBody>
-          <a:bodyPr rtlCol="0" anchor="ctr"/>
-          <a:lstStyle/>
-          <a:p>
-            <a:pPr algn="ctr"/>
-            <a:endParaRPr lang="hu-HU" dirty="0"/>
-          </a:p>
-        </p:txBody>
-      </p:sp>
-      <p:sp>
-        <p:nvSpPr>
-          <p:cNvPr id="113" name="Ív 112"/>
-          <p:cNvSpPr/>
-          <p:nvPr/>
-        </p:nvSpPr>
-        <p:spPr>
-          <a:xfrm rot="20846679">
-            <a:off x="10466345" y="3663066"/>
-            <a:ext cx="878015" cy="1008240"/>
-          </a:xfrm>
-          <a:prstGeom prst="arc">
-            <a:avLst>
-              <a:gd name="adj1" fmla="val 16523342"/>
-              <a:gd name="adj2" fmla="val 0"/>
-            </a:avLst>
-          </a:prstGeom>
-          <a:ln w="19050">
-            <a:solidFill>
-              <a:schemeClr val="accent1"/>
-            </a:solidFill>
-            <a:headEnd type="none" w="lg" len="lg"/>
-            <a:tailEnd type="stealth" w="lg" len="lg"/>
-          </a:ln>
-        </p:spPr>
-        <p:style>
-          <a:lnRef idx="1">
-            <a:schemeClr val="accent1"/>
-          </a:lnRef>
-          <a:fillRef idx="0">
-            <a:schemeClr val="accent1"/>
-          </a:fillRef>
-          <a:effectRef idx="0">
-            <a:schemeClr val="accent1"/>
-          </a:effectRef>
-          <a:fontRef idx="minor">
-            <a:schemeClr val="tx1"/>
-          </a:fontRef>
-        </p:style>
-        <p:txBody>
-          <a:bodyPr rtlCol="0" anchor="ctr"/>
-          <a:lstStyle/>
-          <a:p>
-            <a:pPr algn="ctr"/>
-            <a:endParaRPr lang="hu-HU"/>
-          </a:p>
-        </p:txBody>
-      </p:sp>
-      <p:sp>
-        <p:nvSpPr>
-          <p:cNvPr id="114" name="Ív 113"/>
-          <p:cNvSpPr/>
-          <p:nvPr/>
-        </p:nvSpPr>
-        <p:spPr>
-          <a:xfrm rot="4181264">
-            <a:off x="-366436" y="4901148"/>
-            <a:ext cx="878015" cy="1008240"/>
-          </a:xfrm>
-          <a:prstGeom prst="arc">
-            <a:avLst>
-              <a:gd name="adj1" fmla="val 16523342"/>
-              <a:gd name="adj2" fmla="val 0"/>
-            </a:avLst>
-          </a:prstGeom>
-          <a:ln w="19050">
-            <a:solidFill>
-              <a:schemeClr val="bg1">
-                <a:lumMod val="50000"/>
-              </a:schemeClr>
-            </a:solidFill>
-            <a:headEnd type="none" w="lg" len="lg"/>
-            <a:tailEnd type="stealth" w="lg" len="lg"/>
-          </a:ln>
-        </p:spPr>
-        <p:style>
-          <a:lnRef idx="1">
-            <a:schemeClr val="accent1"/>
-          </a:lnRef>
-          <a:fillRef idx="0">
-            <a:schemeClr val="accent1"/>
-          </a:fillRef>
-          <a:effectRef idx="0">
-            <a:schemeClr val="accent1"/>
-          </a:effectRef>
-          <a:fontRef idx="minor">
-            <a:schemeClr val="tx1"/>
-          </a:fontRef>
-        </p:style>
-        <p:txBody>
-          <a:bodyPr rtlCol="0" anchor="ctr"/>
-          <a:lstStyle/>
-          <a:p>
-            <a:pPr algn="ctr"/>
-            <a:endParaRPr lang="hu-HU"/>
-          </a:p>
-        </p:txBody>
-      </p:sp>
-      <p:cxnSp>
-        <p:nvCxnSpPr>
-          <p:cNvPr id="85" name="Egyenes összekötő nyíllal 84"/>
-          <p:cNvCxnSpPr/>
-          <p:nvPr/>
-        </p:nvCxnSpPr>
-        <p:spPr>
-          <a:xfrm flipH="1">
-            <a:off x="491334" y="452757"/>
-            <a:ext cx="376356" cy="1126706"/>
-          </a:xfrm>
-          <a:prstGeom prst="straightConnector1">
-            <a:avLst/>
-          </a:prstGeom>
-          <a:ln>
-            <a:tailEnd type="stealth" w="lg" len="lg"/>
-          </a:ln>
-        </p:spPr>
-        <p:style>
-          <a:lnRef idx="1">
-            <a:schemeClr val="accent1"/>
-          </a:lnRef>
-          <a:fillRef idx="0">
-            <a:schemeClr val="accent1"/>
-          </a:fillRef>
-          <a:effectRef idx="0">
-            <a:schemeClr val="accent1"/>
-          </a:effectRef>
-          <a:fontRef idx="minor">
-            <a:schemeClr val="tx1"/>
-          </a:fontRef>
-        </p:style>
-      </p:cxnSp>
-      <p:cxnSp>
-        <p:nvCxnSpPr>
-          <p:cNvPr id="115" name="Egyenes összekötő nyíllal 114"/>
-          <p:cNvCxnSpPr/>
-          <p:nvPr/>
-        </p:nvCxnSpPr>
-        <p:spPr>
-          <a:xfrm flipH="1">
-            <a:off x="10371628" y="2743655"/>
-            <a:ext cx="1330380" cy="645079"/>
-          </a:xfrm>
-          <a:prstGeom prst="straightConnector1">
-            <a:avLst/>
-          </a:prstGeom>
-          <a:ln w="19050">
-            <a:tailEnd type="stealth" w="lg" len="lg"/>
-          </a:ln>
-        </p:spPr>
-        <p:style>
-          <a:lnRef idx="1">
-            <a:schemeClr val="accent1"/>
-          </a:lnRef>
-          <a:fillRef idx="0">
-            <a:schemeClr val="accent1"/>
-          </a:fillRef>
-          <a:effectRef idx="0">
-            <a:schemeClr val="accent1"/>
-          </a:effectRef>
-          <a:fontRef idx="minor">
-            <a:schemeClr val="tx1"/>
-          </a:fontRef>
-        </p:style>
-      </p:cxnSp>
-      <p:sp>
-        <p:nvSpPr>
-          <p:cNvPr id="75" name="Ellipszis 74"/>
-          <p:cNvSpPr/>
-          <p:nvPr/>
-        </p:nvSpPr>
-        <p:spPr>
-          <a:xfrm>
-            <a:off x="5701427" y="4704203"/>
-            <a:ext cx="811763" cy="811763"/>
-          </a:xfrm>
-          <a:prstGeom prst="ellipse">
-            <a:avLst/>
-          </a:prstGeom>
-          <a:noFill/>
-          <a:ln w="38100">
-            <a:solidFill>
-              <a:schemeClr val="bg2">
-                <a:lumMod val="50000"/>
-              </a:schemeClr>
-            </a:solidFill>
-          </a:ln>
-        </p:spPr>
-        <p:style>
-          <a:lnRef idx="2">
-            <a:schemeClr val="accent1">
-              <a:shade val="50000"/>
-            </a:schemeClr>
-          </a:lnRef>
-          <a:fillRef idx="1">
-            <a:schemeClr val="accent1"/>
-          </a:fillRef>
-          <a:effectRef idx="0">
-            <a:schemeClr val="accent1"/>
-          </a:effectRef>
-          <a:fontRef idx="minor">
-            <a:schemeClr val="lt1"/>
-          </a:fontRef>
-        </p:style>
-        <p:txBody>
-          <a:bodyPr rtlCol="0" anchor="ctr"/>
-          <a:lstStyle/>
-          <a:p>
-            <a:pPr algn="ctr"/>
-            <a:endParaRPr lang="hu-HU"/>
-          </a:p>
-        </p:txBody>
-      </p:sp>
-      <p:sp>
-        <p:nvSpPr>
-          <p:cNvPr id="71" name="Ív 106">
-            <a:extLst>
-              <a:ext uri="{FF2B5EF4-FFF2-40B4-BE49-F238E27FC236}">
-                <a16:creationId xmlns:a16="http://schemas.microsoft.com/office/drawing/2014/main" id="{399C149B-8C7D-4514-8920-CB0C294B4814}"/>
-              </a:ext>
-            </a:extLst>
-          </p:cNvPr>
-          <p:cNvSpPr/>
-          <p:nvPr/>
-        </p:nvSpPr>
-        <p:spPr>
-          <a:xfrm rot="1465449">
-            <a:off x="2828908" y="5719613"/>
-            <a:ext cx="1303236" cy="617592"/>
-          </a:xfrm>
-          <a:prstGeom prst="arc">
-            <a:avLst>
-              <a:gd name="adj1" fmla="val 11782655"/>
-              <a:gd name="adj2" fmla="val 20156839"/>
-            </a:avLst>
-          </a:prstGeom>
-          <a:ln>
-            <a:headEnd type="stealth" w="lg" len="lg"/>
-            <a:tailEnd type="none"/>
-          </a:ln>
-        </p:spPr>
-        <p:style>
-          <a:lnRef idx="3">
-            <a:schemeClr val="accent2"/>
-          </a:lnRef>
-          <a:fillRef idx="0">
-            <a:schemeClr val="accent2"/>
-          </a:fillRef>
-          <a:effectRef idx="2">
-            <a:schemeClr val="accent2"/>
-          </a:effectRef>
-          <a:fontRef idx="minor">
-            <a:schemeClr val="tx1"/>
-          </a:fontRef>
-        </p:style>
-        <p:txBody>
-          <a:bodyPr rtlCol="0" anchor="ctr"/>
-          <a:lstStyle/>
-          <a:p>
-            <a:pPr algn="ctr"/>
-            <a:endParaRPr lang="hu-HU"/>
-          </a:p>
-        </p:txBody>
-      </p:sp>
       <p:cxnSp>
         <p:nvCxnSpPr>
           <p:cNvPr id="72" name="Egyenes összekötő nyíllal 84">
             <a:extLst>
               <a:ext uri="{FF2B5EF4-FFF2-40B4-BE49-F238E27FC236}">
-                <a16:creationId xmlns:a16="http://schemas.microsoft.com/office/drawing/2014/main" id="{74FB7131-7AEF-41A8-824A-9C4993BC03FE}"/>
+                <a16:creationId xmlns:a16="http://schemas.microsoft.com/office/drawing/2014/main" xmlns="" id="{74FB7131-7AEF-41A8-824A-9C4993BC03FE}"/>
               </a:ext>
             </a:extLst>
           </p:cNvPr>
@@ -6315,7 +6225,7 @@
           <a:prstGeom prst="straightConnector1">
             <a:avLst/>
           </a:prstGeom>
-          <a:ln>
+          <a:ln w="57150">
             <a:tailEnd type="stealth" w="lg" len="lg"/>
           </a:ln>
         </p:spPr>
@@ -6339,7 +6249,7 @@
           <p:cNvPr id="82" name="Ív 111">
             <a:extLst>
               <a:ext uri="{FF2B5EF4-FFF2-40B4-BE49-F238E27FC236}">
-                <a16:creationId xmlns:a16="http://schemas.microsoft.com/office/drawing/2014/main" id="{71A8C9FC-4D24-4D5E-B1AC-2EAEFEA4857A}"/>
+                <a16:creationId xmlns:a16="http://schemas.microsoft.com/office/drawing/2014/main" xmlns="" id="{71A8C9FC-4D24-4D5E-B1AC-2EAEFEA4857A}"/>
               </a:ext>
             </a:extLst>
           </p:cNvPr>
@@ -6357,7 +6267,7 @@
               <a:gd name="adj2" fmla="val 0"/>
             </a:avLst>
           </a:prstGeom>
-          <a:ln>
+          <a:ln w="57150">
             <a:headEnd type="stealth" w="lg" len="lg"/>
             <a:tailEnd type="none"/>
           </a:ln>
@@ -6390,7 +6300,7 @@
           <p:cNvPr id="83" name="Ív 106">
             <a:extLst>
               <a:ext uri="{FF2B5EF4-FFF2-40B4-BE49-F238E27FC236}">
-                <a16:creationId xmlns:a16="http://schemas.microsoft.com/office/drawing/2014/main" id="{088A8847-28F4-4A2B-866D-E48582A07BAC}"/>
+                <a16:creationId xmlns:a16="http://schemas.microsoft.com/office/drawing/2014/main" xmlns="" id="{088A8847-28F4-4A2B-866D-E48582A07BAC}"/>
               </a:ext>
             </a:extLst>
           </p:cNvPr>
@@ -6399,16 +6309,16 @@
         </p:nvSpPr>
         <p:spPr>
           <a:xfrm>
-            <a:off x="4552159" y="5809483"/>
-            <a:ext cx="2852708" cy="646330"/>
+            <a:off x="4494711" y="5809483"/>
+            <a:ext cx="2910155" cy="646330"/>
           </a:xfrm>
           <a:prstGeom prst="arc">
             <a:avLst>
-              <a:gd name="adj1" fmla="val 10821439"/>
+              <a:gd name="adj1" fmla="val 10850032"/>
               <a:gd name="adj2" fmla="val 21535794"/>
             </a:avLst>
           </a:prstGeom>
-          <a:ln>
+          <a:ln w="57150">
             <a:headEnd type="stealth" w="lg" len="lg"/>
             <a:tailEnd type="none"/>
           </a:ln>
@@ -6441,7 +6351,7 @@
           <p:cNvPr id="86" name="Ellipszis 28">
             <a:extLst>
               <a:ext uri="{FF2B5EF4-FFF2-40B4-BE49-F238E27FC236}">
-                <a16:creationId xmlns:a16="http://schemas.microsoft.com/office/drawing/2014/main" id="{A3FFD027-F53C-47AA-BCC3-169B823BE608}"/>
+                <a16:creationId xmlns:a16="http://schemas.microsoft.com/office/drawing/2014/main" xmlns="" id="{A3FFD027-F53C-47AA-BCC3-169B823BE608}"/>
               </a:ext>
             </a:extLst>
           </p:cNvPr>
@@ -6495,7 +6405,7 @@
           <p:cNvPr id="87" name="Ellipszis 30">
             <a:extLst>
               <a:ext uri="{FF2B5EF4-FFF2-40B4-BE49-F238E27FC236}">
-                <a16:creationId xmlns:a16="http://schemas.microsoft.com/office/drawing/2014/main" id="{EF060117-7F09-4DAA-B4A5-A09704BFDEC8}"/>
+                <a16:creationId xmlns:a16="http://schemas.microsoft.com/office/drawing/2014/main" xmlns="" id="{EF060117-7F09-4DAA-B4A5-A09704BFDEC8}"/>
               </a:ext>
             </a:extLst>
           </p:cNvPr>
@@ -6549,7 +6459,7 @@
           <p:cNvPr id="91" name="Ellipszis 30">
             <a:extLst>
               <a:ext uri="{FF2B5EF4-FFF2-40B4-BE49-F238E27FC236}">
-                <a16:creationId xmlns:a16="http://schemas.microsoft.com/office/drawing/2014/main" id="{69A25612-D9B6-4699-974B-152EC2568F61}"/>
+                <a16:creationId xmlns:a16="http://schemas.microsoft.com/office/drawing/2014/main" xmlns="" id="{69A25612-D9B6-4699-974B-152EC2568F61}"/>
               </a:ext>
             </a:extLst>
           </p:cNvPr>
@@ -6603,7 +6513,7 @@
           <p:cNvPr id="92" name="Ellipszis 28">
             <a:extLst>
               <a:ext uri="{FF2B5EF4-FFF2-40B4-BE49-F238E27FC236}">
-                <a16:creationId xmlns:a16="http://schemas.microsoft.com/office/drawing/2014/main" id="{F15A2666-2A83-4FBA-AFBF-793151C5E910}"/>
+                <a16:creationId xmlns:a16="http://schemas.microsoft.com/office/drawing/2014/main" xmlns="" id="{F15A2666-2A83-4FBA-AFBF-793151C5E910}"/>
               </a:ext>
             </a:extLst>
           </p:cNvPr>
@@ -6657,7 +6567,7 @@
           <p:cNvPr id="94" name="Ellipszis 28">
             <a:extLst>
               <a:ext uri="{FF2B5EF4-FFF2-40B4-BE49-F238E27FC236}">
-                <a16:creationId xmlns:a16="http://schemas.microsoft.com/office/drawing/2014/main" id="{1757B7CC-362D-4B5E-A2F2-617E012EAFCF}"/>
+                <a16:creationId xmlns:a16="http://schemas.microsoft.com/office/drawing/2014/main" xmlns="" id="{1757B7CC-362D-4B5E-A2F2-617E012EAFCF}"/>
               </a:ext>
             </a:extLst>
           </p:cNvPr>
@@ -6711,7 +6621,7 @@
           <p:cNvPr id="95" name="Ellipszis 28">
             <a:extLst>
               <a:ext uri="{FF2B5EF4-FFF2-40B4-BE49-F238E27FC236}">
-                <a16:creationId xmlns:a16="http://schemas.microsoft.com/office/drawing/2014/main" id="{427ABC8B-8A7C-4DBD-BB77-411D78246C93}"/>
+                <a16:creationId xmlns:a16="http://schemas.microsoft.com/office/drawing/2014/main" xmlns="" id="{427ABC8B-8A7C-4DBD-BB77-411D78246C93}"/>
               </a:ext>
             </a:extLst>
           </p:cNvPr>
@@ -6765,7 +6675,7 @@
           <p:cNvPr id="96" name="Téglalap 23">
             <a:extLst>
               <a:ext uri="{FF2B5EF4-FFF2-40B4-BE49-F238E27FC236}">
-                <a16:creationId xmlns:a16="http://schemas.microsoft.com/office/drawing/2014/main" id="{28156A77-DA47-4AAF-B7A0-DD653832A2B0}"/>
+                <a16:creationId xmlns:a16="http://schemas.microsoft.com/office/drawing/2014/main" xmlns="" id="{28156A77-DA47-4AAF-B7A0-DD653832A2B0}"/>
               </a:ext>
             </a:extLst>
           </p:cNvPr>
@@ -6848,7 +6758,7 @@
           <p:cNvPr id="97" name="Ív 109">
             <a:extLst>
               <a:ext uri="{FF2B5EF4-FFF2-40B4-BE49-F238E27FC236}">
-                <a16:creationId xmlns:a16="http://schemas.microsoft.com/office/drawing/2014/main" id="{41010325-EEFA-4663-8799-BC1E8DD31347}"/>
+                <a16:creationId xmlns:a16="http://schemas.microsoft.com/office/drawing/2014/main" xmlns="" id="{41010325-EEFA-4663-8799-BC1E8DD31347}"/>
               </a:ext>
             </a:extLst>
           </p:cNvPr>
@@ -6866,7 +6776,7 @@
               <a:gd name="adj2" fmla="val 5383803"/>
             </a:avLst>
           </a:prstGeom>
-          <a:ln>
+          <a:ln w="57150">
             <a:headEnd type="none" w="lg" len="lg"/>
             <a:tailEnd type="stealth" w="lg" len="lg"/>
           </a:ln>
@@ -6899,7 +6809,7 @@
           <p:cNvPr id="99" name="Ív 111">
             <a:extLst>
               <a:ext uri="{FF2B5EF4-FFF2-40B4-BE49-F238E27FC236}">
-                <a16:creationId xmlns:a16="http://schemas.microsoft.com/office/drawing/2014/main" id="{C788A7ED-38B7-4F08-A893-09331542E95C}"/>
+                <a16:creationId xmlns:a16="http://schemas.microsoft.com/office/drawing/2014/main" xmlns="" id="{C788A7ED-38B7-4F08-A893-09331542E95C}"/>
               </a:ext>
             </a:extLst>
           </p:cNvPr>
@@ -6908,16 +6818,16 @@
         </p:nvSpPr>
         <p:spPr>
           <a:xfrm>
-            <a:off x="8723539" y="3426215"/>
+            <a:off x="8702558" y="3458449"/>
             <a:ext cx="479610" cy="579815"/>
           </a:xfrm>
           <a:prstGeom prst="arc">
             <a:avLst>
               <a:gd name="adj1" fmla="val 18673041"/>
-              <a:gd name="adj2" fmla="val 645417"/>
+              <a:gd name="adj2" fmla="val 2717447"/>
             </a:avLst>
           </a:prstGeom>
-          <a:ln>
+          <a:ln w="57150">
             <a:headEnd type="stealth" w="lg" len="lg"/>
             <a:tailEnd type="none"/>
           </a:ln>
@@ -6950,7 +6860,7 @@
           <p:cNvPr id="116" name="Ív 111">
             <a:extLst>
               <a:ext uri="{FF2B5EF4-FFF2-40B4-BE49-F238E27FC236}">
-                <a16:creationId xmlns:a16="http://schemas.microsoft.com/office/drawing/2014/main" id="{985FD7D6-49DE-42A0-8DC5-83895E10773C}"/>
+                <a16:creationId xmlns:a16="http://schemas.microsoft.com/office/drawing/2014/main" xmlns="" id="{985FD7D6-49DE-42A0-8DC5-83895E10773C}"/>
               </a:ext>
             </a:extLst>
           </p:cNvPr>
@@ -6965,10 +6875,10 @@
           <a:prstGeom prst="arc">
             <a:avLst>
               <a:gd name="adj1" fmla="val 1065704"/>
-              <a:gd name="adj2" fmla="val 4982493"/>
+              <a:gd name="adj2" fmla="val 5850553"/>
             </a:avLst>
           </a:prstGeom>
-          <a:ln>
+          <a:ln w="57150">
             <a:headEnd type="stealth" w="lg" len="lg"/>
             <a:tailEnd type="none"/>
           </a:ln>
@@ -7001,7 +6911,7 @@
           <p:cNvPr id="118" name="Ív 109">
             <a:extLst>
               <a:ext uri="{FF2B5EF4-FFF2-40B4-BE49-F238E27FC236}">
-                <a16:creationId xmlns:a16="http://schemas.microsoft.com/office/drawing/2014/main" id="{426613D3-E2EE-4BAD-9FAD-3EC5A9FB4CA8}"/>
+                <a16:creationId xmlns:a16="http://schemas.microsoft.com/office/drawing/2014/main" xmlns="" id="{426613D3-E2EE-4BAD-9FAD-3EC5A9FB4CA8}"/>
               </a:ext>
             </a:extLst>
           </p:cNvPr>
@@ -7019,7 +6929,7 @@
               <a:gd name="adj2" fmla="val 9862691"/>
             </a:avLst>
           </a:prstGeom>
-          <a:ln>
+          <a:ln w="57150">
             <a:headEnd type="none" w="lg" len="lg"/>
             <a:tailEnd type="stealth" w="lg" len="lg"/>
           </a:ln>
@@ -7052,7 +6962,7 @@
           <p:cNvPr id="119" name="Ív 109">
             <a:extLst>
               <a:ext uri="{FF2B5EF4-FFF2-40B4-BE49-F238E27FC236}">
-                <a16:creationId xmlns:a16="http://schemas.microsoft.com/office/drawing/2014/main" id="{E65C4E5C-D95A-4798-8C72-69754F892245}"/>
+                <a16:creationId xmlns:a16="http://schemas.microsoft.com/office/drawing/2014/main" xmlns="" id="{E65C4E5C-D95A-4798-8C72-69754F892245}"/>
               </a:ext>
             </a:extLst>
           </p:cNvPr>
@@ -7103,7 +7013,7 @@
           <p:cNvPr id="120" name="Ív 109">
             <a:extLst>
               <a:ext uri="{FF2B5EF4-FFF2-40B4-BE49-F238E27FC236}">
-                <a16:creationId xmlns:a16="http://schemas.microsoft.com/office/drawing/2014/main" id="{F4C1D2FB-9D29-4644-B327-C8F9C5384B6E}"/>
+                <a16:creationId xmlns:a16="http://schemas.microsoft.com/office/drawing/2014/main" xmlns="" id="{F4C1D2FB-9D29-4644-B327-C8F9C5384B6E}"/>
               </a:ext>
             </a:extLst>
           </p:cNvPr>
@@ -7121,7 +7031,7 @@
               <a:gd name="adj2" fmla="val 17142329"/>
             </a:avLst>
           </a:prstGeom>
-          <a:ln>
+          <a:ln w="57150">
             <a:headEnd type="none" w="lg" len="lg"/>
             <a:tailEnd type="stealth" w="lg" len="lg"/>
           </a:ln>
@@ -7149,6 +7059,222 @@
           </a:p>
         </p:txBody>
       </p:sp>
+      <p:sp>
+        <p:nvSpPr>
+          <p:cNvPr id="117" name="Ív 116"/>
+          <p:cNvSpPr/>
+          <p:nvPr/>
+        </p:nvSpPr>
+        <p:spPr>
+          <a:xfrm>
+            <a:off x="2654668" y="772760"/>
+            <a:ext cx="616061" cy="797698"/>
+          </a:xfrm>
+          <a:prstGeom prst="arc">
+            <a:avLst>
+              <a:gd name="adj1" fmla="val 20612002"/>
+              <a:gd name="adj2" fmla="val 4443150"/>
+            </a:avLst>
+          </a:prstGeom>
+          <a:ln w="57150">
+            <a:headEnd type="stealth" w="lg" len="lg"/>
+            <a:tailEnd type="none"/>
+          </a:ln>
+        </p:spPr>
+        <p:style>
+          <a:lnRef idx="3">
+            <a:schemeClr val="accent2"/>
+          </a:lnRef>
+          <a:fillRef idx="0">
+            <a:schemeClr val="accent2"/>
+          </a:fillRef>
+          <a:effectRef idx="2">
+            <a:schemeClr val="accent2"/>
+          </a:effectRef>
+          <a:fontRef idx="minor">
+            <a:schemeClr val="tx1"/>
+          </a:fontRef>
+        </p:style>
+        <p:txBody>
+          <a:bodyPr rtlCol="0" anchor="ctr"/>
+          <a:lstStyle/>
+          <a:p>
+            <a:pPr algn="ctr"/>
+            <a:endParaRPr lang="hu-HU"/>
+          </a:p>
+        </p:txBody>
+      </p:sp>
+      <p:sp>
+        <p:nvSpPr>
+          <p:cNvPr id="121" name="Ív 120"/>
+          <p:cNvSpPr/>
+          <p:nvPr/>
+        </p:nvSpPr>
+        <p:spPr>
+          <a:xfrm rot="12697419">
+            <a:off x="8298628" y="1533197"/>
+            <a:ext cx="1153347" cy="678260"/>
+          </a:xfrm>
+          <a:prstGeom prst="arc">
+            <a:avLst>
+              <a:gd name="adj1" fmla="val 17672378"/>
+              <a:gd name="adj2" fmla="val 0"/>
+            </a:avLst>
+          </a:prstGeom>
+          <a:ln w="57150">
+            <a:solidFill>
+              <a:schemeClr val="accent2"/>
+            </a:solidFill>
+            <a:headEnd type="none" w="lg" len="lg"/>
+            <a:tailEnd type="stealth" w="lg" len="lg"/>
+          </a:ln>
+        </p:spPr>
+        <p:style>
+          <a:lnRef idx="1">
+            <a:schemeClr val="accent1"/>
+          </a:lnRef>
+          <a:fillRef idx="0">
+            <a:schemeClr val="accent1"/>
+          </a:fillRef>
+          <a:effectRef idx="0">
+            <a:schemeClr val="accent1"/>
+          </a:effectRef>
+          <a:fontRef idx="minor">
+            <a:schemeClr val="tx1"/>
+          </a:fontRef>
+        </p:style>
+        <p:txBody>
+          <a:bodyPr rtlCol="0" anchor="ctr"/>
+          <a:lstStyle/>
+          <a:p>
+            <a:pPr algn="ctr"/>
+            <a:endParaRPr lang="hu-HU"/>
+          </a:p>
+        </p:txBody>
+      </p:sp>
+      <p:sp>
+        <p:nvSpPr>
+          <p:cNvPr id="122" name="Ív 109">
+            <a:extLst>
+              <a:ext uri="{FF2B5EF4-FFF2-40B4-BE49-F238E27FC236}">
+                <a16:creationId xmlns:a16="http://schemas.microsoft.com/office/drawing/2014/main" xmlns="" id="{426613D3-E2EE-4BAD-9FAD-3EC5A9FB4CA8}"/>
+              </a:ext>
+            </a:extLst>
+          </p:cNvPr>
+          <p:cNvSpPr/>
+          <p:nvPr/>
+        </p:nvSpPr>
+        <p:spPr>
+          <a:xfrm>
+            <a:off x="2586449" y="3135296"/>
+            <a:ext cx="1287712" cy="1075743"/>
+          </a:xfrm>
+          <a:prstGeom prst="arc">
+            <a:avLst>
+              <a:gd name="adj1" fmla="val 59287"/>
+              <a:gd name="adj2" fmla="val 7057609"/>
+            </a:avLst>
+          </a:prstGeom>
+          <a:ln w="57150">
+            <a:headEnd type="none" w="lg" len="lg"/>
+            <a:tailEnd type="stealth" w="lg" len="lg"/>
+          </a:ln>
+        </p:spPr>
+        <p:style>
+          <a:lnRef idx="3">
+            <a:schemeClr val="accent2"/>
+          </a:lnRef>
+          <a:fillRef idx="0">
+            <a:schemeClr val="accent2"/>
+          </a:fillRef>
+          <a:effectRef idx="2">
+            <a:schemeClr val="accent2"/>
+          </a:effectRef>
+          <a:fontRef idx="minor">
+            <a:schemeClr val="tx1"/>
+          </a:fontRef>
+        </p:style>
+        <p:txBody>
+          <a:bodyPr rtlCol="0" anchor="ctr"/>
+          <a:lstStyle/>
+          <a:p>
+            <a:pPr algn="ctr"/>
+            <a:endParaRPr lang="hu-HU"/>
+          </a:p>
+        </p:txBody>
+      </p:sp>
+      <p:cxnSp>
+        <p:nvCxnSpPr>
+          <p:cNvPr id="123" name="Egyenes összekötő nyíllal 122"/>
+          <p:cNvCxnSpPr/>
+          <p:nvPr/>
+        </p:nvCxnSpPr>
+        <p:spPr>
+          <a:xfrm flipH="1" flipV="1">
+            <a:off x="5147669" y="4054192"/>
+            <a:ext cx="674633" cy="700492"/>
+          </a:xfrm>
+          <a:prstGeom prst="straightConnector1">
+            <a:avLst/>
+          </a:prstGeom>
+          <a:ln w="57150">
+            <a:solidFill>
+              <a:srgbClr val="0070C0"/>
+            </a:solidFill>
+            <a:tailEnd type="stealth" w="lg" len="lg"/>
+          </a:ln>
+        </p:spPr>
+        <p:style>
+          <a:lnRef idx="1">
+            <a:schemeClr val="accent1"/>
+          </a:lnRef>
+          <a:fillRef idx="0">
+            <a:schemeClr val="accent1"/>
+          </a:fillRef>
+          <a:effectRef idx="0">
+            <a:schemeClr val="accent1"/>
+          </a:effectRef>
+          <a:fontRef idx="minor">
+            <a:schemeClr val="tx1"/>
+          </a:fontRef>
+        </p:style>
+      </p:cxnSp>
+      <p:cxnSp>
+        <p:nvCxnSpPr>
+          <p:cNvPr id="124" name="Egyenes összekötő nyíllal 123"/>
+          <p:cNvCxnSpPr/>
+          <p:nvPr/>
+        </p:nvCxnSpPr>
+        <p:spPr>
+          <a:xfrm flipV="1">
+            <a:off x="5310413" y="1641144"/>
+            <a:ext cx="576931" cy="958603"/>
+          </a:xfrm>
+          <a:prstGeom prst="straightConnector1">
+            <a:avLst/>
+          </a:prstGeom>
+          <a:ln w="57150">
+            <a:solidFill>
+              <a:srgbClr val="0070C0"/>
+            </a:solidFill>
+            <a:tailEnd type="stealth" w="lg" len="lg"/>
+          </a:ln>
+        </p:spPr>
+        <p:style>
+          <a:lnRef idx="1">
+            <a:schemeClr val="accent1"/>
+          </a:lnRef>
+          <a:fillRef idx="0">
+            <a:schemeClr val="accent1"/>
+          </a:fillRef>
+          <a:effectRef idx="0">
+            <a:schemeClr val="accent1"/>
+          </a:effectRef>
+          <a:fontRef idx="minor">
+            <a:schemeClr val="tx1"/>
+          </a:fontRef>
+        </p:style>
+      </p:cxnSp>
     </p:spTree>
     <p:extLst>
       <p:ext uri="{BB962C8B-B14F-4D97-AF65-F5344CB8AC3E}">

--- a/kincs/terkep3.pptx
+++ b/kincs/terkep3.pptx
@@ -241,7 +241,7 @@
           <a:p>
             <a:fld id="{E4DD6386-6428-45BA-8C21-99638763D3BE}" type="datetimeFigureOut">
               <a:rPr lang="hu-HU" smtClean="0"/>
-              <a:t>2021. 01. 02.</a:t>
+              <a:t>2021. 01. 05.</a:t>
             </a:fld>
             <a:endParaRPr lang="hu-HU"/>
           </a:p>
@@ -409,7 +409,7 @@
           <a:p>
             <a:fld id="{E4DD6386-6428-45BA-8C21-99638763D3BE}" type="datetimeFigureOut">
               <a:rPr lang="hu-HU" smtClean="0"/>
-              <a:t>2021. 01. 02.</a:t>
+              <a:t>2021. 01. 05.</a:t>
             </a:fld>
             <a:endParaRPr lang="hu-HU"/>
           </a:p>
@@ -587,7 +587,7 @@
           <a:p>
             <a:fld id="{E4DD6386-6428-45BA-8C21-99638763D3BE}" type="datetimeFigureOut">
               <a:rPr lang="hu-HU" smtClean="0"/>
-              <a:t>2021. 01. 02.</a:t>
+              <a:t>2021. 01. 05.</a:t>
             </a:fld>
             <a:endParaRPr lang="hu-HU"/>
           </a:p>
@@ -755,7 +755,7 @@
           <a:p>
             <a:fld id="{E4DD6386-6428-45BA-8C21-99638763D3BE}" type="datetimeFigureOut">
               <a:rPr lang="hu-HU" smtClean="0"/>
-              <a:t>2021. 01. 02.</a:t>
+              <a:t>2021. 01. 05.</a:t>
             </a:fld>
             <a:endParaRPr lang="hu-HU"/>
           </a:p>
@@ -1000,7 +1000,7 @@
           <a:p>
             <a:fld id="{E4DD6386-6428-45BA-8C21-99638763D3BE}" type="datetimeFigureOut">
               <a:rPr lang="hu-HU" smtClean="0"/>
-              <a:t>2021. 01. 02.</a:t>
+              <a:t>2021. 01. 05.</a:t>
             </a:fld>
             <a:endParaRPr lang="hu-HU"/>
           </a:p>
@@ -1229,7 +1229,7 @@
           <a:p>
             <a:fld id="{E4DD6386-6428-45BA-8C21-99638763D3BE}" type="datetimeFigureOut">
               <a:rPr lang="hu-HU" smtClean="0"/>
-              <a:t>2021. 01. 02.</a:t>
+              <a:t>2021. 01. 05.</a:t>
             </a:fld>
             <a:endParaRPr lang="hu-HU"/>
           </a:p>
@@ -1593,7 +1593,7 @@
           <a:p>
             <a:fld id="{E4DD6386-6428-45BA-8C21-99638763D3BE}" type="datetimeFigureOut">
               <a:rPr lang="hu-HU" smtClean="0"/>
-              <a:t>2021. 01. 02.</a:t>
+              <a:t>2021. 01. 05.</a:t>
             </a:fld>
             <a:endParaRPr lang="hu-HU"/>
           </a:p>
@@ -1710,7 +1710,7 @@
           <a:p>
             <a:fld id="{E4DD6386-6428-45BA-8C21-99638763D3BE}" type="datetimeFigureOut">
               <a:rPr lang="hu-HU" smtClean="0"/>
-              <a:t>2021. 01. 02.</a:t>
+              <a:t>2021. 01. 05.</a:t>
             </a:fld>
             <a:endParaRPr lang="hu-HU"/>
           </a:p>
@@ -1805,7 +1805,7 @@
           <a:p>
             <a:fld id="{E4DD6386-6428-45BA-8C21-99638763D3BE}" type="datetimeFigureOut">
               <a:rPr lang="hu-HU" smtClean="0"/>
-              <a:t>2021. 01. 02.</a:t>
+              <a:t>2021. 01. 05.</a:t>
             </a:fld>
             <a:endParaRPr lang="hu-HU"/>
           </a:p>
@@ -2080,7 +2080,7 @@
           <a:p>
             <a:fld id="{E4DD6386-6428-45BA-8C21-99638763D3BE}" type="datetimeFigureOut">
               <a:rPr lang="hu-HU" smtClean="0"/>
-              <a:t>2021. 01. 02.</a:t>
+              <a:t>2021. 01. 05.</a:t>
             </a:fld>
             <a:endParaRPr lang="hu-HU"/>
           </a:p>
@@ -2332,7 +2332,7 @@
           <a:p>
             <a:fld id="{E4DD6386-6428-45BA-8C21-99638763D3BE}" type="datetimeFigureOut">
               <a:rPr lang="hu-HU" smtClean="0"/>
-              <a:t>2021. 01. 02.</a:t>
+              <a:t>2021. 01. 05.</a:t>
             </a:fld>
             <a:endParaRPr lang="hu-HU"/>
           </a:p>
@@ -2543,7 +2543,7 @@
           <a:p>
             <a:fld id="{E4DD6386-6428-45BA-8C21-99638763D3BE}" type="datetimeFigureOut">
               <a:rPr lang="hu-HU" smtClean="0"/>
-              <a:t>2021. 01. 02.</a:t>
+              <a:t>2021. 01. 05.</a:t>
             </a:fld>
             <a:endParaRPr lang="hu-HU"/>
           </a:p>
@@ -3034,7 +3034,7 @@
         </p:nvSpPr>
         <p:spPr>
           <a:xfrm>
-            <a:off x="6893825" y="38920"/>
+            <a:off x="6893825" y="32481"/>
             <a:ext cx="811763" cy="811763"/>
           </a:xfrm>
           <a:prstGeom prst="ellipse">
@@ -3752,7 +3752,7 @@
         </p:nvSpPr>
         <p:spPr>
           <a:xfrm>
-            <a:off x="6412361" y="5998047"/>
+            <a:off x="6399483" y="5952974"/>
             <a:ext cx="811763" cy="811763"/>
           </a:xfrm>
           <a:prstGeom prst="ellipse">
@@ -3944,7 +3944,7 @@
         </p:nvSpPr>
         <p:spPr>
           <a:xfrm>
-            <a:off x="4670984" y="5996354"/>
+            <a:off x="4670984" y="5964159"/>
             <a:ext cx="811763" cy="811763"/>
           </a:xfrm>
           <a:prstGeom prst="ellipse">
@@ -4518,7 +4518,7 @@
         </p:nvSpPr>
         <p:spPr>
           <a:xfrm>
-            <a:off x="6460621" y="780698"/>
+            <a:off x="6447743" y="774259"/>
             <a:ext cx="811763" cy="811763"/>
           </a:xfrm>
           <a:prstGeom prst="ellipse">
@@ -4554,7 +4554,7 @@
           <a:lstStyle/>
           <a:p>
             <a:pPr algn="ctr"/>
-            <a:endParaRPr lang="hu-HU"/>
+            <a:endParaRPr lang="hu-HU" dirty="0"/>
           </a:p>
         </p:txBody>
       </p:sp>
@@ -4566,7 +4566,7 @@
         </p:nvSpPr>
         <p:spPr>
           <a:xfrm>
-            <a:off x="5579719" y="791705"/>
+            <a:off x="5573280" y="791705"/>
             <a:ext cx="811763" cy="811763"/>
           </a:xfrm>
           <a:prstGeom prst="ellipse">
@@ -4710,7 +4710,7 @@
         </p:nvSpPr>
         <p:spPr>
           <a:xfrm>
-            <a:off x="7777049" y="38921"/>
+            <a:off x="7777049" y="32482"/>
             <a:ext cx="811763" cy="811763"/>
           </a:xfrm>
           <a:prstGeom prst="ellipse">
@@ -4898,7 +4898,7 @@
         </p:nvSpPr>
         <p:spPr>
           <a:xfrm>
-            <a:off x="4851041" y="6227437"/>
+            <a:off x="4851041" y="6208120"/>
             <a:ext cx="603049" cy="646331"/>
           </a:xfrm>
           <a:prstGeom prst="rect">
@@ -5664,8 +5664,8 @@
         </p:nvSpPr>
         <p:spPr>
           <a:xfrm>
-            <a:off x="7090755" y="3748651"/>
-            <a:ext cx="931909" cy="931909"/>
+            <a:off x="7052121" y="3748651"/>
+            <a:ext cx="967904" cy="955552"/>
           </a:xfrm>
           <a:prstGeom prst="ellipse">
             <a:avLst/>
@@ -5760,7 +5760,7 @@
         </p:nvSpPr>
         <p:spPr>
           <a:xfrm>
-            <a:off x="2624264" y="2264378"/>
+            <a:off x="2624264" y="2245061"/>
             <a:ext cx="616061" cy="797698"/>
           </a:xfrm>
           <a:prstGeom prst="arc">
@@ -5897,19 +5897,237 @@
       </p:sp>
       <p:sp>
         <p:nvSpPr>
-          <p:cNvPr id="112" name="Ív 111"/>
-          <p:cNvSpPr/>
-          <p:nvPr/>
-        </p:nvSpPr>
-        <p:spPr>
-          <a:xfrm rot="16651308">
-            <a:off x="7720016" y="5756518"/>
-            <a:ext cx="1352106" cy="877607"/>
+          <p:cNvPr id="113" name="Ív 112"/>
+          <p:cNvSpPr/>
+          <p:nvPr/>
+        </p:nvSpPr>
+        <p:spPr>
+          <a:xfrm rot="20846679">
+            <a:off x="10466345" y="3663066"/>
+            <a:ext cx="878015" cy="1008240"/>
           </a:xfrm>
           <a:prstGeom prst="arc">
             <a:avLst>
-              <a:gd name="adj1" fmla="val 16419735"/>
+              <a:gd name="adj1" fmla="val 16523342"/>
               <a:gd name="adj2" fmla="val 0"/>
+            </a:avLst>
+          </a:prstGeom>
+          <a:ln w="57150">
+            <a:solidFill>
+              <a:schemeClr val="accent1"/>
+            </a:solidFill>
+            <a:headEnd type="none" w="lg" len="lg"/>
+            <a:tailEnd type="stealth" w="lg" len="lg"/>
+          </a:ln>
+        </p:spPr>
+        <p:style>
+          <a:lnRef idx="1">
+            <a:schemeClr val="accent1"/>
+          </a:lnRef>
+          <a:fillRef idx="0">
+            <a:schemeClr val="accent1"/>
+          </a:fillRef>
+          <a:effectRef idx="0">
+            <a:schemeClr val="accent1"/>
+          </a:effectRef>
+          <a:fontRef idx="minor">
+            <a:schemeClr val="tx1"/>
+          </a:fontRef>
+        </p:style>
+        <p:txBody>
+          <a:bodyPr rtlCol="0" anchor="ctr"/>
+          <a:lstStyle/>
+          <a:p>
+            <a:pPr algn="ctr"/>
+            <a:endParaRPr lang="hu-HU"/>
+          </a:p>
+        </p:txBody>
+      </p:sp>
+      <p:sp>
+        <p:nvSpPr>
+          <p:cNvPr id="114" name="Ív 113"/>
+          <p:cNvSpPr/>
+          <p:nvPr/>
+        </p:nvSpPr>
+        <p:spPr>
+          <a:xfrm rot="4181264">
+            <a:off x="-366436" y="4901148"/>
+            <a:ext cx="878015" cy="1008240"/>
+          </a:xfrm>
+          <a:prstGeom prst="arc">
+            <a:avLst>
+              <a:gd name="adj1" fmla="val 16523342"/>
+              <a:gd name="adj2" fmla="val 0"/>
+            </a:avLst>
+          </a:prstGeom>
+          <a:ln w="19050">
+            <a:solidFill>
+              <a:schemeClr val="bg1">
+                <a:lumMod val="50000"/>
+              </a:schemeClr>
+            </a:solidFill>
+            <a:headEnd type="none" w="lg" len="lg"/>
+            <a:tailEnd type="stealth" w="lg" len="lg"/>
+          </a:ln>
+        </p:spPr>
+        <p:style>
+          <a:lnRef idx="1">
+            <a:schemeClr val="accent1"/>
+          </a:lnRef>
+          <a:fillRef idx="0">
+            <a:schemeClr val="accent1"/>
+          </a:fillRef>
+          <a:effectRef idx="0">
+            <a:schemeClr val="accent1"/>
+          </a:effectRef>
+          <a:fontRef idx="minor">
+            <a:schemeClr val="tx1"/>
+          </a:fontRef>
+        </p:style>
+        <p:txBody>
+          <a:bodyPr rtlCol="0" anchor="ctr"/>
+          <a:lstStyle/>
+          <a:p>
+            <a:pPr algn="ctr"/>
+            <a:endParaRPr lang="hu-HU"/>
+          </a:p>
+        </p:txBody>
+      </p:sp>
+      <p:cxnSp>
+        <p:nvCxnSpPr>
+          <p:cNvPr id="85" name="Egyenes összekötő nyíllal 84"/>
+          <p:cNvCxnSpPr/>
+          <p:nvPr/>
+        </p:nvCxnSpPr>
+        <p:spPr>
+          <a:xfrm flipH="1">
+            <a:off x="491334" y="452757"/>
+            <a:ext cx="376356" cy="1126706"/>
+          </a:xfrm>
+          <a:prstGeom prst="straightConnector1">
+            <a:avLst/>
+          </a:prstGeom>
+          <a:ln>
+            <a:tailEnd type="stealth" w="lg" len="lg"/>
+          </a:ln>
+        </p:spPr>
+        <p:style>
+          <a:lnRef idx="1">
+            <a:schemeClr val="accent1"/>
+          </a:lnRef>
+          <a:fillRef idx="0">
+            <a:schemeClr val="accent1"/>
+          </a:fillRef>
+          <a:effectRef idx="0">
+            <a:schemeClr val="accent1"/>
+          </a:effectRef>
+          <a:fontRef idx="minor">
+            <a:schemeClr val="tx1"/>
+          </a:fontRef>
+        </p:style>
+      </p:cxnSp>
+      <p:cxnSp>
+        <p:nvCxnSpPr>
+          <p:cNvPr id="115" name="Egyenes összekötő nyíllal 114"/>
+          <p:cNvCxnSpPr/>
+          <p:nvPr/>
+        </p:nvCxnSpPr>
+        <p:spPr>
+          <a:xfrm flipH="1">
+            <a:off x="10371628" y="2743655"/>
+            <a:ext cx="1330380" cy="645079"/>
+          </a:xfrm>
+          <a:prstGeom prst="straightConnector1">
+            <a:avLst/>
+          </a:prstGeom>
+          <a:ln w="57150">
+            <a:tailEnd type="stealth" w="lg" len="lg"/>
+          </a:ln>
+        </p:spPr>
+        <p:style>
+          <a:lnRef idx="1">
+            <a:schemeClr val="accent1"/>
+          </a:lnRef>
+          <a:fillRef idx="0">
+            <a:schemeClr val="accent1"/>
+          </a:fillRef>
+          <a:effectRef idx="0">
+            <a:schemeClr val="accent1"/>
+          </a:effectRef>
+          <a:fontRef idx="minor">
+            <a:schemeClr val="tx1"/>
+          </a:fontRef>
+        </p:style>
+      </p:cxnSp>
+      <p:sp>
+        <p:nvSpPr>
+          <p:cNvPr id="75" name="Ellipszis 74"/>
+          <p:cNvSpPr/>
+          <p:nvPr/>
+        </p:nvSpPr>
+        <p:spPr>
+          <a:xfrm>
+            <a:off x="5701427" y="4704203"/>
+            <a:ext cx="811763" cy="811763"/>
+          </a:xfrm>
+          <a:prstGeom prst="ellipse">
+            <a:avLst/>
+          </a:prstGeom>
+          <a:noFill/>
+          <a:ln w="38100">
+            <a:solidFill>
+              <a:schemeClr val="bg2">
+                <a:lumMod val="50000"/>
+              </a:schemeClr>
+            </a:solidFill>
+          </a:ln>
+        </p:spPr>
+        <p:style>
+          <a:lnRef idx="2">
+            <a:schemeClr val="accent1">
+              <a:shade val="50000"/>
+            </a:schemeClr>
+          </a:lnRef>
+          <a:fillRef idx="1">
+            <a:schemeClr val="accent1"/>
+          </a:fillRef>
+          <a:effectRef idx="0">
+            <a:schemeClr val="accent1"/>
+          </a:effectRef>
+          <a:fontRef idx="minor">
+            <a:schemeClr val="lt1"/>
+          </a:fontRef>
+        </p:style>
+        <p:txBody>
+          <a:bodyPr rtlCol="0" anchor="ctr"/>
+          <a:lstStyle/>
+          <a:p>
+            <a:pPr algn="ctr"/>
+            <a:endParaRPr lang="hu-HU"/>
+          </a:p>
+        </p:txBody>
+      </p:sp>
+      <p:sp>
+        <p:nvSpPr>
+          <p:cNvPr id="71" name="Ív 106">
+            <a:extLst>
+              <a:ext uri="{FF2B5EF4-FFF2-40B4-BE49-F238E27FC236}">
+                <a16:creationId xmlns:a16="http://schemas.microsoft.com/office/drawing/2014/main" id="{399C149B-8C7D-4514-8920-CB0C294B4814}"/>
+              </a:ext>
+            </a:extLst>
+          </p:cNvPr>
+          <p:cNvSpPr/>
+          <p:nvPr/>
+        </p:nvSpPr>
+        <p:spPr>
+          <a:xfrm rot="406759">
+            <a:off x="2955104" y="5537497"/>
+            <a:ext cx="1954903" cy="617592"/>
+          </a:xfrm>
+          <a:prstGeom prst="arc">
+            <a:avLst>
+              <a:gd name="adj1" fmla="val 11150266"/>
+              <a:gd name="adj2" fmla="val 67595"/>
             </a:avLst>
           </a:prstGeom>
           <a:ln w="57150">
@@ -5936,269 +6154,6 @@
           <a:lstStyle/>
           <a:p>
             <a:pPr algn="ctr"/>
-            <a:endParaRPr lang="hu-HU" dirty="0"/>
-          </a:p>
-        </p:txBody>
-      </p:sp>
-      <p:sp>
-        <p:nvSpPr>
-          <p:cNvPr id="113" name="Ív 112"/>
-          <p:cNvSpPr/>
-          <p:nvPr/>
-        </p:nvSpPr>
-        <p:spPr>
-          <a:xfrm rot="20846679">
-            <a:off x="10466345" y="3663066"/>
-            <a:ext cx="878015" cy="1008240"/>
-          </a:xfrm>
-          <a:prstGeom prst="arc">
-            <a:avLst>
-              <a:gd name="adj1" fmla="val 16523342"/>
-              <a:gd name="adj2" fmla="val 0"/>
-            </a:avLst>
-          </a:prstGeom>
-          <a:ln w="57150">
-            <a:solidFill>
-              <a:schemeClr val="accent1"/>
-            </a:solidFill>
-            <a:headEnd type="none" w="lg" len="lg"/>
-            <a:tailEnd type="stealth" w="lg" len="lg"/>
-          </a:ln>
-        </p:spPr>
-        <p:style>
-          <a:lnRef idx="1">
-            <a:schemeClr val="accent1"/>
-          </a:lnRef>
-          <a:fillRef idx="0">
-            <a:schemeClr val="accent1"/>
-          </a:fillRef>
-          <a:effectRef idx="0">
-            <a:schemeClr val="accent1"/>
-          </a:effectRef>
-          <a:fontRef idx="minor">
-            <a:schemeClr val="tx1"/>
-          </a:fontRef>
-        </p:style>
-        <p:txBody>
-          <a:bodyPr rtlCol="0" anchor="ctr"/>
-          <a:lstStyle/>
-          <a:p>
-            <a:pPr algn="ctr"/>
-            <a:endParaRPr lang="hu-HU"/>
-          </a:p>
-        </p:txBody>
-      </p:sp>
-      <p:sp>
-        <p:nvSpPr>
-          <p:cNvPr id="114" name="Ív 113"/>
-          <p:cNvSpPr/>
-          <p:nvPr/>
-        </p:nvSpPr>
-        <p:spPr>
-          <a:xfrm rot="4181264">
-            <a:off x="-366436" y="4901148"/>
-            <a:ext cx="878015" cy="1008240"/>
-          </a:xfrm>
-          <a:prstGeom prst="arc">
-            <a:avLst>
-              <a:gd name="adj1" fmla="val 16523342"/>
-              <a:gd name="adj2" fmla="val 0"/>
-            </a:avLst>
-          </a:prstGeom>
-          <a:ln w="19050">
-            <a:solidFill>
-              <a:schemeClr val="bg1">
-                <a:lumMod val="50000"/>
-              </a:schemeClr>
-            </a:solidFill>
-            <a:headEnd type="none" w="lg" len="lg"/>
-            <a:tailEnd type="stealth" w="lg" len="lg"/>
-          </a:ln>
-        </p:spPr>
-        <p:style>
-          <a:lnRef idx="1">
-            <a:schemeClr val="accent1"/>
-          </a:lnRef>
-          <a:fillRef idx="0">
-            <a:schemeClr val="accent1"/>
-          </a:fillRef>
-          <a:effectRef idx="0">
-            <a:schemeClr val="accent1"/>
-          </a:effectRef>
-          <a:fontRef idx="minor">
-            <a:schemeClr val="tx1"/>
-          </a:fontRef>
-        </p:style>
-        <p:txBody>
-          <a:bodyPr rtlCol="0" anchor="ctr"/>
-          <a:lstStyle/>
-          <a:p>
-            <a:pPr algn="ctr"/>
-            <a:endParaRPr lang="hu-HU"/>
-          </a:p>
-        </p:txBody>
-      </p:sp>
-      <p:cxnSp>
-        <p:nvCxnSpPr>
-          <p:cNvPr id="85" name="Egyenes összekötő nyíllal 84"/>
-          <p:cNvCxnSpPr/>
-          <p:nvPr/>
-        </p:nvCxnSpPr>
-        <p:spPr>
-          <a:xfrm flipH="1">
-            <a:off x="491334" y="452757"/>
-            <a:ext cx="376356" cy="1126706"/>
-          </a:xfrm>
-          <a:prstGeom prst="straightConnector1">
-            <a:avLst/>
-          </a:prstGeom>
-          <a:ln>
-            <a:tailEnd type="stealth" w="lg" len="lg"/>
-          </a:ln>
-        </p:spPr>
-        <p:style>
-          <a:lnRef idx="1">
-            <a:schemeClr val="accent1"/>
-          </a:lnRef>
-          <a:fillRef idx="0">
-            <a:schemeClr val="accent1"/>
-          </a:fillRef>
-          <a:effectRef idx="0">
-            <a:schemeClr val="accent1"/>
-          </a:effectRef>
-          <a:fontRef idx="minor">
-            <a:schemeClr val="tx1"/>
-          </a:fontRef>
-        </p:style>
-      </p:cxnSp>
-      <p:cxnSp>
-        <p:nvCxnSpPr>
-          <p:cNvPr id="115" name="Egyenes összekötő nyíllal 114"/>
-          <p:cNvCxnSpPr/>
-          <p:nvPr/>
-        </p:nvCxnSpPr>
-        <p:spPr>
-          <a:xfrm flipH="1">
-            <a:off x="10371628" y="2743655"/>
-            <a:ext cx="1330380" cy="645079"/>
-          </a:xfrm>
-          <a:prstGeom prst="straightConnector1">
-            <a:avLst/>
-          </a:prstGeom>
-          <a:ln w="57150">
-            <a:tailEnd type="stealth" w="lg" len="lg"/>
-          </a:ln>
-        </p:spPr>
-        <p:style>
-          <a:lnRef idx="1">
-            <a:schemeClr val="accent1"/>
-          </a:lnRef>
-          <a:fillRef idx="0">
-            <a:schemeClr val="accent1"/>
-          </a:fillRef>
-          <a:effectRef idx="0">
-            <a:schemeClr val="accent1"/>
-          </a:effectRef>
-          <a:fontRef idx="minor">
-            <a:schemeClr val="tx1"/>
-          </a:fontRef>
-        </p:style>
-      </p:cxnSp>
-      <p:sp>
-        <p:nvSpPr>
-          <p:cNvPr id="75" name="Ellipszis 74"/>
-          <p:cNvSpPr/>
-          <p:nvPr/>
-        </p:nvSpPr>
-        <p:spPr>
-          <a:xfrm>
-            <a:off x="5701427" y="4704203"/>
-            <a:ext cx="811763" cy="811763"/>
-          </a:xfrm>
-          <a:prstGeom prst="ellipse">
-            <a:avLst/>
-          </a:prstGeom>
-          <a:noFill/>
-          <a:ln w="38100">
-            <a:solidFill>
-              <a:schemeClr val="bg2">
-                <a:lumMod val="50000"/>
-              </a:schemeClr>
-            </a:solidFill>
-          </a:ln>
-        </p:spPr>
-        <p:style>
-          <a:lnRef idx="2">
-            <a:schemeClr val="accent1">
-              <a:shade val="50000"/>
-            </a:schemeClr>
-          </a:lnRef>
-          <a:fillRef idx="1">
-            <a:schemeClr val="accent1"/>
-          </a:fillRef>
-          <a:effectRef idx="0">
-            <a:schemeClr val="accent1"/>
-          </a:effectRef>
-          <a:fontRef idx="minor">
-            <a:schemeClr val="lt1"/>
-          </a:fontRef>
-        </p:style>
-        <p:txBody>
-          <a:bodyPr rtlCol="0" anchor="ctr"/>
-          <a:lstStyle/>
-          <a:p>
-            <a:pPr algn="ctr"/>
-            <a:endParaRPr lang="hu-HU"/>
-          </a:p>
-        </p:txBody>
-      </p:sp>
-      <p:sp>
-        <p:nvSpPr>
-          <p:cNvPr id="71" name="Ív 106">
-            <a:extLst>
-              <a:ext uri="{FF2B5EF4-FFF2-40B4-BE49-F238E27FC236}">
-                <a16:creationId xmlns:a16="http://schemas.microsoft.com/office/drawing/2014/main" xmlns="" id="{399C149B-8C7D-4514-8920-CB0C294B4814}"/>
-              </a:ext>
-            </a:extLst>
-          </p:cNvPr>
-          <p:cNvSpPr/>
-          <p:nvPr/>
-        </p:nvSpPr>
-        <p:spPr>
-          <a:xfrm rot="406759">
-            <a:off x="2955104" y="5537497"/>
-            <a:ext cx="1954903" cy="617592"/>
-          </a:xfrm>
-          <a:prstGeom prst="arc">
-            <a:avLst>
-              <a:gd name="adj1" fmla="val 11150266"/>
-              <a:gd name="adj2" fmla="val 67595"/>
-            </a:avLst>
-          </a:prstGeom>
-          <a:ln w="57150">
-            <a:headEnd type="stealth" w="lg" len="lg"/>
-            <a:tailEnd type="none"/>
-          </a:ln>
-        </p:spPr>
-        <p:style>
-          <a:lnRef idx="3">
-            <a:schemeClr val="accent2"/>
-          </a:lnRef>
-          <a:fillRef idx="0">
-            <a:schemeClr val="accent2"/>
-          </a:fillRef>
-          <a:effectRef idx="2">
-            <a:schemeClr val="accent2"/>
-          </a:effectRef>
-          <a:fontRef idx="minor">
-            <a:schemeClr val="tx1"/>
-          </a:fontRef>
-        </p:style>
-        <p:txBody>
-          <a:bodyPr rtlCol="0" anchor="ctr"/>
-          <a:lstStyle/>
-          <a:p>
-            <a:pPr algn="ctr"/>
             <a:endParaRPr lang="hu-HU"/>
           </a:p>
         </p:txBody>
@@ -6208,7 +6163,7 @@
           <p:cNvPr id="72" name="Egyenes összekötő nyíllal 84">
             <a:extLst>
               <a:ext uri="{FF2B5EF4-FFF2-40B4-BE49-F238E27FC236}">
-                <a16:creationId xmlns:a16="http://schemas.microsoft.com/office/drawing/2014/main" xmlns="" id="{74FB7131-7AEF-41A8-824A-9C4993BC03FE}"/>
+                <a16:creationId xmlns:a16="http://schemas.microsoft.com/office/drawing/2014/main" id="{74FB7131-7AEF-41A8-824A-9C4993BC03FE}"/>
               </a:ext>
             </a:extLst>
           </p:cNvPr>
@@ -6219,7 +6174,7 @@
         </p:nvCxnSpPr>
         <p:spPr>
           <a:xfrm flipV="1">
-            <a:off x="7024948" y="5875852"/>
+            <a:off x="7024948" y="5837218"/>
             <a:ext cx="2316690" cy="151669"/>
           </a:xfrm>
           <a:prstGeom prst="straightConnector1">
@@ -6249,7 +6204,7 @@
           <p:cNvPr id="82" name="Ív 111">
             <a:extLst>
               <a:ext uri="{FF2B5EF4-FFF2-40B4-BE49-F238E27FC236}">
-                <a16:creationId xmlns:a16="http://schemas.microsoft.com/office/drawing/2014/main" xmlns="" id="{71A8C9FC-4D24-4D5E-B1AC-2EAEFEA4857A}"/>
+                <a16:creationId xmlns:a16="http://schemas.microsoft.com/office/drawing/2014/main" id="{71A8C9FC-4D24-4D5E-B1AC-2EAEFEA4857A}"/>
               </a:ext>
             </a:extLst>
           </p:cNvPr>
@@ -6300,7 +6255,7 @@
           <p:cNvPr id="83" name="Ív 106">
             <a:extLst>
               <a:ext uri="{FF2B5EF4-FFF2-40B4-BE49-F238E27FC236}">
-                <a16:creationId xmlns:a16="http://schemas.microsoft.com/office/drawing/2014/main" xmlns="" id="{088A8847-28F4-4A2B-866D-E48582A07BAC}"/>
+                <a16:creationId xmlns:a16="http://schemas.microsoft.com/office/drawing/2014/main" id="{088A8847-28F4-4A2B-866D-E48582A07BAC}"/>
               </a:ext>
             </a:extLst>
           </p:cNvPr>
@@ -6351,7 +6306,7 @@
           <p:cNvPr id="86" name="Ellipszis 28">
             <a:extLst>
               <a:ext uri="{FF2B5EF4-FFF2-40B4-BE49-F238E27FC236}">
-                <a16:creationId xmlns:a16="http://schemas.microsoft.com/office/drawing/2014/main" xmlns="" id="{A3FFD027-F53C-47AA-BCC3-169B823BE608}"/>
+                <a16:creationId xmlns:a16="http://schemas.microsoft.com/office/drawing/2014/main" id="{A3FFD027-F53C-47AA-BCC3-169B823BE608}"/>
               </a:ext>
             </a:extLst>
           </p:cNvPr>
@@ -6360,7 +6315,7 @@
         </p:nvSpPr>
         <p:spPr>
           <a:xfrm>
-            <a:off x="6002901" y="63589"/>
+            <a:off x="6002901" y="31394"/>
             <a:ext cx="811763" cy="811763"/>
           </a:xfrm>
           <a:prstGeom prst="ellipse">
@@ -6405,7 +6360,7 @@
           <p:cNvPr id="87" name="Ellipszis 30">
             <a:extLst>
               <a:ext uri="{FF2B5EF4-FFF2-40B4-BE49-F238E27FC236}">
-                <a16:creationId xmlns:a16="http://schemas.microsoft.com/office/drawing/2014/main" xmlns="" id="{EF060117-7F09-4DAA-B4A5-A09704BFDEC8}"/>
+                <a16:creationId xmlns:a16="http://schemas.microsoft.com/office/drawing/2014/main" id="{EF060117-7F09-4DAA-B4A5-A09704BFDEC8}"/>
               </a:ext>
             </a:extLst>
           </p:cNvPr>
@@ -6459,7 +6414,7 @@
           <p:cNvPr id="91" name="Ellipszis 30">
             <a:extLst>
               <a:ext uri="{FF2B5EF4-FFF2-40B4-BE49-F238E27FC236}">
-                <a16:creationId xmlns:a16="http://schemas.microsoft.com/office/drawing/2014/main" xmlns="" id="{69A25612-D9B6-4699-974B-152EC2568F61}"/>
+                <a16:creationId xmlns:a16="http://schemas.microsoft.com/office/drawing/2014/main" id="{69A25612-D9B6-4699-974B-152EC2568F61}"/>
               </a:ext>
             </a:extLst>
           </p:cNvPr>
@@ -6513,7 +6468,7 @@
           <p:cNvPr id="92" name="Ellipszis 28">
             <a:extLst>
               <a:ext uri="{FF2B5EF4-FFF2-40B4-BE49-F238E27FC236}">
-                <a16:creationId xmlns:a16="http://schemas.microsoft.com/office/drawing/2014/main" xmlns="" id="{F15A2666-2A83-4FBA-AFBF-793151C5E910}"/>
+                <a16:creationId xmlns:a16="http://schemas.microsoft.com/office/drawing/2014/main" id="{F15A2666-2A83-4FBA-AFBF-793151C5E910}"/>
               </a:ext>
             </a:extLst>
           </p:cNvPr>
@@ -6567,7 +6522,7 @@
           <p:cNvPr id="94" name="Ellipszis 28">
             <a:extLst>
               <a:ext uri="{FF2B5EF4-FFF2-40B4-BE49-F238E27FC236}">
-                <a16:creationId xmlns:a16="http://schemas.microsoft.com/office/drawing/2014/main" xmlns="" id="{1757B7CC-362D-4B5E-A2F2-617E012EAFCF}"/>
+                <a16:creationId xmlns:a16="http://schemas.microsoft.com/office/drawing/2014/main" id="{1757B7CC-362D-4B5E-A2F2-617E012EAFCF}"/>
               </a:ext>
             </a:extLst>
           </p:cNvPr>
@@ -6621,7 +6576,7 @@
           <p:cNvPr id="95" name="Ellipszis 28">
             <a:extLst>
               <a:ext uri="{FF2B5EF4-FFF2-40B4-BE49-F238E27FC236}">
-                <a16:creationId xmlns:a16="http://schemas.microsoft.com/office/drawing/2014/main" xmlns="" id="{427ABC8B-8A7C-4DBD-BB77-411D78246C93}"/>
+                <a16:creationId xmlns:a16="http://schemas.microsoft.com/office/drawing/2014/main" id="{427ABC8B-8A7C-4DBD-BB77-411D78246C93}"/>
               </a:ext>
             </a:extLst>
           </p:cNvPr>
@@ -6675,7 +6630,7 @@
           <p:cNvPr id="96" name="Téglalap 23">
             <a:extLst>
               <a:ext uri="{FF2B5EF4-FFF2-40B4-BE49-F238E27FC236}">
-                <a16:creationId xmlns:a16="http://schemas.microsoft.com/office/drawing/2014/main" xmlns="" id="{28156A77-DA47-4AAF-B7A0-DD653832A2B0}"/>
+                <a16:creationId xmlns:a16="http://schemas.microsoft.com/office/drawing/2014/main" id="{28156A77-DA47-4AAF-B7A0-DD653832A2B0}"/>
               </a:ext>
             </a:extLst>
           </p:cNvPr>
@@ -6696,7 +6651,7 @@
           </a:ln>
         </p:spPr>
         <p:txBody>
-          <a:bodyPr wrap="none" lIns="91440" tIns="45720" rIns="91440" bIns="45720">
+          <a:bodyPr wrap="square" lIns="91440" tIns="45720" rIns="91440" bIns="45720">
             <a:spAutoFit/>
           </a:bodyPr>
           <a:lstStyle/>
@@ -6758,7 +6713,7 @@
           <p:cNvPr id="97" name="Ív 109">
             <a:extLst>
               <a:ext uri="{FF2B5EF4-FFF2-40B4-BE49-F238E27FC236}">
-                <a16:creationId xmlns:a16="http://schemas.microsoft.com/office/drawing/2014/main" xmlns="" id="{41010325-EEFA-4663-8799-BC1E8DD31347}"/>
+                <a16:creationId xmlns:a16="http://schemas.microsoft.com/office/drawing/2014/main" id="{41010325-EEFA-4663-8799-BC1E8DD31347}"/>
               </a:ext>
             </a:extLst>
           </p:cNvPr>
@@ -6809,7 +6764,7 @@
           <p:cNvPr id="99" name="Ív 111">
             <a:extLst>
               <a:ext uri="{FF2B5EF4-FFF2-40B4-BE49-F238E27FC236}">
-                <a16:creationId xmlns:a16="http://schemas.microsoft.com/office/drawing/2014/main" xmlns="" id="{C788A7ED-38B7-4F08-A893-09331542E95C}"/>
+                <a16:creationId xmlns:a16="http://schemas.microsoft.com/office/drawing/2014/main" id="{C788A7ED-38B7-4F08-A893-09331542E95C}"/>
               </a:ext>
             </a:extLst>
           </p:cNvPr>
@@ -6818,8 +6773,8 @@
         </p:nvSpPr>
         <p:spPr>
           <a:xfrm>
-            <a:off x="8702558" y="3458449"/>
-            <a:ext cx="479610" cy="579815"/>
+            <a:off x="8660478" y="3303282"/>
+            <a:ext cx="479610" cy="712138"/>
           </a:xfrm>
           <a:prstGeom prst="arc">
             <a:avLst>
@@ -6860,7 +6815,7 @@
           <p:cNvPr id="116" name="Ív 111">
             <a:extLst>
               <a:ext uri="{FF2B5EF4-FFF2-40B4-BE49-F238E27FC236}">
-                <a16:creationId xmlns:a16="http://schemas.microsoft.com/office/drawing/2014/main" xmlns="" id="{985FD7D6-49DE-42A0-8DC5-83895E10773C}"/>
+                <a16:creationId xmlns:a16="http://schemas.microsoft.com/office/drawing/2014/main" id="{985FD7D6-49DE-42A0-8DC5-83895E10773C}"/>
               </a:ext>
             </a:extLst>
           </p:cNvPr>
@@ -6869,13 +6824,13 @@
         </p:nvSpPr>
         <p:spPr>
           <a:xfrm>
-            <a:off x="8603129" y="3164638"/>
-            <a:ext cx="289805" cy="684333"/>
+            <a:off x="8188068" y="2799905"/>
+            <a:ext cx="704866" cy="1124027"/>
           </a:xfrm>
           <a:prstGeom prst="arc">
             <a:avLst>
               <a:gd name="adj1" fmla="val 1065704"/>
-              <a:gd name="adj2" fmla="val 5850553"/>
+              <a:gd name="adj2" fmla="val 4505418"/>
             </a:avLst>
           </a:prstGeom>
           <a:ln w="57150">
@@ -6911,7 +6866,7 @@
           <p:cNvPr id="118" name="Ív 109">
             <a:extLst>
               <a:ext uri="{FF2B5EF4-FFF2-40B4-BE49-F238E27FC236}">
-                <a16:creationId xmlns:a16="http://schemas.microsoft.com/office/drawing/2014/main" xmlns="" id="{426613D3-E2EE-4BAD-9FAD-3EC5A9FB4CA8}"/>
+                <a16:creationId xmlns:a16="http://schemas.microsoft.com/office/drawing/2014/main" id="{426613D3-E2EE-4BAD-9FAD-3EC5A9FB4CA8}"/>
               </a:ext>
             </a:extLst>
           </p:cNvPr>
@@ -6962,7 +6917,7 @@
           <p:cNvPr id="119" name="Ív 109">
             <a:extLst>
               <a:ext uri="{FF2B5EF4-FFF2-40B4-BE49-F238E27FC236}">
-                <a16:creationId xmlns:a16="http://schemas.microsoft.com/office/drawing/2014/main" xmlns="" id="{E65C4E5C-D95A-4798-8C72-69754F892245}"/>
+                <a16:creationId xmlns:a16="http://schemas.microsoft.com/office/drawing/2014/main" id="{E65C4E5C-D95A-4798-8C72-69754F892245}"/>
               </a:ext>
             </a:extLst>
           </p:cNvPr>
@@ -7010,30 +6965,24 @@
       </p:sp>
       <p:sp>
         <p:nvSpPr>
-          <p:cNvPr id="120" name="Ív 109">
-            <a:extLst>
-              <a:ext uri="{FF2B5EF4-FFF2-40B4-BE49-F238E27FC236}">
-                <a16:creationId xmlns:a16="http://schemas.microsoft.com/office/drawing/2014/main" xmlns="" id="{F4C1D2FB-9D29-4644-B327-C8F9C5384B6E}"/>
-              </a:ext>
-            </a:extLst>
-          </p:cNvPr>
-          <p:cNvSpPr/>
-          <p:nvPr/>
-        </p:nvSpPr>
-        <p:spPr>
-          <a:xfrm>
-            <a:off x="7653920" y="3243412"/>
-            <a:ext cx="1386710" cy="1325648"/>
+          <p:cNvPr id="117" name="Ív 116"/>
+          <p:cNvSpPr/>
+          <p:nvPr/>
+        </p:nvSpPr>
+        <p:spPr>
+          <a:xfrm>
+            <a:off x="2654668" y="772760"/>
+            <a:ext cx="616061" cy="797698"/>
           </a:xfrm>
           <a:prstGeom prst="arc">
             <a:avLst>
-              <a:gd name="adj1" fmla="val 11600410"/>
-              <a:gd name="adj2" fmla="val 17142329"/>
+              <a:gd name="adj1" fmla="val 20612002"/>
+              <a:gd name="adj2" fmla="val 4443150"/>
             </a:avLst>
           </a:prstGeom>
           <a:ln w="57150">
-            <a:headEnd type="none" w="lg" len="lg"/>
-            <a:tailEnd type="stealth" w="lg" len="lg"/>
+            <a:headEnd type="stealth" w="lg" len="lg"/>
+            <a:tailEnd type="none"/>
           </a:ln>
         </p:spPr>
         <p:style>
@@ -7061,24 +7010,78 @@
       </p:sp>
       <p:sp>
         <p:nvSpPr>
-          <p:cNvPr id="117" name="Ív 116"/>
-          <p:cNvSpPr/>
-          <p:nvPr/>
-        </p:nvSpPr>
-        <p:spPr>
-          <a:xfrm>
-            <a:off x="2654668" y="772760"/>
-            <a:ext cx="616061" cy="797698"/>
+          <p:cNvPr id="121" name="Ív 120"/>
+          <p:cNvSpPr/>
+          <p:nvPr/>
+        </p:nvSpPr>
+        <p:spPr>
+          <a:xfrm rot="12697419">
+            <a:off x="8298628" y="1533197"/>
+            <a:ext cx="1153347" cy="678260"/>
           </a:xfrm>
           <a:prstGeom prst="arc">
             <a:avLst>
-              <a:gd name="adj1" fmla="val 20612002"/>
-              <a:gd name="adj2" fmla="val 4443150"/>
+              <a:gd name="adj1" fmla="val 17672378"/>
+              <a:gd name="adj2" fmla="val 0"/>
             </a:avLst>
           </a:prstGeom>
           <a:ln w="57150">
-            <a:headEnd type="stealth" w="lg" len="lg"/>
-            <a:tailEnd type="none"/>
+            <a:solidFill>
+              <a:schemeClr val="accent2"/>
+            </a:solidFill>
+            <a:headEnd type="none" w="lg" len="lg"/>
+            <a:tailEnd type="stealth" w="lg" len="lg"/>
+          </a:ln>
+        </p:spPr>
+        <p:style>
+          <a:lnRef idx="1">
+            <a:schemeClr val="accent1"/>
+          </a:lnRef>
+          <a:fillRef idx="0">
+            <a:schemeClr val="accent1"/>
+          </a:fillRef>
+          <a:effectRef idx="0">
+            <a:schemeClr val="accent1"/>
+          </a:effectRef>
+          <a:fontRef idx="minor">
+            <a:schemeClr val="tx1"/>
+          </a:fontRef>
+        </p:style>
+        <p:txBody>
+          <a:bodyPr rtlCol="0" anchor="ctr"/>
+          <a:lstStyle/>
+          <a:p>
+            <a:pPr algn="ctr"/>
+            <a:endParaRPr lang="hu-HU"/>
+          </a:p>
+        </p:txBody>
+      </p:sp>
+      <p:sp>
+        <p:nvSpPr>
+          <p:cNvPr id="122" name="Ív 109">
+            <a:extLst>
+              <a:ext uri="{FF2B5EF4-FFF2-40B4-BE49-F238E27FC236}">
+                <a16:creationId xmlns:a16="http://schemas.microsoft.com/office/drawing/2014/main" id="{426613D3-E2EE-4BAD-9FAD-3EC5A9FB4CA8}"/>
+              </a:ext>
+            </a:extLst>
+          </p:cNvPr>
+          <p:cNvSpPr/>
+          <p:nvPr/>
+        </p:nvSpPr>
+        <p:spPr>
+          <a:xfrm>
+            <a:off x="2250800" y="3009160"/>
+            <a:ext cx="1629084" cy="1201879"/>
+          </a:xfrm>
+          <a:prstGeom prst="arc">
+            <a:avLst>
+              <a:gd name="adj1" fmla="val 59287"/>
+              <a:gd name="adj2" fmla="val 5633933"/>
+            </a:avLst>
+          </a:prstGeom>
+          <a:ln w="57150">
+            <a:headEnd type="none" w="lg" len="lg"/>
+            <a:tailEnd type="stealth" w="lg" len="lg"/>
           </a:ln>
         </p:spPr>
         <p:style>
@@ -7104,28 +7107,24 @@
           </a:p>
         </p:txBody>
       </p:sp>
-      <p:sp>
-        <p:nvSpPr>
-          <p:cNvPr id="121" name="Ív 120"/>
-          <p:cNvSpPr/>
-          <p:nvPr/>
-        </p:nvSpPr>
-        <p:spPr>
-          <a:xfrm rot="12697419">
-            <a:off x="8298628" y="1533197"/>
-            <a:ext cx="1153347" cy="678260"/>
-          </a:xfrm>
-          <a:prstGeom prst="arc">
-            <a:avLst>
-              <a:gd name="adj1" fmla="val 17672378"/>
-              <a:gd name="adj2" fmla="val 0"/>
-            </a:avLst>
+      <p:cxnSp>
+        <p:nvCxnSpPr>
+          <p:cNvPr id="123" name="Egyenes összekötő nyíllal 122"/>
+          <p:cNvCxnSpPr/>
+          <p:nvPr/>
+        </p:nvCxnSpPr>
+        <p:spPr>
+          <a:xfrm flipH="1" flipV="1">
+            <a:off x="5147669" y="4054192"/>
+            <a:ext cx="674633" cy="700492"/>
+          </a:xfrm>
+          <a:prstGeom prst="straightConnector1">
+            <a:avLst/>
           </a:prstGeom>
           <a:ln w="57150">
             <a:solidFill>
-              <a:schemeClr val="accent2"/>
+              <a:srgbClr val="0070C0"/>
             </a:solidFill>
-            <a:headEnd type="none" w="lg" len="lg"/>
             <a:tailEnd type="stealth" w="lg" len="lg"/>
           </a:ln>
         </p:spPr>
@@ -7143,21 +7142,49 @@
             <a:schemeClr val="tx1"/>
           </a:fontRef>
         </p:style>
-        <p:txBody>
-          <a:bodyPr rtlCol="0" anchor="ctr"/>
-          <a:lstStyle/>
-          <a:p>
-            <a:pPr algn="ctr"/>
-            <a:endParaRPr lang="hu-HU"/>
-          </a:p>
-        </p:txBody>
-      </p:sp>
-      <p:sp>
-        <p:nvSpPr>
-          <p:cNvPr id="122" name="Ív 109">
+      </p:cxnSp>
+      <p:cxnSp>
+        <p:nvCxnSpPr>
+          <p:cNvPr id="124" name="Egyenes összekötő nyíllal 123"/>
+          <p:cNvCxnSpPr/>
+          <p:nvPr/>
+        </p:nvCxnSpPr>
+        <p:spPr>
+          <a:xfrm flipV="1">
+            <a:off x="5310413" y="1641144"/>
+            <a:ext cx="576931" cy="958603"/>
+          </a:xfrm>
+          <a:prstGeom prst="straightConnector1">
+            <a:avLst/>
+          </a:prstGeom>
+          <a:ln w="57150">
+            <a:solidFill>
+              <a:srgbClr val="0070C0"/>
+            </a:solidFill>
+            <a:tailEnd type="stealth" w="lg" len="lg"/>
+          </a:ln>
+        </p:spPr>
+        <p:style>
+          <a:lnRef idx="1">
+            <a:schemeClr val="accent1"/>
+          </a:lnRef>
+          <a:fillRef idx="0">
+            <a:schemeClr val="accent1"/>
+          </a:fillRef>
+          <a:effectRef idx="0">
+            <a:schemeClr val="accent1"/>
+          </a:effectRef>
+          <a:fontRef idx="minor">
+            <a:schemeClr val="tx1"/>
+          </a:fontRef>
+        </p:style>
+      </p:cxnSp>
+      <p:sp>
+        <p:nvSpPr>
+          <p:cNvPr id="108" name="Ív 111">
             <a:extLst>
               <a:ext uri="{FF2B5EF4-FFF2-40B4-BE49-F238E27FC236}">
-                <a16:creationId xmlns:a16="http://schemas.microsoft.com/office/drawing/2014/main" xmlns="" id="{426613D3-E2EE-4BAD-9FAD-3EC5A9FB4CA8}"/>
+                <a16:creationId xmlns:a16="http://schemas.microsoft.com/office/drawing/2014/main" id="{061CF9F5-75EB-4433-8083-FA99B802E4A6}"/>
               </a:ext>
             </a:extLst>
           </p:cNvPr>
@@ -7166,18 +7193,18 @@
         </p:nvSpPr>
         <p:spPr>
           <a:xfrm>
-            <a:off x="2586449" y="3135296"/>
-            <a:ext cx="1287712" cy="1075743"/>
+            <a:off x="8870132" y="3021711"/>
+            <a:ext cx="737737" cy="579815"/>
           </a:xfrm>
           <a:prstGeom prst="arc">
             <a:avLst>
-              <a:gd name="adj1" fmla="val 59287"/>
-              <a:gd name="adj2" fmla="val 7057609"/>
+              <a:gd name="adj1" fmla="val 15971558"/>
+              <a:gd name="adj2" fmla="val 21063659"/>
             </a:avLst>
           </a:prstGeom>
           <a:ln w="57150">
-            <a:headEnd type="none" w="lg" len="lg"/>
-            <a:tailEnd type="stealth" w="lg" len="lg"/>
+            <a:headEnd type="stealth" w="lg" len="lg"/>
+            <a:tailEnd type="none"/>
           </a:ln>
         </p:spPr>
         <p:style>
@@ -7199,82 +7226,55 @@
           <a:lstStyle/>
           <a:p>
             <a:pPr algn="ctr"/>
-            <a:endParaRPr lang="hu-HU"/>
-          </a:p>
-        </p:txBody>
-      </p:sp>
-      <p:cxnSp>
-        <p:nvCxnSpPr>
-          <p:cNvPr id="123" name="Egyenes összekötő nyíllal 122"/>
-          <p:cNvCxnSpPr/>
-          <p:nvPr/>
-        </p:nvCxnSpPr>
-        <p:spPr>
-          <a:xfrm flipH="1" flipV="1">
-            <a:off x="5147669" y="4054192"/>
-            <a:ext cx="674633" cy="700492"/>
-          </a:xfrm>
-          <a:prstGeom prst="straightConnector1">
-            <a:avLst/>
+            <a:endParaRPr lang="hu-HU" dirty="0"/>
+          </a:p>
+        </p:txBody>
+      </p:sp>
+      <p:sp>
+        <p:nvSpPr>
+          <p:cNvPr id="112" name="Ív 111"/>
+          <p:cNvSpPr/>
+          <p:nvPr/>
+        </p:nvSpPr>
+        <p:spPr>
+          <a:xfrm rot="16651308">
+            <a:off x="7727036" y="5729656"/>
+            <a:ext cx="1375728" cy="912477"/>
+          </a:xfrm>
+          <a:prstGeom prst="arc">
+            <a:avLst>
+              <a:gd name="adj1" fmla="val 16419735"/>
+              <a:gd name="adj2" fmla="val 0"/>
+            </a:avLst>
           </a:prstGeom>
           <a:ln w="57150">
-            <a:solidFill>
-              <a:srgbClr val="0070C0"/>
-            </a:solidFill>
-            <a:tailEnd type="stealth" w="lg" len="lg"/>
+            <a:headEnd type="stealth" w="lg" len="lg"/>
+            <a:tailEnd type="none"/>
           </a:ln>
         </p:spPr>
         <p:style>
-          <a:lnRef idx="1">
-            <a:schemeClr val="accent1"/>
+          <a:lnRef idx="3">
+            <a:schemeClr val="accent2"/>
           </a:lnRef>
           <a:fillRef idx="0">
-            <a:schemeClr val="accent1"/>
+            <a:schemeClr val="accent2"/>
           </a:fillRef>
-          <a:effectRef idx="0">
-            <a:schemeClr val="accent1"/>
+          <a:effectRef idx="2">
+            <a:schemeClr val="accent2"/>
           </a:effectRef>
           <a:fontRef idx="minor">
             <a:schemeClr val="tx1"/>
           </a:fontRef>
         </p:style>
-      </p:cxnSp>
-      <p:cxnSp>
-        <p:nvCxnSpPr>
-          <p:cNvPr id="124" name="Egyenes összekötő nyíllal 123"/>
-          <p:cNvCxnSpPr/>
-          <p:nvPr/>
-        </p:nvCxnSpPr>
-        <p:spPr>
-          <a:xfrm flipV="1">
-            <a:off x="5310413" y="1641144"/>
-            <a:ext cx="576931" cy="958603"/>
-          </a:xfrm>
-          <a:prstGeom prst="straightConnector1">
-            <a:avLst/>
-          </a:prstGeom>
-          <a:ln w="57150">
-            <a:solidFill>
-              <a:srgbClr val="0070C0"/>
-            </a:solidFill>
-            <a:tailEnd type="stealth" w="lg" len="lg"/>
-          </a:ln>
-        </p:spPr>
-        <p:style>
-          <a:lnRef idx="1">
-            <a:schemeClr val="accent1"/>
-          </a:lnRef>
-          <a:fillRef idx="0">
-            <a:schemeClr val="accent1"/>
-          </a:fillRef>
-          <a:effectRef idx="0">
-            <a:schemeClr val="accent1"/>
-          </a:effectRef>
-          <a:fontRef idx="minor">
-            <a:schemeClr val="tx1"/>
-          </a:fontRef>
-        </p:style>
-      </p:cxnSp>
+        <p:txBody>
+          <a:bodyPr rtlCol="0" anchor="ctr"/>
+          <a:lstStyle/>
+          <a:p>
+            <a:pPr algn="ctr"/>
+            <a:endParaRPr lang="hu-HU" dirty="0"/>
+          </a:p>
+        </p:txBody>
+      </p:sp>
     </p:spTree>
     <p:extLst>
       <p:ext uri="{BB962C8B-B14F-4D97-AF65-F5344CB8AC3E}">
